--- a/Final_Presentation.pptx
+++ b/Final_Presentation.pptx
@@ -5,19 +5,24 @@
     <p:sldMasterId id="2147483659" r:id="rId1"/>
   </p:sldMasterIdLst>
   <p:notesMasterIdLst>
-    <p:notesMasterId r:id="rId9"/>
+    <p:notesMasterId r:id="rId14"/>
   </p:notesMasterIdLst>
   <p:handoutMasterIdLst>
-    <p:handoutMasterId r:id="rId10"/>
+    <p:handoutMasterId r:id="rId15"/>
   </p:handoutMasterIdLst>
   <p:sldIdLst>
     <p:sldId id="256" r:id="rId2"/>
     <p:sldId id="298" r:id="rId3"/>
-    <p:sldId id="315" r:id="rId4"/>
-    <p:sldId id="317" r:id="rId5"/>
-    <p:sldId id="313" r:id="rId6"/>
-    <p:sldId id="314" r:id="rId7"/>
-    <p:sldId id="316" r:id="rId8"/>
+    <p:sldId id="321" r:id="rId4"/>
+    <p:sldId id="315" r:id="rId5"/>
+    <p:sldId id="319" r:id="rId6"/>
+    <p:sldId id="318" r:id="rId7"/>
+    <p:sldId id="320" r:id="rId8"/>
+    <p:sldId id="322" r:id="rId9"/>
+    <p:sldId id="317" r:id="rId10"/>
+    <p:sldId id="313" r:id="rId11"/>
+    <p:sldId id="314" r:id="rId12"/>
+    <p:sldId id="316" r:id="rId13"/>
   </p:sldIdLst>
   <p:sldSz cx="9144000" cy="6858000" type="screen4x3"/>
   <p:notesSz cx="6858000" cy="9144000"/>
@@ -256,7 +261,7 @@
               <a:pPr>
                 <a:defRPr/>
               </a:pPr>
-              <a:t>12/6/16</a:t>
+              <a:t>12/7/16</a:t>
             </a:fld>
             <a:endParaRPr lang="en-US"/>
           </a:p>
@@ -447,7 +452,7 @@
               <a:pPr>
                 <a:defRPr/>
               </a:pPr>
-              <a:t>12/6/16</a:t>
+              <a:t>12/7/16</a:t>
             </a:fld>
             <a:endParaRPr lang="en-US" altLang="zh-CN"/>
           </a:p>
@@ -1723,7 +1728,7 @@
               <a:pPr>
                 <a:defRPr/>
               </a:pPr>
-              <a:t>12/6/16</a:t>
+              <a:t>12/7/16</a:t>
             </a:fld>
             <a:endParaRPr lang="en-US" altLang="zh-CN"/>
           </a:p>
@@ -2624,882 +2629,7 @@
 </p:sld>
 </file>
 
-<file path=ppt/slides/slide2.xml><?xml version="1.0" encoding="utf-8"?>
-<p:sld xmlns:a="http://schemas.openxmlformats.org/drawingml/2006/main" xmlns:r="http://schemas.openxmlformats.org/officeDocument/2006/relationships" xmlns:p="http://schemas.openxmlformats.org/presentationml/2006/main">
-  <p:cSld>
-    <p:spTree>
-      <p:nvGrpSpPr>
-        <p:cNvPr id="1" name=""/>
-        <p:cNvGrpSpPr/>
-        <p:nvPr/>
-      </p:nvGrpSpPr>
-      <p:grpSpPr>
-        <a:xfrm>
-          <a:off x="0" y="0"/>
-          <a:ext cx="0" cy="0"/>
-          <a:chOff x="0" y="0"/>
-          <a:chExt cx="0" cy="0"/>
-        </a:xfrm>
-      </p:grpSpPr>
-      <p:sp>
-        <p:nvSpPr>
-          <p:cNvPr id="2" name="Content Placeholder 1"/>
-          <p:cNvSpPr>
-            <a:spLocks noGrp="1"/>
-          </p:cNvSpPr>
-          <p:nvPr>
-            <p:ph idx="1"/>
-          </p:nvPr>
-        </p:nvSpPr>
-        <p:spPr>
-          <a:xfrm>
-            <a:off x="436563" y="1139825"/>
-            <a:ext cx="8270875" cy="4922838"/>
-          </a:xfrm>
-        </p:spPr>
-        <p:txBody>
-          <a:bodyPr>
-            <a:normAutofit/>
-          </a:bodyPr>
-          <a:lstStyle/>
-          <a:p>
-            <a:pPr eaLnBrk="1" hangingPunct="1">
-              <a:lnSpc>
-                <a:spcPct val="100000"/>
-              </a:lnSpc>
-              <a:defRPr/>
-            </a:pPr>
-            <a:r>
-              <a:rPr kumimoji="0" lang="en-US" altLang="zh-CN" dirty="0" smtClean="0">
-                <a:cs typeface="+mn-cs"/>
-              </a:rPr>
-              <a:t>Motivation</a:t>
-            </a:r>
-          </a:p>
-          <a:p>
-            <a:pPr eaLnBrk="1" hangingPunct="1">
-              <a:lnSpc>
-                <a:spcPct val="100000"/>
-              </a:lnSpc>
-              <a:defRPr/>
-            </a:pPr>
-            <a:r>
-              <a:rPr kumimoji="0" lang="en-US" altLang="zh-CN" dirty="0" smtClean="0">
-                <a:cs typeface="+mn-cs"/>
-              </a:rPr>
-              <a:t>Dataset</a:t>
-            </a:r>
-            <a:endParaRPr kumimoji="0" lang="en-US" altLang="zh-CN" dirty="0">
-              <a:cs typeface="+mn-cs"/>
-            </a:endParaRPr>
-          </a:p>
-          <a:p>
-            <a:pPr eaLnBrk="1" hangingPunct="1">
-              <a:lnSpc>
-                <a:spcPct val="100000"/>
-              </a:lnSpc>
-              <a:defRPr/>
-            </a:pPr>
-            <a:r>
-              <a:rPr kumimoji="0" lang="en-US" altLang="zh-CN" dirty="0" smtClean="0">
-                <a:cs typeface="+mn-cs"/>
-              </a:rPr>
-              <a:t>Architecture</a:t>
-            </a:r>
-          </a:p>
-          <a:p>
-            <a:pPr eaLnBrk="1" hangingPunct="1">
-              <a:lnSpc>
-                <a:spcPct val="100000"/>
-              </a:lnSpc>
-              <a:defRPr/>
-            </a:pPr>
-            <a:r>
-              <a:rPr kumimoji="0" lang="en-US" altLang="zh-CN" dirty="0" smtClean="0">
-                <a:cs typeface="+mn-cs"/>
-              </a:rPr>
-              <a:t>Demo</a:t>
-            </a:r>
-          </a:p>
-          <a:p>
-            <a:pPr eaLnBrk="1" hangingPunct="1">
-              <a:lnSpc>
-                <a:spcPct val="100000"/>
-              </a:lnSpc>
-              <a:defRPr/>
-            </a:pPr>
-            <a:endParaRPr kumimoji="0" lang="en-US" altLang="zh-CN" dirty="0" smtClean="0">
-              <a:cs typeface="+mn-cs"/>
-            </a:endParaRPr>
-          </a:p>
-        </p:txBody>
-      </p:sp>
-      <p:sp>
-        <p:nvSpPr>
-          <p:cNvPr id="7170" name="Title 2"/>
-          <p:cNvSpPr>
-            <a:spLocks noGrp="1"/>
-          </p:cNvSpPr>
-          <p:nvPr>
-            <p:ph type="title"/>
-          </p:nvPr>
-        </p:nvSpPr>
-        <p:spPr>
-          <a:xfrm>
-            <a:off x="266700" y="0"/>
-            <a:ext cx="8877300" cy="801688"/>
-          </a:xfrm>
-        </p:spPr>
-        <p:txBody>
-          <a:bodyPr/>
-          <a:lstStyle/>
-          <a:p>
-            <a:pPr eaLnBrk="1" hangingPunct="1"/>
-            <a:r>
-              <a:rPr kumimoji="0" lang="en-US" altLang="zh-CN" dirty="0">
-                <a:ea typeface="宋体" charset="-122"/>
-              </a:rPr>
-              <a:t>Outline</a:t>
-            </a:r>
-          </a:p>
-        </p:txBody>
-      </p:sp>
-      <p:sp>
-        <p:nvSpPr>
-          <p:cNvPr id="7171" name="Slide Number Placeholder 3"/>
-          <p:cNvSpPr>
-            <a:spLocks noGrp="1"/>
-          </p:cNvSpPr>
-          <p:nvPr>
-            <p:ph type="sldNum" sz="quarter" idx="10"/>
-          </p:nvPr>
-        </p:nvSpPr>
-        <p:spPr bwMode="auto">
-          <a:noFill/>
-          <a:extLst>
-            <a:ext uri="{909E8E84-426E-40DD-AFC4-6F175D3DCCD1}">
-              <a14:hiddenFill xmlns:a14="http://schemas.microsoft.com/office/drawing/2010/main">
-                <a:solidFill>
-                  <a:srgbClr val="FFFFFF"/>
-                </a:solidFill>
-              </a14:hiddenFill>
-            </a:ext>
-            <a:ext uri="{91240B29-F687-4F45-9708-019B960494DF}">
-              <a14:hiddenLine xmlns:a14="http://schemas.microsoft.com/office/drawing/2010/main" w="9525">
-                <a:solidFill>
-                  <a:srgbClr val="000000"/>
-                </a:solidFill>
-                <a:miter lim="800000"/>
-                <a:headEnd/>
-                <a:tailEnd/>
-              </a14:hiddenLine>
-            </a:ext>
-          </a:extLst>
-        </p:spPr>
-        <p:txBody>
-          <a:bodyPr/>
-          <a:lstStyle>
-            <a:lvl1pPr>
-              <a:lnSpc>
-                <a:spcPct val="90000"/>
-              </a:lnSpc>
-              <a:spcBef>
-                <a:spcPts val="1000"/>
-              </a:spcBef>
-              <a:buFont typeface="Arial" charset="0"/>
-              <a:buChar char="•"/>
-              <a:defRPr kumimoji="1" sz="2800">
-                <a:solidFill>
-                  <a:schemeClr val="tx1"/>
-                </a:solidFill>
-                <a:latin typeface="Calibri" charset="0"/>
-                <a:ea typeface="宋体" charset="-122"/>
-              </a:defRPr>
-            </a:lvl1pPr>
-            <a:lvl2pPr marL="742950" indent="-285750">
-              <a:lnSpc>
-                <a:spcPct val="90000"/>
-              </a:lnSpc>
-              <a:spcBef>
-                <a:spcPts val="500"/>
-              </a:spcBef>
-              <a:buFont typeface="Arial" charset="0"/>
-              <a:buChar char="•"/>
-              <a:defRPr kumimoji="1" sz="2400">
-                <a:solidFill>
-                  <a:schemeClr val="tx1"/>
-                </a:solidFill>
-                <a:latin typeface="Calibri" charset="0"/>
-                <a:ea typeface="宋体" charset="-122"/>
-              </a:defRPr>
-            </a:lvl2pPr>
-            <a:lvl3pPr marL="1143000" indent="-228600">
-              <a:lnSpc>
-                <a:spcPct val="90000"/>
-              </a:lnSpc>
-              <a:spcBef>
-                <a:spcPts val="500"/>
-              </a:spcBef>
-              <a:buFont typeface="Arial" charset="0"/>
-              <a:buChar char="•"/>
-              <a:defRPr kumimoji="1" sz="2000">
-                <a:solidFill>
-                  <a:schemeClr val="tx1"/>
-                </a:solidFill>
-                <a:latin typeface="Calibri" charset="0"/>
-                <a:ea typeface="宋体" charset="-122"/>
-              </a:defRPr>
-            </a:lvl3pPr>
-            <a:lvl4pPr marL="1600200" indent="-228600">
-              <a:lnSpc>
-                <a:spcPct val="90000"/>
-              </a:lnSpc>
-              <a:spcBef>
-                <a:spcPts val="500"/>
-              </a:spcBef>
-              <a:buFont typeface="Arial" charset="0"/>
-              <a:buChar char="•"/>
-              <a:defRPr kumimoji="1">
-                <a:solidFill>
-                  <a:schemeClr val="tx1"/>
-                </a:solidFill>
-                <a:latin typeface="Calibri" charset="0"/>
-                <a:ea typeface="宋体" charset="-122"/>
-              </a:defRPr>
-            </a:lvl4pPr>
-            <a:lvl5pPr marL="2057400" indent="-228600">
-              <a:lnSpc>
-                <a:spcPct val="90000"/>
-              </a:lnSpc>
-              <a:spcBef>
-                <a:spcPts val="500"/>
-              </a:spcBef>
-              <a:buFont typeface="Arial" charset="0"/>
-              <a:buChar char="•"/>
-              <a:defRPr kumimoji="1">
-                <a:solidFill>
-                  <a:schemeClr val="tx1"/>
-                </a:solidFill>
-                <a:latin typeface="Calibri" charset="0"/>
-                <a:ea typeface="宋体" charset="-122"/>
-              </a:defRPr>
-            </a:lvl5pPr>
-            <a:lvl6pPr marL="2514600" indent="-228600" eaLnBrk="0" fontAlgn="base" hangingPunct="0">
-              <a:lnSpc>
-                <a:spcPct val="90000"/>
-              </a:lnSpc>
-              <a:spcBef>
-                <a:spcPts val="500"/>
-              </a:spcBef>
-              <a:spcAft>
-                <a:spcPct val="0"/>
-              </a:spcAft>
-              <a:buFont typeface="Arial" charset="0"/>
-              <a:buChar char="•"/>
-              <a:defRPr kumimoji="1">
-                <a:solidFill>
-                  <a:schemeClr val="tx1"/>
-                </a:solidFill>
-                <a:latin typeface="Calibri" charset="0"/>
-                <a:ea typeface="宋体" charset="-122"/>
-              </a:defRPr>
-            </a:lvl6pPr>
-            <a:lvl7pPr marL="2971800" indent="-228600" eaLnBrk="0" fontAlgn="base" hangingPunct="0">
-              <a:lnSpc>
-                <a:spcPct val="90000"/>
-              </a:lnSpc>
-              <a:spcBef>
-                <a:spcPts val="500"/>
-              </a:spcBef>
-              <a:spcAft>
-                <a:spcPct val="0"/>
-              </a:spcAft>
-              <a:buFont typeface="Arial" charset="0"/>
-              <a:buChar char="•"/>
-              <a:defRPr kumimoji="1">
-                <a:solidFill>
-                  <a:schemeClr val="tx1"/>
-                </a:solidFill>
-                <a:latin typeface="Calibri" charset="0"/>
-                <a:ea typeface="宋体" charset="-122"/>
-              </a:defRPr>
-            </a:lvl7pPr>
-            <a:lvl8pPr marL="3429000" indent="-228600" eaLnBrk="0" fontAlgn="base" hangingPunct="0">
-              <a:lnSpc>
-                <a:spcPct val="90000"/>
-              </a:lnSpc>
-              <a:spcBef>
-                <a:spcPts val="500"/>
-              </a:spcBef>
-              <a:spcAft>
-                <a:spcPct val="0"/>
-              </a:spcAft>
-              <a:buFont typeface="Arial" charset="0"/>
-              <a:buChar char="•"/>
-              <a:defRPr kumimoji="1">
-                <a:solidFill>
-                  <a:schemeClr val="tx1"/>
-                </a:solidFill>
-                <a:latin typeface="Calibri" charset="0"/>
-                <a:ea typeface="宋体" charset="-122"/>
-              </a:defRPr>
-            </a:lvl8pPr>
-            <a:lvl9pPr marL="3886200" indent="-228600" eaLnBrk="0" fontAlgn="base" hangingPunct="0">
-              <a:lnSpc>
-                <a:spcPct val="90000"/>
-              </a:lnSpc>
-              <a:spcBef>
-                <a:spcPts val="500"/>
-              </a:spcBef>
-              <a:spcAft>
-                <a:spcPct val="0"/>
-              </a:spcAft>
-              <a:buFont typeface="Arial" charset="0"/>
-              <a:buChar char="•"/>
-              <a:defRPr kumimoji="1">
-                <a:solidFill>
-                  <a:schemeClr val="tx1"/>
-                </a:solidFill>
-                <a:latin typeface="Calibri" charset="0"/>
-                <a:ea typeface="宋体" charset="-122"/>
-              </a:defRPr>
-            </a:lvl9pPr>
-          </a:lstStyle>
-          <a:p>
-            <a:pPr>
-              <a:lnSpc>
-                <a:spcPct val="100000"/>
-              </a:lnSpc>
-              <a:spcBef>
-                <a:spcPct val="0"/>
-              </a:spcBef>
-              <a:buFontTx/>
-              <a:buNone/>
-            </a:pPr>
-            <a:fld id="{CEDE4B18-F821-0C42-B7D1-F81BF867505E}" type="slidenum">
-              <a:rPr kumimoji="0" lang="en-US" altLang="zh-CN" sz="1400">
-                <a:solidFill>
-                  <a:srgbClr val="898989"/>
-                </a:solidFill>
-                <a:latin typeface="Arial" charset="0"/>
-              </a:rPr>
-              <a:pPr>
-                <a:lnSpc>
-                  <a:spcPct val="100000"/>
-                </a:lnSpc>
-                <a:spcBef>
-                  <a:spcPct val="0"/>
-                </a:spcBef>
-                <a:buFontTx/>
-                <a:buNone/>
-              </a:pPr>
-              <a:t>1</a:t>
-            </a:fld>
-            <a:endParaRPr kumimoji="0" lang="en-US" altLang="zh-CN" sz="1400">
-              <a:solidFill>
-                <a:srgbClr val="898989"/>
-              </a:solidFill>
-              <a:latin typeface="Arial" charset="0"/>
-            </a:endParaRPr>
-          </a:p>
-        </p:txBody>
-      </p:sp>
-    </p:spTree>
-  </p:cSld>
-  <p:clrMapOvr>
-    <a:masterClrMapping/>
-  </p:clrMapOvr>
-  <p:timing>
-    <p:tnLst>
-      <p:par>
-        <p:cTn id="1" dur="indefinite" restart="never" nodeType="tmRoot"/>
-      </p:par>
-    </p:tnLst>
-  </p:timing>
-</p:sld>
-</file>
-
-<file path=ppt/slides/slide3.xml><?xml version="1.0" encoding="utf-8"?>
-<p:sld xmlns:a="http://schemas.openxmlformats.org/drawingml/2006/main" xmlns:r="http://schemas.openxmlformats.org/officeDocument/2006/relationships" xmlns:p="http://schemas.openxmlformats.org/presentationml/2006/main">
-  <p:cSld>
-    <p:spTree>
-      <p:nvGrpSpPr>
-        <p:cNvPr id="1" name=""/>
-        <p:cNvGrpSpPr/>
-        <p:nvPr/>
-      </p:nvGrpSpPr>
-      <p:grpSpPr>
-        <a:xfrm>
-          <a:off x="0" y="0"/>
-          <a:ext cx="0" cy="0"/>
-          <a:chOff x="0" y="0"/>
-          <a:chExt cx="0" cy="0"/>
-        </a:xfrm>
-      </p:grpSpPr>
-      <p:sp>
-        <p:nvSpPr>
-          <p:cNvPr id="2" name="Content Placeholder 1"/>
-          <p:cNvSpPr>
-            <a:spLocks noGrp="1"/>
-          </p:cNvSpPr>
-          <p:nvPr>
-            <p:ph idx="1"/>
-          </p:nvPr>
-        </p:nvSpPr>
-        <p:spPr>
-          <a:xfrm>
-            <a:off x="436563" y="1139825"/>
-            <a:ext cx="8270875" cy="4922838"/>
-          </a:xfrm>
-        </p:spPr>
-        <p:txBody>
-          <a:bodyPr>
-            <a:normAutofit/>
-          </a:bodyPr>
-          <a:lstStyle/>
-          <a:p>
-            <a:pPr eaLnBrk="1" hangingPunct="1">
-              <a:lnSpc>
-                <a:spcPct val="100000"/>
-              </a:lnSpc>
-              <a:defRPr/>
-            </a:pPr>
-            <a:r>
-              <a:rPr kumimoji="0" lang="en-US" altLang="zh-CN" dirty="0">
-                <a:cs typeface="+mn-cs"/>
-              </a:rPr>
-              <a:t>Conclude what we learned</a:t>
-            </a:r>
-          </a:p>
-          <a:p>
-            <a:pPr eaLnBrk="1" hangingPunct="1">
-              <a:lnSpc>
-                <a:spcPct val="100000"/>
-              </a:lnSpc>
-              <a:defRPr/>
-            </a:pPr>
-            <a:r>
-              <a:rPr kumimoji="0" lang="en-US" altLang="zh-CN" dirty="0">
-                <a:cs typeface="+mn-cs"/>
-              </a:rPr>
-              <a:t>Focus on social media (e.g. twitter)</a:t>
-            </a:r>
-          </a:p>
-          <a:p>
-            <a:pPr lvl="1" eaLnBrk="1" hangingPunct="1">
-              <a:lnSpc>
-                <a:spcPct val="100000"/>
-              </a:lnSpc>
-              <a:defRPr/>
-            </a:pPr>
-            <a:r>
-              <a:rPr kumimoji="0" lang="en-US" altLang="zh-CN" dirty="0">
-                <a:cs typeface="+mn-cs"/>
-              </a:rPr>
-              <a:t>Temporal Distribution</a:t>
-            </a:r>
-          </a:p>
-          <a:p>
-            <a:pPr lvl="1" eaLnBrk="1" hangingPunct="1">
-              <a:lnSpc>
-                <a:spcPct val="100000"/>
-              </a:lnSpc>
-              <a:defRPr/>
-            </a:pPr>
-            <a:r>
-              <a:rPr kumimoji="0" lang="en-US" altLang="zh-CN" dirty="0">
-                <a:cs typeface="+mn-cs"/>
-              </a:rPr>
-              <a:t>Spatial Distribution</a:t>
-            </a:r>
-          </a:p>
-          <a:p>
-            <a:pPr lvl="1" eaLnBrk="1" hangingPunct="1">
-              <a:lnSpc>
-                <a:spcPct val="100000"/>
-              </a:lnSpc>
-              <a:defRPr/>
-            </a:pPr>
-            <a:r>
-              <a:rPr kumimoji="0" lang="en-US" altLang="zh-CN" dirty="0">
-                <a:cs typeface="+mn-cs"/>
-              </a:rPr>
-              <a:t>Sentiment Distribution</a:t>
-            </a:r>
-          </a:p>
-          <a:p>
-            <a:pPr lvl="1" eaLnBrk="1" hangingPunct="1">
-              <a:lnSpc>
-                <a:spcPct val="100000"/>
-              </a:lnSpc>
-              <a:defRPr/>
-            </a:pPr>
-            <a:r>
-              <a:rPr kumimoji="0" lang="en-US" altLang="zh-CN" dirty="0">
-                <a:cs typeface="+mn-cs"/>
-              </a:rPr>
-              <a:t>Hot-spot </a:t>
-            </a:r>
-            <a:r>
-              <a:rPr kumimoji="0" lang="en-US" altLang="zh-CN" dirty="0" smtClean="0">
-                <a:cs typeface="+mn-cs"/>
-              </a:rPr>
-              <a:t>Issues</a:t>
-            </a:r>
-            <a:endParaRPr kumimoji="0" lang="en-US" altLang="zh-CN" dirty="0">
-              <a:cs typeface="+mn-cs"/>
-            </a:endParaRPr>
-          </a:p>
-          <a:p>
-            <a:pPr lvl="1" eaLnBrk="1" hangingPunct="1">
-              <a:lnSpc>
-                <a:spcPct val="100000"/>
-              </a:lnSpc>
-              <a:defRPr/>
-            </a:pPr>
-            <a:r>
-              <a:rPr kumimoji="0" lang="en-US" altLang="zh-CN" dirty="0">
-                <a:cs typeface="+mn-cs"/>
-              </a:rPr>
-              <a:t>Key Users</a:t>
-            </a:r>
-          </a:p>
-          <a:p>
-            <a:pPr eaLnBrk="1" hangingPunct="1">
-              <a:lnSpc>
-                <a:spcPct val="100000"/>
-              </a:lnSpc>
-              <a:defRPr/>
-            </a:pPr>
-            <a:r>
-              <a:rPr kumimoji="0" lang="en-US" altLang="zh-CN" dirty="0" smtClean="0">
-                <a:cs typeface="+mn-cs"/>
-              </a:rPr>
-              <a:t>Extensibility</a:t>
-            </a:r>
-          </a:p>
-          <a:p>
-            <a:pPr lvl="1" eaLnBrk="1" hangingPunct="1">
-              <a:lnSpc>
-                <a:spcPct val="100000"/>
-              </a:lnSpc>
-              <a:defRPr/>
-            </a:pPr>
-            <a:r>
-              <a:rPr kumimoji="0" lang="en-US" altLang="zh-CN" dirty="0" smtClean="0"/>
-              <a:t>Dataset</a:t>
-            </a:r>
-          </a:p>
-          <a:p>
-            <a:pPr lvl="1" eaLnBrk="1" hangingPunct="1">
-              <a:lnSpc>
-                <a:spcPct val="100000"/>
-              </a:lnSpc>
-              <a:defRPr/>
-            </a:pPr>
-            <a:r>
-              <a:rPr kumimoji="0" lang="en-US" altLang="zh-CN" dirty="0" smtClean="0">
-                <a:cs typeface="+mn-cs"/>
-              </a:rPr>
-              <a:t>Algorithm</a:t>
-            </a:r>
-            <a:endParaRPr kumimoji="0" lang="en-US" altLang="zh-CN" dirty="0">
-              <a:cs typeface="+mn-cs"/>
-            </a:endParaRPr>
-          </a:p>
-        </p:txBody>
-      </p:sp>
-      <p:sp>
-        <p:nvSpPr>
-          <p:cNvPr id="7170" name="Title 2"/>
-          <p:cNvSpPr>
-            <a:spLocks noGrp="1"/>
-          </p:cNvSpPr>
-          <p:nvPr>
-            <p:ph type="title"/>
-          </p:nvPr>
-        </p:nvSpPr>
-        <p:spPr>
-          <a:xfrm>
-            <a:off x="266700" y="0"/>
-            <a:ext cx="8877300" cy="801688"/>
-          </a:xfrm>
-        </p:spPr>
-        <p:txBody>
-          <a:bodyPr/>
-          <a:lstStyle/>
-          <a:p>
-            <a:pPr eaLnBrk="1" hangingPunct="1"/>
-            <a:r>
-              <a:rPr kumimoji="0" lang="en-US" altLang="zh-CN" dirty="0">
-                <a:ea typeface="宋体" charset="-122"/>
-              </a:rPr>
-              <a:t>Motivation</a:t>
-            </a:r>
-          </a:p>
-        </p:txBody>
-      </p:sp>
-      <p:sp>
-        <p:nvSpPr>
-          <p:cNvPr id="7171" name="Slide Number Placeholder 3"/>
-          <p:cNvSpPr>
-            <a:spLocks noGrp="1"/>
-          </p:cNvSpPr>
-          <p:nvPr>
-            <p:ph type="sldNum" sz="quarter" idx="10"/>
-          </p:nvPr>
-        </p:nvSpPr>
-        <p:spPr bwMode="auto">
-          <a:noFill/>
-          <a:extLst>
-            <a:ext uri="{909E8E84-426E-40DD-AFC4-6F175D3DCCD1}">
-              <a14:hiddenFill xmlns:a14="http://schemas.microsoft.com/office/drawing/2010/main">
-                <a:solidFill>
-                  <a:srgbClr val="FFFFFF"/>
-                </a:solidFill>
-              </a14:hiddenFill>
-            </a:ext>
-            <a:ext uri="{91240B29-F687-4F45-9708-019B960494DF}">
-              <a14:hiddenLine xmlns:a14="http://schemas.microsoft.com/office/drawing/2010/main" w="9525">
-                <a:solidFill>
-                  <a:srgbClr val="000000"/>
-                </a:solidFill>
-                <a:miter lim="800000"/>
-                <a:headEnd/>
-                <a:tailEnd/>
-              </a14:hiddenLine>
-            </a:ext>
-          </a:extLst>
-        </p:spPr>
-        <p:txBody>
-          <a:bodyPr/>
-          <a:lstStyle>
-            <a:lvl1pPr>
-              <a:lnSpc>
-                <a:spcPct val="90000"/>
-              </a:lnSpc>
-              <a:spcBef>
-                <a:spcPts val="1000"/>
-              </a:spcBef>
-              <a:buFont typeface="Arial" charset="0"/>
-              <a:buChar char="•"/>
-              <a:defRPr kumimoji="1" sz="2800">
-                <a:solidFill>
-                  <a:schemeClr val="tx1"/>
-                </a:solidFill>
-                <a:latin typeface="Calibri" charset="0"/>
-                <a:ea typeface="宋体" charset="-122"/>
-              </a:defRPr>
-            </a:lvl1pPr>
-            <a:lvl2pPr marL="742950" indent="-285750">
-              <a:lnSpc>
-                <a:spcPct val="90000"/>
-              </a:lnSpc>
-              <a:spcBef>
-                <a:spcPts val="500"/>
-              </a:spcBef>
-              <a:buFont typeface="Arial" charset="0"/>
-              <a:buChar char="•"/>
-              <a:defRPr kumimoji="1" sz="2400">
-                <a:solidFill>
-                  <a:schemeClr val="tx1"/>
-                </a:solidFill>
-                <a:latin typeface="Calibri" charset="0"/>
-                <a:ea typeface="宋体" charset="-122"/>
-              </a:defRPr>
-            </a:lvl2pPr>
-            <a:lvl3pPr marL="1143000" indent="-228600">
-              <a:lnSpc>
-                <a:spcPct val="90000"/>
-              </a:lnSpc>
-              <a:spcBef>
-                <a:spcPts val="500"/>
-              </a:spcBef>
-              <a:buFont typeface="Arial" charset="0"/>
-              <a:buChar char="•"/>
-              <a:defRPr kumimoji="1" sz="2000">
-                <a:solidFill>
-                  <a:schemeClr val="tx1"/>
-                </a:solidFill>
-                <a:latin typeface="Calibri" charset="0"/>
-                <a:ea typeface="宋体" charset="-122"/>
-              </a:defRPr>
-            </a:lvl3pPr>
-            <a:lvl4pPr marL="1600200" indent="-228600">
-              <a:lnSpc>
-                <a:spcPct val="90000"/>
-              </a:lnSpc>
-              <a:spcBef>
-                <a:spcPts val="500"/>
-              </a:spcBef>
-              <a:buFont typeface="Arial" charset="0"/>
-              <a:buChar char="•"/>
-              <a:defRPr kumimoji="1">
-                <a:solidFill>
-                  <a:schemeClr val="tx1"/>
-                </a:solidFill>
-                <a:latin typeface="Calibri" charset="0"/>
-                <a:ea typeface="宋体" charset="-122"/>
-              </a:defRPr>
-            </a:lvl4pPr>
-            <a:lvl5pPr marL="2057400" indent="-228600">
-              <a:lnSpc>
-                <a:spcPct val="90000"/>
-              </a:lnSpc>
-              <a:spcBef>
-                <a:spcPts val="500"/>
-              </a:spcBef>
-              <a:buFont typeface="Arial" charset="0"/>
-              <a:buChar char="•"/>
-              <a:defRPr kumimoji="1">
-                <a:solidFill>
-                  <a:schemeClr val="tx1"/>
-                </a:solidFill>
-                <a:latin typeface="Calibri" charset="0"/>
-                <a:ea typeface="宋体" charset="-122"/>
-              </a:defRPr>
-            </a:lvl5pPr>
-            <a:lvl6pPr marL="2514600" indent="-228600" eaLnBrk="0" fontAlgn="base" hangingPunct="0">
-              <a:lnSpc>
-                <a:spcPct val="90000"/>
-              </a:lnSpc>
-              <a:spcBef>
-                <a:spcPts val="500"/>
-              </a:spcBef>
-              <a:spcAft>
-                <a:spcPct val="0"/>
-              </a:spcAft>
-              <a:buFont typeface="Arial" charset="0"/>
-              <a:buChar char="•"/>
-              <a:defRPr kumimoji="1">
-                <a:solidFill>
-                  <a:schemeClr val="tx1"/>
-                </a:solidFill>
-                <a:latin typeface="Calibri" charset="0"/>
-                <a:ea typeface="宋体" charset="-122"/>
-              </a:defRPr>
-            </a:lvl6pPr>
-            <a:lvl7pPr marL="2971800" indent="-228600" eaLnBrk="0" fontAlgn="base" hangingPunct="0">
-              <a:lnSpc>
-                <a:spcPct val="90000"/>
-              </a:lnSpc>
-              <a:spcBef>
-                <a:spcPts val="500"/>
-              </a:spcBef>
-              <a:spcAft>
-                <a:spcPct val="0"/>
-              </a:spcAft>
-              <a:buFont typeface="Arial" charset="0"/>
-              <a:buChar char="•"/>
-              <a:defRPr kumimoji="1">
-                <a:solidFill>
-                  <a:schemeClr val="tx1"/>
-                </a:solidFill>
-                <a:latin typeface="Calibri" charset="0"/>
-                <a:ea typeface="宋体" charset="-122"/>
-              </a:defRPr>
-            </a:lvl7pPr>
-            <a:lvl8pPr marL="3429000" indent="-228600" eaLnBrk="0" fontAlgn="base" hangingPunct="0">
-              <a:lnSpc>
-                <a:spcPct val="90000"/>
-              </a:lnSpc>
-              <a:spcBef>
-                <a:spcPts val="500"/>
-              </a:spcBef>
-              <a:spcAft>
-                <a:spcPct val="0"/>
-              </a:spcAft>
-              <a:buFont typeface="Arial" charset="0"/>
-              <a:buChar char="•"/>
-              <a:defRPr kumimoji="1">
-                <a:solidFill>
-                  <a:schemeClr val="tx1"/>
-                </a:solidFill>
-                <a:latin typeface="Calibri" charset="0"/>
-                <a:ea typeface="宋体" charset="-122"/>
-              </a:defRPr>
-            </a:lvl8pPr>
-            <a:lvl9pPr marL="3886200" indent="-228600" eaLnBrk="0" fontAlgn="base" hangingPunct="0">
-              <a:lnSpc>
-                <a:spcPct val="90000"/>
-              </a:lnSpc>
-              <a:spcBef>
-                <a:spcPts val="500"/>
-              </a:spcBef>
-              <a:spcAft>
-                <a:spcPct val="0"/>
-              </a:spcAft>
-              <a:buFont typeface="Arial" charset="0"/>
-              <a:buChar char="•"/>
-              <a:defRPr kumimoji="1">
-                <a:solidFill>
-                  <a:schemeClr val="tx1"/>
-                </a:solidFill>
-                <a:latin typeface="Calibri" charset="0"/>
-                <a:ea typeface="宋体" charset="-122"/>
-              </a:defRPr>
-            </a:lvl9pPr>
-          </a:lstStyle>
-          <a:p>
-            <a:pPr>
-              <a:lnSpc>
-                <a:spcPct val="100000"/>
-              </a:lnSpc>
-              <a:spcBef>
-                <a:spcPct val="0"/>
-              </a:spcBef>
-              <a:buFontTx/>
-              <a:buNone/>
-            </a:pPr>
-            <a:fld id="{CEDE4B18-F821-0C42-B7D1-F81BF867505E}" type="slidenum">
-              <a:rPr kumimoji="0" lang="en-US" altLang="zh-CN" sz="1400">
-                <a:solidFill>
-                  <a:srgbClr val="898989"/>
-                </a:solidFill>
-                <a:latin typeface="Arial" charset="0"/>
-              </a:rPr>
-              <a:pPr>
-                <a:lnSpc>
-                  <a:spcPct val="100000"/>
-                </a:lnSpc>
-                <a:spcBef>
-                  <a:spcPct val="0"/>
-                </a:spcBef>
-                <a:buFontTx/>
-                <a:buNone/>
-              </a:pPr>
-              <a:t>2</a:t>
-            </a:fld>
-            <a:endParaRPr kumimoji="0" lang="en-US" altLang="zh-CN" sz="1400">
-              <a:solidFill>
-                <a:srgbClr val="898989"/>
-              </a:solidFill>
-              <a:latin typeface="Arial" charset="0"/>
-            </a:endParaRPr>
-          </a:p>
-        </p:txBody>
-      </p:sp>
-    </p:spTree>
-    <p:extLst>
-      <p:ext uri="{BB962C8B-B14F-4D97-AF65-F5344CB8AC3E}">
-        <p14:creationId xmlns:p14="http://schemas.microsoft.com/office/powerpoint/2010/main" val="152218078"/>
-      </p:ext>
-    </p:extLst>
-  </p:cSld>
-  <p:clrMapOvr>
-    <a:masterClrMapping/>
-  </p:clrMapOvr>
-  <p:timing>
-    <p:tnLst>
-      <p:par>
-        <p:cTn id="1" dur="indefinite" restart="never" nodeType="tmRoot"/>
-      </p:par>
-    </p:tnLst>
-  </p:timing>
-</p:sld>
-</file>
-
-<file path=ppt/slides/slide4.xml><?xml version="1.0" encoding="utf-8"?>
+<file path=ppt/slides/slide10.xml><?xml version="1.0" encoding="utf-8"?>
 <p:sld xmlns:a="http://schemas.openxmlformats.org/drawingml/2006/main" xmlns:r="http://schemas.openxmlformats.org/officeDocument/2006/relationships" xmlns:p="http://schemas.openxmlformats.org/presentationml/2006/main">
   <p:cSld>
     <p:spTree>
@@ -3778,591 +2908,7 @@
                 <a:buFontTx/>
                 <a:buNone/>
               </a:pPr>
-              <a:t>3</a:t>
-            </a:fld>
-            <a:endParaRPr kumimoji="0" lang="en-US" altLang="zh-CN" sz="1400">
-              <a:solidFill>
-                <a:srgbClr val="898989"/>
-              </a:solidFill>
-              <a:latin typeface="Arial" charset="0"/>
-            </a:endParaRPr>
-          </a:p>
-        </p:txBody>
-      </p:sp>
-      <p:sp>
-        <p:nvSpPr>
-          <p:cNvPr id="5" name="Content Placeholder 1"/>
-          <p:cNvSpPr>
-            <a:spLocks noGrp="1"/>
-          </p:cNvSpPr>
-          <p:nvPr>
-            <p:ph idx="1"/>
-          </p:nvPr>
-        </p:nvSpPr>
-        <p:spPr>
-          <a:xfrm>
-            <a:off x="436563" y="1139825"/>
-            <a:ext cx="8270875" cy="4922838"/>
-          </a:xfrm>
-        </p:spPr>
-        <p:txBody>
-          <a:bodyPr>
-            <a:normAutofit/>
-          </a:bodyPr>
-          <a:lstStyle/>
-          <a:p>
-            <a:pPr eaLnBrk="1" hangingPunct="1">
-              <a:lnSpc>
-                <a:spcPct val="100000"/>
-              </a:lnSpc>
-              <a:defRPr/>
-            </a:pPr>
-            <a:r>
-              <a:rPr kumimoji="0" lang="en-US" altLang="zh-CN" dirty="0" smtClean="0">
-                <a:cs typeface="+mn-cs"/>
-              </a:rPr>
-              <a:t>Description</a:t>
-            </a:r>
-          </a:p>
-          <a:p>
-            <a:pPr lvl="1" eaLnBrk="1" hangingPunct="1">
-              <a:lnSpc>
-                <a:spcPct val="100000"/>
-              </a:lnSpc>
-              <a:defRPr/>
-            </a:pPr>
-            <a:r>
-              <a:rPr kumimoji="0" lang="en-US" altLang="zh-CN" dirty="0" smtClean="0"/>
-              <a:t>Tweet Collection (Keyword</a:t>
-            </a:r>
-            <a:r>
-              <a:rPr kumimoji="0" lang="en-US" altLang="zh-CN" dirty="0" smtClean="0">
-                <a:cs typeface="+mn-cs"/>
-              </a:rPr>
-              <a:t>: flood)</a:t>
-            </a:r>
-          </a:p>
-          <a:p>
-            <a:pPr lvl="1" eaLnBrk="1" hangingPunct="1">
-              <a:lnSpc>
-                <a:spcPct val="100000"/>
-              </a:lnSpc>
-              <a:defRPr/>
-            </a:pPr>
-            <a:r>
-              <a:rPr kumimoji="0" lang="en-US" altLang="zh-CN" dirty="0" smtClean="0"/>
-              <a:t>Duration: 10/01/2016 </a:t>
-            </a:r>
-            <a:r>
-              <a:rPr kumimoji="0" lang="mr-IN" altLang="zh-CN" dirty="0" smtClean="0"/>
-              <a:t>–</a:t>
-            </a:r>
-            <a:r>
-              <a:rPr kumimoji="0" lang="en-US" altLang="zh-CN" dirty="0" smtClean="0"/>
-              <a:t> 10/05/2016</a:t>
-            </a:r>
-          </a:p>
-          <a:p>
-            <a:pPr lvl="1" eaLnBrk="1" hangingPunct="1">
-              <a:lnSpc>
-                <a:spcPct val="100000"/>
-              </a:lnSpc>
-              <a:defRPr/>
-            </a:pPr>
-            <a:r>
-              <a:rPr kumimoji="0" lang="en-US" altLang="zh-CN" dirty="0" smtClean="0"/>
-              <a:t># of records: 75432 records</a:t>
-            </a:r>
-          </a:p>
-          <a:p>
-            <a:pPr eaLnBrk="1" hangingPunct="1">
-              <a:lnSpc>
-                <a:spcPct val="100000"/>
-              </a:lnSpc>
-              <a:defRPr/>
-            </a:pPr>
-            <a:r>
-              <a:rPr kumimoji="0" lang="en-US" altLang="zh-CN" dirty="0" smtClean="0">
-                <a:cs typeface="+mn-cs"/>
-              </a:rPr>
-              <a:t>Table</a:t>
-            </a:r>
-          </a:p>
-          <a:p>
-            <a:pPr lvl="1" eaLnBrk="1" hangingPunct="1">
-              <a:lnSpc>
-                <a:spcPct val="100000"/>
-              </a:lnSpc>
-              <a:defRPr/>
-            </a:pPr>
-            <a:r>
-              <a:rPr kumimoji="0" lang="en-US" altLang="zh-CN" dirty="0" smtClean="0"/>
-              <a:t>Relevant Attributes</a:t>
-            </a:r>
-          </a:p>
-          <a:p>
-            <a:pPr lvl="2" eaLnBrk="1" hangingPunct="1">
-              <a:lnSpc>
-                <a:spcPct val="100000"/>
-              </a:lnSpc>
-              <a:defRPr/>
-            </a:pPr>
-            <a:r>
-              <a:rPr kumimoji="0" lang="en-US" altLang="zh-CN" dirty="0" err="1" smtClean="0">
-                <a:cs typeface="+mn-cs"/>
-              </a:rPr>
-              <a:t>created_time</a:t>
-            </a:r>
-            <a:r>
-              <a:rPr kumimoji="0" lang="en-US" altLang="zh-CN" dirty="0"/>
-              <a:t> </a:t>
-            </a:r>
-            <a:r>
-              <a:rPr kumimoji="0" lang="en-US" altLang="zh-CN" dirty="0" smtClean="0"/>
-              <a:t>(temporal </a:t>
-            </a:r>
-            <a:r>
-              <a:rPr kumimoji="0" lang="en-US" altLang="zh-CN" dirty="0"/>
-              <a:t>d</a:t>
-            </a:r>
-            <a:r>
-              <a:rPr kumimoji="0" lang="en-US" altLang="zh-CN" dirty="0" smtClean="0"/>
-              <a:t>istribution</a:t>
-            </a:r>
-            <a:r>
-              <a:rPr kumimoji="0" lang="en-US" altLang="zh-CN" dirty="0" smtClean="0">
-                <a:cs typeface="+mn-cs"/>
-              </a:rPr>
-              <a:t>)</a:t>
-            </a:r>
-          </a:p>
-          <a:p>
-            <a:pPr lvl="2" eaLnBrk="1" hangingPunct="1">
-              <a:lnSpc>
-                <a:spcPct val="100000"/>
-              </a:lnSpc>
-              <a:defRPr/>
-            </a:pPr>
-            <a:r>
-              <a:rPr kumimoji="0" lang="en-US" altLang="zh-CN" dirty="0" smtClean="0"/>
-              <a:t>location (spatial distribution, fake data)</a:t>
-            </a:r>
-          </a:p>
-          <a:p>
-            <a:pPr lvl="2" eaLnBrk="1" hangingPunct="1">
-              <a:lnSpc>
-                <a:spcPct val="100000"/>
-              </a:lnSpc>
-              <a:defRPr/>
-            </a:pPr>
-            <a:r>
-              <a:rPr kumimoji="0" lang="en-US" altLang="zh-CN" dirty="0" err="1"/>
-              <a:t>neg_value</a:t>
-            </a:r>
-            <a:r>
-              <a:rPr kumimoji="0" lang="en-US" altLang="zh-CN" dirty="0"/>
-              <a:t>, </a:t>
-            </a:r>
-            <a:r>
-              <a:rPr kumimoji="0" lang="en-US" altLang="zh-CN" dirty="0" err="1"/>
-              <a:t>neu_value</a:t>
-            </a:r>
-            <a:r>
-              <a:rPr kumimoji="0" lang="en-US" altLang="zh-CN" dirty="0"/>
-              <a:t>, </a:t>
-            </a:r>
-            <a:r>
-              <a:rPr kumimoji="0" lang="en-US" altLang="zh-CN" dirty="0" err="1" smtClean="0"/>
-              <a:t>pos_value</a:t>
-            </a:r>
-            <a:r>
-              <a:rPr kumimoji="0" lang="en-US" altLang="zh-CN" dirty="0" smtClean="0"/>
-              <a:t> (sentiment </a:t>
-            </a:r>
-            <a:r>
-              <a:rPr kumimoji="0" lang="en-US" altLang="zh-CN" dirty="0"/>
-              <a:t>d</a:t>
-            </a:r>
-            <a:r>
-              <a:rPr kumimoji="0" lang="en-US" altLang="zh-CN" dirty="0" smtClean="0"/>
-              <a:t>istribution)</a:t>
-            </a:r>
-            <a:endParaRPr kumimoji="0" lang="en-US" altLang="zh-CN" dirty="0" smtClean="0">
-              <a:cs typeface="+mn-cs"/>
-            </a:endParaRPr>
-          </a:p>
-          <a:p>
-            <a:pPr lvl="2" eaLnBrk="1" hangingPunct="1">
-              <a:lnSpc>
-                <a:spcPct val="100000"/>
-              </a:lnSpc>
-              <a:defRPr/>
-            </a:pPr>
-            <a:r>
-              <a:rPr kumimoji="0" lang="en-US" altLang="zh-CN" dirty="0"/>
-              <a:t>text </a:t>
-            </a:r>
-            <a:r>
-              <a:rPr kumimoji="0" lang="en-US" altLang="zh-CN" dirty="0" smtClean="0"/>
-              <a:t>(hot-spot Issues</a:t>
-            </a:r>
-            <a:r>
-              <a:rPr kumimoji="0" lang="en-US" altLang="zh-CN" dirty="0" smtClean="0">
-                <a:cs typeface="+mn-cs"/>
-              </a:rPr>
-              <a:t>)</a:t>
-            </a:r>
-          </a:p>
-          <a:p>
-            <a:pPr lvl="2" eaLnBrk="1" hangingPunct="1">
-              <a:lnSpc>
-                <a:spcPct val="100000"/>
-              </a:lnSpc>
-              <a:defRPr/>
-            </a:pPr>
-            <a:r>
-              <a:rPr kumimoji="0" lang="en-US" altLang="zh-CN" dirty="0" err="1" smtClean="0">
-                <a:cs typeface="+mn-cs"/>
-              </a:rPr>
-              <a:t>screen_name</a:t>
-            </a:r>
-            <a:r>
-              <a:rPr kumimoji="0" lang="en-US" altLang="zh-CN" dirty="0" smtClean="0">
-                <a:cs typeface="+mn-cs"/>
-              </a:rPr>
-              <a:t>, </a:t>
-            </a:r>
-            <a:r>
-              <a:rPr kumimoji="0" lang="en-US" altLang="zh-CN" dirty="0" err="1" smtClean="0">
-                <a:cs typeface="+mn-cs"/>
-              </a:rPr>
-              <a:t>mention_name</a:t>
-            </a:r>
-            <a:r>
-              <a:rPr kumimoji="0" lang="en-US" altLang="zh-CN" dirty="0"/>
-              <a:t> </a:t>
-            </a:r>
-            <a:r>
-              <a:rPr kumimoji="0" lang="en-US" altLang="zh-CN" dirty="0" smtClean="0"/>
-              <a:t>(key </a:t>
-            </a:r>
-            <a:r>
-              <a:rPr kumimoji="0" lang="en-US" altLang="zh-CN" dirty="0"/>
-              <a:t>u</a:t>
-            </a:r>
-            <a:r>
-              <a:rPr kumimoji="0" lang="en-US" altLang="zh-CN" dirty="0" smtClean="0"/>
-              <a:t>sers</a:t>
-            </a:r>
-            <a:r>
-              <a:rPr kumimoji="0" lang="en-US" altLang="zh-CN" dirty="0" smtClean="0">
-                <a:cs typeface="+mn-cs"/>
-              </a:rPr>
-              <a:t>)</a:t>
-            </a:r>
-          </a:p>
-        </p:txBody>
-      </p:sp>
-    </p:spTree>
-    <p:extLst>
-      <p:ext uri="{BB962C8B-B14F-4D97-AF65-F5344CB8AC3E}">
-        <p14:creationId xmlns:p14="http://schemas.microsoft.com/office/powerpoint/2010/main" val="864432868"/>
-      </p:ext>
-    </p:extLst>
-  </p:cSld>
-  <p:clrMapOvr>
-    <a:masterClrMapping/>
-  </p:clrMapOvr>
-  <p:timing>
-    <p:tnLst>
-      <p:par>
-        <p:cTn id="1" dur="indefinite" restart="never" nodeType="tmRoot"/>
-      </p:par>
-    </p:tnLst>
-  </p:timing>
-</p:sld>
-</file>
-
-<file path=ppt/slides/slide5.xml><?xml version="1.0" encoding="utf-8"?>
-<p:sld xmlns:a="http://schemas.openxmlformats.org/drawingml/2006/main" xmlns:r="http://schemas.openxmlformats.org/officeDocument/2006/relationships" xmlns:p="http://schemas.openxmlformats.org/presentationml/2006/main">
-  <p:cSld>
-    <p:spTree>
-      <p:nvGrpSpPr>
-        <p:cNvPr id="1" name=""/>
-        <p:cNvGrpSpPr/>
-        <p:nvPr/>
-      </p:nvGrpSpPr>
-      <p:grpSpPr>
-        <a:xfrm>
-          <a:off x="0" y="0"/>
-          <a:ext cx="0" cy="0"/>
-          <a:chOff x="0" y="0"/>
-          <a:chExt cx="0" cy="0"/>
-        </a:xfrm>
-      </p:grpSpPr>
-      <p:sp>
-        <p:nvSpPr>
-          <p:cNvPr id="7170" name="Title 2"/>
-          <p:cNvSpPr>
-            <a:spLocks noGrp="1"/>
-          </p:cNvSpPr>
-          <p:nvPr>
-            <p:ph type="title"/>
-          </p:nvPr>
-        </p:nvSpPr>
-        <p:spPr>
-          <a:xfrm>
-            <a:off x="266700" y="0"/>
-            <a:ext cx="8877300" cy="801688"/>
-          </a:xfrm>
-        </p:spPr>
-        <p:txBody>
-          <a:bodyPr/>
-          <a:lstStyle/>
-          <a:p>
-            <a:pPr eaLnBrk="1" hangingPunct="1"/>
-            <a:r>
-              <a:rPr kumimoji="0" lang="en-US" altLang="zh-CN" dirty="0" smtClean="0">
-                <a:ea typeface="宋体" charset="-122"/>
-              </a:rPr>
-              <a:t>Dataset</a:t>
-            </a:r>
-            <a:endParaRPr kumimoji="0" lang="en-US" altLang="zh-CN" dirty="0">
-              <a:ea typeface="宋体" charset="-122"/>
-            </a:endParaRPr>
-          </a:p>
-        </p:txBody>
-      </p:sp>
-      <p:sp>
-        <p:nvSpPr>
-          <p:cNvPr id="7171" name="Slide Number Placeholder 3"/>
-          <p:cNvSpPr>
-            <a:spLocks noGrp="1"/>
-          </p:cNvSpPr>
-          <p:nvPr>
-            <p:ph type="sldNum" sz="quarter" idx="10"/>
-          </p:nvPr>
-        </p:nvSpPr>
-        <p:spPr bwMode="auto">
-          <a:noFill/>
-          <a:extLst>
-            <a:ext uri="{909E8E84-426E-40DD-AFC4-6F175D3DCCD1}">
-              <a14:hiddenFill xmlns:a14="http://schemas.microsoft.com/office/drawing/2010/main">
-                <a:solidFill>
-                  <a:srgbClr val="FFFFFF"/>
-                </a:solidFill>
-              </a14:hiddenFill>
-            </a:ext>
-            <a:ext uri="{91240B29-F687-4F45-9708-019B960494DF}">
-              <a14:hiddenLine xmlns:a14="http://schemas.microsoft.com/office/drawing/2010/main" w="9525">
-                <a:solidFill>
-                  <a:srgbClr val="000000"/>
-                </a:solidFill>
-                <a:miter lim="800000"/>
-                <a:headEnd/>
-                <a:tailEnd/>
-              </a14:hiddenLine>
-            </a:ext>
-          </a:extLst>
-        </p:spPr>
-        <p:txBody>
-          <a:bodyPr/>
-          <a:lstStyle>
-            <a:lvl1pPr>
-              <a:lnSpc>
-                <a:spcPct val="90000"/>
-              </a:lnSpc>
-              <a:spcBef>
-                <a:spcPts val="1000"/>
-              </a:spcBef>
-              <a:buFont typeface="Arial" charset="0"/>
-              <a:buChar char="•"/>
-              <a:defRPr kumimoji="1" sz="2800">
-                <a:solidFill>
-                  <a:schemeClr val="tx1"/>
-                </a:solidFill>
-                <a:latin typeface="Calibri" charset="0"/>
-                <a:ea typeface="宋体" charset="-122"/>
-              </a:defRPr>
-            </a:lvl1pPr>
-            <a:lvl2pPr marL="742950" indent="-285750">
-              <a:lnSpc>
-                <a:spcPct val="90000"/>
-              </a:lnSpc>
-              <a:spcBef>
-                <a:spcPts val="500"/>
-              </a:spcBef>
-              <a:buFont typeface="Arial" charset="0"/>
-              <a:buChar char="•"/>
-              <a:defRPr kumimoji="1" sz="2400">
-                <a:solidFill>
-                  <a:schemeClr val="tx1"/>
-                </a:solidFill>
-                <a:latin typeface="Calibri" charset="0"/>
-                <a:ea typeface="宋体" charset="-122"/>
-              </a:defRPr>
-            </a:lvl2pPr>
-            <a:lvl3pPr marL="1143000" indent="-228600">
-              <a:lnSpc>
-                <a:spcPct val="90000"/>
-              </a:lnSpc>
-              <a:spcBef>
-                <a:spcPts val="500"/>
-              </a:spcBef>
-              <a:buFont typeface="Arial" charset="0"/>
-              <a:buChar char="•"/>
-              <a:defRPr kumimoji="1" sz="2000">
-                <a:solidFill>
-                  <a:schemeClr val="tx1"/>
-                </a:solidFill>
-                <a:latin typeface="Calibri" charset="0"/>
-                <a:ea typeface="宋体" charset="-122"/>
-              </a:defRPr>
-            </a:lvl3pPr>
-            <a:lvl4pPr marL="1600200" indent="-228600">
-              <a:lnSpc>
-                <a:spcPct val="90000"/>
-              </a:lnSpc>
-              <a:spcBef>
-                <a:spcPts val="500"/>
-              </a:spcBef>
-              <a:buFont typeface="Arial" charset="0"/>
-              <a:buChar char="•"/>
-              <a:defRPr kumimoji="1">
-                <a:solidFill>
-                  <a:schemeClr val="tx1"/>
-                </a:solidFill>
-                <a:latin typeface="Calibri" charset="0"/>
-                <a:ea typeface="宋体" charset="-122"/>
-              </a:defRPr>
-            </a:lvl4pPr>
-            <a:lvl5pPr marL="2057400" indent="-228600">
-              <a:lnSpc>
-                <a:spcPct val="90000"/>
-              </a:lnSpc>
-              <a:spcBef>
-                <a:spcPts val="500"/>
-              </a:spcBef>
-              <a:buFont typeface="Arial" charset="0"/>
-              <a:buChar char="•"/>
-              <a:defRPr kumimoji="1">
-                <a:solidFill>
-                  <a:schemeClr val="tx1"/>
-                </a:solidFill>
-                <a:latin typeface="Calibri" charset="0"/>
-                <a:ea typeface="宋体" charset="-122"/>
-              </a:defRPr>
-            </a:lvl5pPr>
-            <a:lvl6pPr marL="2514600" indent="-228600" eaLnBrk="0" fontAlgn="base" hangingPunct="0">
-              <a:lnSpc>
-                <a:spcPct val="90000"/>
-              </a:lnSpc>
-              <a:spcBef>
-                <a:spcPts val="500"/>
-              </a:spcBef>
-              <a:spcAft>
-                <a:spcPct val="0"/>
-              </a:spcAft>
-              <a:buFont typeface="Arial" charset="0"/>
-              <a:buChar char="•"/>
-              <a:defRPr kumimoji="1">
-                <a:solidFill>
-                  <a:schemeClr val="tx1"/>
-                </a:solidFill>
-                <a:latin typeface="Calibri" charset="0"/>
-                <a:ea typeface="宋体" charset="-122"/>
-              </a:defRPr>
-            </a:lvl6pPr>
-            <a:lvl7pPr marL="2971800" indent="-228600" eaLnBrk="0" fontAlgn="base" hangingPunct="0">
-              <a:lnSpc>
-                <a:spcPct val="90000"/>
-              </a:lnSpc>
-              <a:spcBef>
-                <a:spcPts val="500"/>
-              </a:spcBef>
-              <a:spcAft>
-                <a:spcPct val="0"/>
-              </a:spcAft>
-              <a:buFont typeface="Arial" charset="0"/>
-              <a:buChar char="•"/>
-              <a:defRPr kumimoji="1">
-                <a:solidFill>
-                  <a:schemeClr val="tx1"/>
-                </a:solidFill>
-                <a:latin typeface="Calibri" charset="0"/>
-                <a:ea typeface="宋体" charset="-122"/>
-              </a:defRPr>
-            </a:lvl7pPr>
-            <a:lvl8pPr marL="3429000" indent="-228600" eaLnBrk="0" fontAlgn="base" hangingPunct="0">
-              <a:lnSpc>
-                <a:spcPct val="90000"/>
-              </a:lnSpc>
-              <a:spcBef>
-                <a:spcPts val="500"/>
-              </a:spcBef>
-              <a:spcAft>
-                <a:spcPct val="0"/>
-              </a:spcAft>
-              <a:buFont typeface="Arial" charset="0"/>
-              <a:buChar char="•"/>
-              <a:defRPr kumimoji="1">
-                <a:solidFill>
-                  <a:schemeClr val="tx1"/>
-                </a:solidFill>
-                <a:latin typeface="Calibri" charset="0"/>
-                <a:ea typeface="宋体" charset="-122"/>
-              </a:defRPr>
-            </a:lvl8pPr>
-            <a:lvl9pPr marL="3886200" indent="-228600" eaLnBrk="0" fontAlgn="base" hangingPunct="0">
-              <a:lnSpc>
-                <a:spcPct val="90000"/>
-              </a:lnSpc>
-              <a:spcBef>
-                <a:spcPts val="500"/>
-              </a:spcBef>
-              <a:spcAft>
-                <a:spcPct val="0"/>
-              </a:spcAft>
-              <a:buFont typeface="Arial" charset="0"/>
-              <a:buChar char="•"/>
-              <a:defRPr kumimoji="1">
-                <a:solidFill>
-                  <a:schemeClr val="tx1"/>
-                </a:solidFill>
-                <a:latin typeface="Calibri" charset="0"/>
-                <a:ea typeface="宋体" charset="-122"/>
-              </a:defRPr>
-            </a:lvl9pPr>
-          </a:lstStyle>
-          <a:p>
-            <a:pPr>
-              <a:lnSpc>
-                <a:spcPct val="100000"/>
-              </a:lnSpc>
-              <a:spcBef>
-                <a:spcPct val="0"/>
-              </a:spcBef>
-              <a:buFontTx/>
-              <a:buNone/>
-            </a:pPr>
-            <a:fld id="{CEDE4B18-F821-0C42-B7D1-F81BF867505E}" type="slidenum">
-              <a:rPr kumimoji="0" lang="en-US" altLang="zh-CN" sz="1400">
-                <a:solidFill>
-                  <a:srgbClr val="898989"/>
-                </a:solidFill>
-                <a:latin typeface="Arial" charset="0"/>
-              </a:rPr>
-              <a:pPr>
-                <a:lnSpc>
-                  <a:spcPct val="100000"/>
-                </a:lnSpc>
-                <a:spcBef>
-                  <a:spcPct val="0"/>
-                </a:spcBef>
-                <a:buFontTx/>
-                <a:buNone/>
-              </a:pPr>
-              <a:t>4</a:t>
+              <a:t>9</a:t>
             </a:fld>
             <a:endParaRPr kumimoji="0" lang="en-US" altLang="zh-CN" sz="1400">
               <a:solidFill>
@@ -18826,7 +17372,7 @@
 </p:sld>
 </file>
 
-<file path=ppt/slides/slide6.xml><?xml version="1.0" encoding="utf-8"?>
+<file path=ppt/slides/slide11.xml><?xml version="1.0" encoding="utf-8"?>
 <p:sld xmlns:a="http://schemas.openxmlformats.org/drawingml/2006/main" xmlns:r="http://schemas.openxmlformats.org/officeDocument/2006/relationships" xmlns:p="http://schemas.openxmlformats.org/presentationml/2006/main">
   <p:cSld>
     <p:spTree>
@@ -19105,7 +17651,7 @@
                 <a:buFontTx/>
                 <a:buNone/>
               </a:pPr>
-              <a:t>5</a:t>
+              <a:t>10</a:t>
             </a:fld>
             <a:endParaRPr kumimoji="0" lang="en-US" altLang="zh-CN" sz="1400">
               <a:solidFill>
@@ -20738,7 +19284,7 @@
 </p:sld>
 </file>
 
-<file path=ppt/slides/slide7.xml><?xml version="1.0" encoding="utf-8"?>
+<file path=ppt/slides/slide12.xml><?xml version="1.0" encoding="utf-8"?>
 <p:sld xmlns:a="http://schemas.openxmlformats.org/drawingml/2006/main" xmlns:r="http://schemas.openxmlformats.org/officeDocument/2006/relationships" xmlns:p="http://schemas.openxmlformats.org/presentationml/2006/main">
   <p:cSld>
     <p:spTree>
@@ -21017,7 +19563,7 @@
                 <a:buFontTx/>
                 <a:buNone/>
               </a:pPr>
-              <a:t>6</a:t>
+              <a:t>11</a:t>
             </a:fld>
             <a:endParaRPr kumimoji="0" lang="en-US" altLang="zh-CN" sz="1400">
               <a:solidFill>
@@ -21607,6 +20153,4376 @@
     <p:extLst>
       <p:ext uri="{BB962C8B-B14F-4D97-AF65-F5344CB8AC3E}">
         <p14:creationId xmlns:p14="http://schemas.microsoft.com/office/powerpoint/2010/main" val="1964079176"/>
+      </p:ext>
+    </p:extLst>
+  </p:cSld>
+  <p:clrMapOvr>
+    <a:masterClrMapping/>
+  </p:clrMapOvr>
+  <p:timing>
+    <p:tnLst>
+      <p:par>
+        <p:cTn id="1" dur="indefinite" restart="never" nodeType="tmRoot"/>
+      </p:par>
+    </p:tnLst>
+  </p:timing>
+</p:sld>
+</file>
+
+<file path=ppt/slides/slide2.xml><?xml version="1.0" encoding="utf-8"?>
+<p:sld xmlns:a="http://schemas.openxmlformats.org/drawingml/2006/main" xmlns:r="http://schemas.openxmlformats.org/officeDocument/2006/relationships" xmlns:p="http://schemas.openxmlformats.org/presentationml/2006/main">
+  <p:cSld>
+    <p:spTree>
+      <p:nvGrpSpPr>
+        <p:cNvPr id="1" name=""/>
+        <p:cNvGrpSpPr/>
+        <p:nvPr/>
+      </p:nvGrpSpPr>
+      <p:grpSpPr>
+        <a:xfrm>
+          <a:off x="0" y="0"/>
+          <a:ext cx="0" cy="0"/>
+          <a:chOff x="0" y="0"/>
+          <a:chExt cx="0" cy="0"/>
+        </a:xfrm>
+      </p:grpSpPr>
+      <p:sp>
+        <p:nvSpPr>
+          <p:cNvPr id="2" name="Content Placeholder 1"/>
+          <p:cNvSpPr>
+            <a:spLocks noGrp="1"/>
+          </p:cNvSpPr>
+          <p:nvPr>
+            <p:ph idx="1"/>
+          </p:nvPr>
+        </p:nvSpPr>
+        <p:spPr>
+          <a:xfrm>
+            <a:off x="436563" y="1139825"/>
+            <a:ext cx="8270875" cy="4922838"/>
+          </a:xfrm>
+        </p:spPr>
+        <p:txBody>
+          <a:bodyPr>
+            <a:normAutofit/>
+          </a:bodyPr>
+          <a:lstStyle/>
+          <a:p>
+            <a:pPr eaLnBrk="1" hangingPunct="1">
+              <a:lnSpc>
+                <a:spcPct val="100000"/>
+              </a:lnSpc>
+              <a:defRPr/>
+            </a:pPr>
+            <a:r>
+              <a:rPr kumimoji="0" lang="en-US" altLang="zh-CN" dirty="0" smtClean="0">
+                <a:cs typeface="+mn-cs"/>
+              </a:rPr>
+              <a:t>Motivation</a:t>
+            </a:r>
+          </a:p>
+          <a:p>
+            <a:pPr eaLnBrk="1" hangingPunct="1">
+              <a:lnSpc>
+                <a:spcPct val="100000"/>
+              </a:lnSpc>
+              <a:defRPr/>
+            </a:pPr>
+            <a:r>
+              <a:rPr kumimoji="0" lang="en-US" altLang="zh-CN" dirty="0" smtClean="0">
+                <a:cs typeface="+mn-cs"/>
+              </a:rPr>
+              <a:t>Dataset</a:t>
+            </a:r>
+            <a:endParaRPr kumimoji="0" lang="en-US" altLang="zh-CN" dirty="0">
+              <a:cs typeface="+mn-cs"/>
+            </a:endParaRPr>
+          </a:p>
+          <a:p>
+            <a:pPr eaLnBrk="1" hangingPunct="1">
+              <a:lnSpc>
+                <a:spcPct val="100000"/>
+              </a:lnSpc>
+              <a:defRPr/>
+            </a:pPr>
+            <a:r>
+              <a:rPr kumimoji="0" lang="en-US" altLang="zh-CN" dirty="0" smtClean="0">
+                <a:cs typeface="+mn-cs"/>
+              </a:rPr>
+              <a:t>Architecture</a:t>
+            </a:r>
+          </a:p>
+          <a:p>
+            <a:pPr eaLnBrk="1" hangingPunct="1">
+              <a:lnSpc>
+                <a:spcPct val="100000"/>
+              </a:lnSpc>
+              <a:defRPr/>
+            </a:pPr>
+            <a:r>
+              <a:rPr kumimoji="0" lang="en-US" altLang="zh-CN" dirty="0" smtClean="0">
+                <a:cs typeface="+mn-cs"/>
+              </a:rPr>
+              <a:t>Demo</a:t>
+            </a:r>
+          </a:p>
+          <a:p>
+            <a:pPr eaLnBrk="1" hangingPunct="1">
+              <a:lnSpc>
+                <a:spcPct val="100000"/>
+              </a:lnSpc>
+              <a:defRPr/>
+            </a:pPr>
+            <a:endParaRPr kumimoji="0" lang="en-US" altLang="zh-CN" dirty="0" smtClean="0">
+              <a:cs typeface="+mn-cs"/>
+            </a:endParaRPr>
+          </a:p>
+        </p:txBody>
+      </p:sp>
+      <p:sp>
+        <p:nvSpPr>
+          <p:cNvPr id="7170" name="Title 2"/>
+          <p:cNvSpPr>
+            <a:spLocks noGrp="1"/>
+          </p:cNvSpPr>
+          <p:nvPr>
+            <p:ph type="title"/>
+          </p:nvPr>
+        </p:nvSpPr>
+        <p:spPr>
+          <a:xfrm>
+            <a:off x="266700" y="0"/>
+            <a:ext cx="8877300" cy="801688"/>
+          </a:xfrm>
+        </p:spPr>
+        <p:txBody>
+          <a:bodyPr/>
+          <a:lstStyle/>
+          <a:p>
+            <a:pPr eaLnBrk="1" hangingPunct="1"/>
+            <a:r>
+              <a:rPr kumimoji="0" lang="en-US" altLang="zh-CN" dirty="0">
+                <a:ea typeface="宋体" charset="-122"/>
+              </a:rPr>
+              <a:t>Outline</a:t>
+            </a:r>
+          </a:p>
+        </p:txBody>
+      </p:sp>
+      <p:sp>
+        <p:nvSpPr>
+          <p:cNvPr id="7171" name="Slide Number Placeholder 3"/>
+          <p:cNvSpPr>
+            <a:spLocks noGrp="1"/>
+          </p:cNvSpPr>
+          <p:nvPr>
+            <p:ph type="sldNum" sz="quarter" idx="10"/>
+          </p:nvPr>
+        </p:nvSpPr>
+        <p:spPr bwMode="auto">
+          <a:noFill/>
+          <a:extLst>
+            <a:ext uri="{909E8E84-426E-40DD-AFC4-6F175D3DCCD1}">
+              <a14:hiddenFill xmlns:a14="http://schemas.microsoft.com/office/drawing/2010/main">
+                <a:solidFill>
+                  <a:srgbClr val="FFFFFF"/>
+                </a:solidFill>
+              </a14:hiddenFill>
+            </a:ext>
+            <a:ext uri="{91240B29-F687-4F45-9708-019B960494DF}">
+              <a14:hiddenLine xmlns:a14="http://schemas.microsoft.com/office/drawing/2010/main" w="9525">
+                <a:solidFill>
+                  <a:srgbClr val="000000"/>
+                </a:solidFill>
+                <a:miter lim="800000"/>
+                <a:headEnd/>
+                <a:tailEnd/>
+              </a14:hiddenLine>
+            </a:ext>
+          </a:extLst>
+        </p:spPr>
+        <p:txBody>
+          <a:bodyPr/>
+          <a:lstStyle>
+            <a:lvl1pPr>
+              <a:lnSpc>
+                <a:spcPct val="90000"/>
+              </a:lnSpc>
+              <a:spcBef>
+                <a:spcPts val="1000"/>
+              </a:spcBef>
+              <a:buFont typeface="Arial" charset="0"/>
+              <a:buChar char="•"/>
+              <a:defRPr kumimoji="1" sz="2800">
+                <a:solidFill>
+                  <a:schemeClr val="tx1"/>
+                </a:solidFill>
+                <a:latin typeface="Calibri" charset="0"/>
+                <a:ea typeface="宋体" charset="-122"/>
+              </a:defRPr>
+            </a:lvl1pPr>
+            <a:lvl2pPr marL="742950" indent="-285750">
+              <a:lnSpc>
+                <a:spcPct val="90000"/>
+              </a:lnSpc>
+              <a:spcBef>
+                <a:spcPts val="500"/>
+              </a:spcBef>
+              <a:buFont typeface="Arial" charset="0"/>
+              <a:buChar char="•"/>
+              <a:defRPr kumimoji="1" sz="2400">
+                <a:solidFill>
+                  <a:schemeClr val="tx1"/>
+                </a:solidFill>
+                <a:latin typeface="Calibri" charset="0"/>
+                <a:ea typeface="宋体" charset="-122"/>
+              </a:defRPr>
+            </a:lvl2pPr>
+            <a:lvl3pPr marL="1143000" indent="-228600">
+              <a:lnSpc>
+                <a:spcPct val="90000"/>
+              </a:lnSpc>
+              <a:spcBef>
+                <a:spcPts val="500"/>
+              </a:spcBef>
+              <a:buFont typeface="Arial" charset="0"/>
+              <a:buChar char="•"/>
+              <a:defRPr kumimoji="1" sz="2000">
+                <a:solidFill>
+                  <a:schemeClr val="tx1"/>
+                </a:solidFill>
+                <a:latin typeface="Calibri" charset="0"/>
+                <a:ea typeface="宋体" charset="-122"/>
+              </a:defRPr>
+            </a:lvl3pPr>
+            <a:lvl4pPr marL="1600200" indent="-228600">
+              <a:lnSpc>
+                <a:spcPct val="90000"/>
+              </a:lnSpc>
+              <a:spcBef>
+                <a:spcPts val="500"/>
+              </a:spcBef>
+              <a:buFont typeface="Arial" charset="0"/>
+              <a:buChar char="•"/>
+              <a:defRPr kumimoji="1">
+                <a:solidFill>
+                  <a:schemeClr val="tx1"/>
+                </a:solidFill>
+                <a:latin typeface="Calibri" charset="0"/>
+                <a:ea typeface="宋体" charset="-122"/>
+              </a:defRPr>
+            </a:lvl4pPr>
+            <a:lvl5pPr marL="2057400" indent="-228600">
+              <a:lnSpc>
+                <a:spcPct val="90000"/>
+              </a:lnSpc>
+              <a:spcBef>
+                <a:spcPts val="500"/>
+              </a:spcBef>
+              <a:buFont typeface="Arial" charset="0"/>
+              <a:buChar char="•"/>
+              <a:defRPr kumimoji="1">
+                <a:solidFill>
+                  <a:schemeClr val="tx1"/>
+                </a:solidFill>
+                <a:latin typeface="Calibri" charset="0"/>
+                <a:ea typeface="宋体" charset="-122"/>
+              </a:defRPr>
+            </a:lvl5pPr>
+            <a:lvl6pPr marL="2514600" indent="-228600" eaLnBrk="0" fontAlgn="base" hangingPunct="0">
+              <a:lnSpc>
+                <a:spcPct val="90000"/>
+              </a:lnSpc>
+              <a:spcBef>
+                <a:spcPts val="500"/>
+              </a:spcBef>
+              <a:spcAft>
+                <a:spcPct val="0"/>
+              </a:spcAft>
+              <a:buFont typeface="Arial" charset="0"/>
+              <a:buChar char="•"/>
+              <a:defRPr kumimoji="1">
+                <a:solidFill>
+                  <a:schemeClr val="tx1"/>
+                </a:solidFill>
+                <a:latin typeface="Calibri" charset="0"/>
+                <a:ea typeface="宋体" charset="-122"/>
+              </a:defRPr>
+            </a:lvl6pPr>
+            <a:lvl7pPr marL="2971800" indent="-228600" eaLnBrk="0" fontAlgn="base" hangingPunct="0">
+              <a:lnSpc>
+                <a:spcPct val="90000"/>
+              </a:lnSpc>
+              <a:spcBef>
+                <a:spcPts val="500"/>
+              </a:spcBef>
+              <a:spcAft>
+                <a:spcPct val="0"/>
+              </a:spcAft>
+              <a:buFont typeface="Arial" charset="0"/>
+              <a:buChar char="•"/>
+              <a:defRPr kumimoji="1">
+                <a:solidFill>
+                  <a:schemeClr val="tx1"/>
+                </a:solidFill>
+                <a:latin typeface="Calibri" charset="0"/>
+                <a:ea typeface="宋体" charset="-122"/>
+              </a:defRPr>
+            </a:lvl7pPr>
+            <a:lvl8pPr marL="3429000" indent="-228600" eaLnBrk="0" fontAlgn="base" hangingPunct="0">
+              <a:lnSpc>
+                <a:spcPct val="90000"/>
+              </a:lnSpc>
+              <a:spcBef>
+                <a:spcPts val="500"/>
+              </a:spcBef>
+              <a:spcAft>
+                <a:spcPct val="0"/>
+              </a:spcAft>
+              <a:buFont typeface="Arial" charset="0"/>
+              <a:buChar char="•"/>
+              <a:defRPr kumimoji="1">
+                <a:solidFill>
+                  <a:schemeClr val="tx1"/>
+                </a:solidFill>
+                <a:latin typeface="Calibri" charset="0"/>
+                <a:ea typeface="宋体" charset="-122"/>
+              </a:defRPr>
+            </a:lvl8pPr>
+            <a:lvl9pPr marL="3886200" indent="-228600" eaLnBrk="0" fontAlgn="base" hangingPunct="0">
+              <a:lnSpc>
+                <a:spcPct val="90000"/>
+              </a:lnSpc>
+              <a:spcBef>
+                <a:spcPts val="500"/>
+              </a:spcBef>
+              <a:spcAft>
+                <a:spcPct val="0"/>
+              </a:spcAft>
+              <a:buFont typeface="Arial" charset="0"/>
+              <a:buChar char="•"/>
+              <a:defRPr kumimoji="1">
+                <a:solidFill>
+                  <a:schemeClr val="tx1"/>
+                </a:solidFill>
+                <a:latin typeface="Calibri" charset="0"/>
+                <a:ea typeface="宋体" charset="-122"/>
+              </a:defRPr>
+            </a:lvl9pPr>
+          </a:lstStyle>
+          <a:p>
+            <a:pPr>
+              <a:lnSpc>
+                <a:spcPct val="100000"/>
+              </a:lnSpc>
+              <a:spcBef>
+                <a:spcPct val="0"/>
+              </a:spcBef>
+              <a:buFontTx/>
+              <a:buNone/>
+            </a:pPr>
+            <a:fld id="{CEDE4B18-F821-0C42-B7D1-F81BF867505E}" type="slidenum">
+              <a:rPr kumimoji="0" lang="en-US" altLang="zh-CN" sz="1400">
+                <a:solidFill>
+                  <a:srgbClr val="898989"/>
+                </a:solidFill>
+                <a:latin typeface="Arial" charset="0"/>
+              </a:rPr>
+              <a:pPr>
+                <a:lnSpc>
+                  <a:spcPct val="100000"/>
+                </a:lnSpc>
+                <a:spcBef>
+                  <a:spcPct val="0"/>
+                </a:spcBef>
+                <a:buFontTx/>
+                <a:buNone/>
+              </a:pPr>
+              <a:t>1</a:t>
+            </a:fld>
+            <a:endParaRPr kumimoji="0" lang="en-US" altLang="zh-CN" sz="1400">
+              <a:solidFill>
+                <a:srgbClr val="898989"/>
+              </a:solidFill>
+              <a:latin typeface="Arial" charset="0"/>
+            </a:endParaRPr>
+          </a:p>
+        </p:txBody>
+      </p:sp>
+    </p:spTree>
+  </p:cSld>
+  <p:clrMapOvr>
+    <a:masterClrMapping/>
+  </p:clrMapOvr>
+  <p:timing>
+    <p:tnLst>
+      <p:par>
+        <p:cTn id="1" dur="indefinite" restart="never" nodeType="tmRoot"/>
+      </p:par>
+    </p:tnLst>
+  </p:timing>
+</p:sld>
+</file>
+
+<file path=ppt/slides/slide3.xml><?xml version="1.0" encoding="utf-8"?>
+<p:sld xmlns:a="http://schemas.openxmlformats.org/drawingml/2006/main" xmlns:r="http://schemas.openxmlformats.org/officeDocument/2006/relationships" xmlns:p="http://schemas.openxmlformats.org/presentationml/2006/main">
+  <p:cSld>
+    <p:spTree>
+      <p:nvGrpSpPr>
+        <p:cNvPr id="1" name=""/>
+        <p:cNvGrpSpPr/>
+        <p:nvPr/>
+      </p:nvGrpSpPr>
+      <p:grpSpPr>
+        <a:xfrm>
+          <a:off x="0" y="0"/>
+          <a:ext cx="0" cy="0"/>
+          <a:chOff x="0" y="0"/>
+          <a:chExt cx="0" cy="0"/>
+        </a:xfrm>
+      </p:grpSpPr>
+      <p:sp>
+        <p:nvSpPr>
+          <p:cNvPr id="2" name="Content Placeholder 1"/>
+          <p:cNvSpPr>
+            <a:spLocks noGrp="1"/>
+          </p:cNvSpPr>
+          <p:nvPr>
+            <p:ph idx="1"/>
+          </p:nvPr>
+        </p:nvSpPr>
+        <p:spPr>
+          <a:xfrm>
+            <a:off x="436563" y="1139825"/>
+            <a:ext cx="8270875" cy="4922838"/>
+          </a:xfrm>
+        </p:spPr>
+        <p:txBody>
+          <a:bodyPr>
+            <a:normAutofit/>
+          </a:bodyPr>
+          <a:lstStyle/>
+          <a:p>
+            <a:pPr eaLnBrk="1" hangingPunct="1">
+              <a:lnSpc>
+                <a:spcPct val="100000"/>
+              </a:lnSpc>
+              <a:defRPr/>
+            </a:pPr>
+            <a:r>
+              <a:rPr kumimoji="0" lang="en-US" altLang="zh-CN" dirty="0">
+                <a:cs typeface="+mn-cs"/>
+              </a:rPr>
+              <a:t>Conclude what we learned</a:t>
+            </a:r>
+          </a:p>
+          <a:p>
+            <a:pPr eaLnBrk="1" hangingPunct="1">
+              <a:lnSpc>
+                <a:spcPct val="100000"/>
+              </a:lnSpc>
+              <a:defRPr/>
+            </a:pPr>
+            <a:r>
+              <a:rPr kumimoji="0" lang="en-US" altLang="zh-CN" dirty="0">
+                <a:solidFill>
+                  <a:schemeClr val="bg1">
+                    <a:lumMod val="75000"/>
+                  </a:schemeClr>
+                </a:solidFill>
+                <a:cs typeface="+mn-cs"/>
+              </a:rPr>
+              <a:t>Focus on social media (e.g. twitter)</a:t>
+            </a:r>
+          </a:p>
+          <a:p>
+            <a:pPr lvl="1" eaLnBrk="1" hangingPunct="1">
+              <a:lnSpc>
+                <a:spcPct val="100000"/>
+              </a:lnSpc>
+              <a:defRPr/>
+            </a:pPr>
+            <a:r>
+              <a:rPr kumimoji="0" lang="en-US" altLang="zh-CN" dirty="0">
+                <a:solidFill>
+                  <a:schemeClr val="bg1">
+                    <a:lumMod val="75000"/>
+                  </a:schemeClr>
+                </a:solidFill>
+                <a:cs typeface="+mn-cs"/>
+              </a:rPr>
+              <a:t>Temporal Distribution</a:t>
+            </a:r>
+          </a:p>
+          <a:p>
+            <a:pPr lvl="1" eaLnBrk="1" hangingPunct="1">
+              <a:lnSpc>
+                <a:spcPct val="100000"/>
+              </a:lnSpc>
+              <a:defRPr/>
+            </a:pPr>
+            <a:r>
+              <a:rPr kumimoji="0" lang="en-US" altLang="zh-CN" dirty="0">
+                <a:solidFill>
+                  <a:schemeClr val="bg1">
+                    <a:lumMod val="75000"/>
+                  </a:schemeClr>
+                </a:solidFill>
+                <a:cs typeface="+mn-cs"/>
+              </a:rPr>
+              <a:t>Spatial Distribution</a:t>
+            </a:r>
+          </a:p>
+          <a:p>
+            <a:pPr lvl="1" eaLnBrk="1" hangingPunct="1">
+              <a:lnSpc>
+                <a:spcPct val="100000"/>
+              </a:lnSpc>
+              <a:defRPr/>
+            </a:pPr>
+            <a:r>
+              <a:rPr kumimoji="0" lang="en-US" altLang="zh-CN" dirty="0">
+                <a:solidFill>
+                  <a:schemeClr val="bg1">
+                    <a:lumMod val="75000"/>
+                  </a:schemeClr>
+                </a:solidFill>
+                <a:cs typeface="+mn-cs"/>
+              </a:rPr>
+              <a:t>Sentiment Distribution</a:t>
+            </a:r>
+          </a:p>
+          <a:p>
+            <a:pPr lvl="1" eaLnBrk="1" hangingPunct="1">
+              <a:lnSpc>
+                <a:spcPct val="100000"/>
+              </a:lnSpc>
+              <a:defRPr/>
+            </a:pPr>
+            <a:r>
+              <a:rPr kumimoji="0" lang="en-US" altLang="zh-CN" dirty="0">
+                <a:solidFill>
+                  <a:schemeClr val="bg1">
+                    <a:lumMod val="75000"/>
+                  </a:schemeClr>
+                </a:solidFill>
+                <a:cs typeface="+mn-cs"/>
+              </a:rPr>
+              <a:t>Hot-spot </a:t>
+            </a:r>
+            <a:r>
+              <a:rPr kumimoji="0" lang="en-US" altLang="zh-CN" dirty="0" smtClean="0">
+                <a:solidFill>
+                  <a:schemeClr val="bg1">
+                    <a:lumMod val="75000"/>
+                  </a:schemeClr>
+                </a:solidFill>
+                <a:cs typeface="+mn-cs"/>
+              </a:rPr>
+              <a:t>Issues</a:t>
+            </a:r>
+            <a:endParaRPr kumimoji="0" lang="en-US" altLang="zh-CN" dirty="0">
+              <a:solidFill>
+                <a:schemeClr val="bg1">
+                  <a:lumMod val="75000"/>
+                </a:schemeClr>
+              </a:solidFill>
+              <a:cs typeface="+mn-cs"/>
+            </a:endParaRPr>
+          </a:p>
+          <a:p>
+            <a:pPr lvl="1" eaLnBrk="1" hangingPunct="1">
+              <a:lnSpc>
+                <a:spcPct val="100000"/>
+              </a:lnSpc>
+              <a:defRPr/>
+            </a:pPr>
+            <a:r>
+              <a:rPr kumimoji="0" lang="en-US" altLang="zh-CN" dirty="0">
+                <a:solidFill>
+                  <a:schemeClr val="bg1">
+                    <a:lumMod val="75000"/>
+                  </a:schemeClr>
+                </a:solidFill>
+                <a:cs typeface="+mn-cs"/>
+              </a:rPr>
+              <a:t>Key </a:t>
+            </a:r>
+            <a:r>
+              <a:rPr kumimoji="0" lang="en-US" altLang="zh-CN" dirty="0" smtClean="0">
+                <a:solidFill>
+                  <a:schemeClr val="bg1">
+                    <a:lumMod val="75000"/>
+                  </a:schemeClr>
+                </a:solidFill>
+                <a:cs typeface="+mn-cs"/>
+              </a:rPr>
+              <a:t>Users</a:t>
+            </a:r>
+            <a:endParaRPr kumimoji="0" lang="en-US" altLang="zh-CN" dirty="0">
+              <a:solidFill>
+                <a:schemeClr val="bg1">
+                  <a:lumMod val="75000"/>
+                </a:schemeClr>
+              </a:solidFill>
+              <a:cs typeface="+mn-cs"/>
+            </a:endParaRPr>
+          </a:p>
+          <a:p>
+            <a:pPr eaLnBrk="1" hangingPunct="1">
+              <a:lnSpc>
+                <a:spcPct val="100000"/>
+              </a:lnSpc>
+              <a:defRPr/>
+            </a:pPr>
+            <a:r>
+              <a:rPr kumimoji="0" lang="en-US" altLang="zh-CN" dirty="0" smtClean="0">
+                <a:solidFill>
+                  <a:schemeClr val="bg1">
+                    <a:lumMod val="75000"/>
+                  </a:schemeClr>
+                </a:solidFill>
+                <a:cs typeface="+mn-cs"/>
+              </a:rPr>
+              <a:t>Extensibility</a:t>
+            </a:r>
+          </a:p>
+          <a:p>
+            <a:pPr lvl="1" eaLnBrk="1" hangingPunct="1">
+              <a:lnSpc>
+                <a:spcPct val="100000"/>
+              </a:lnSpc>
+              <a:defRPr/>
+            </a:pPr>
+            <a:r>
+              <a:rPr kumimoji="0" lang="en-US" altLang="zh-CN" dirty="0" smtClean="0">
+                <a:solidFill>
+                  <a:schemeClr val="bg1">
+                    <a:lumMod val="75000"/>
+                  </a:schemeClr>
+                </a:solidFill>
+              </a:rPr>
+              <a:t>Dataset</a:t>
+            </a:r>
+          </a:p>
+          <a:p>
+            <a:pPr lvl="1" eaLnBrk="1" hangingPunct="1">
+              <a:lnSpc>
+                <a:spcPct val="100000"/>
+              </a:lnSpc>
+              <a:defRPr/>
+            </a:pPr>
+            <a:r>
+              <a:rPr kumimoji="0" lang="en-US" altLang="zh-CN" dirty="0" smtClean="0">
+                <a:solidFill>
+                  <a:schemeClr val="bg1">
+                    <a:lumMod val="75000"/>
+                  </a:schemeClr>
+                </a:solidFill>
+                <a:cs typeface="+mn-cs"/>
+              </a:rPr>
+              <a:t>Algorithm</a:t>
+            </a:r>
+            <a:endParaRPr kumimoji="0" lang="en-US" altLang="zh-CN" dirty="0">
+              <a:solidFill>
+                <a:schemeClr val="bg1">
+                  <a:lumMod val="75000"/>
+                </a:schemeClr>
+              </a:solidFill>
+              <a:cs typeface="+mn-cs"/>
+            </a:endParaRPr>
+          </a:p>
+        </p:txBody>
+      </p:sp>
+      <p:sp>
+        <p:nvSpPr>
+          <p:cNvPr id="7170" name="Title 2"/>
+          <p:cNvSpPr>
+            <a:spLocks noGrp="1"/>
+          </p:cNvSpPr>
+          <p:nvPr>
+            <p:ph type="title"/>
+          </p:nvPr>
+        </p:nvSpPr>
+        <p:spPr>
+          <a:xfrm>
+            <a:off x="266700" y="0"/>
+            <a:ext cx="8877300" cy="801688"/>
+          </a:xfrm>
+        </p:spPr>
+        <p:txBody>
+          <a:bodyPr/>
+          <a:lstStyle/>
+          <a:p>
+            <a:pPr eaLnBrk="1" hangingPunct="1"/>
+            <a:r>
+              <a:rPr kumimoji="0" lang="en-US" altLang="zh-CN" dirty="0">
+                <a:ea typeface="宋体" charset="-122"/>
+              </a:rPr>
+              <a:t>Motivation</a:t>
+            </a:r>
+          </a:p>
+        </p:txBody>
+      </p:sp>
+      <p:sp>
+        <p:nvSpPr>
+          <p:cNvPr id="7171" name="Slide Number Placeholder 3"/>
+          <p:cNvSpPr>
+            <a:spLocks noGrp="1"/>
+          </p:cNvSpPr>
+          <p:nvPr>
+            <p:ph type="sldNum" sz="quarter" idx="10"/>
+          </p:nvPr>
+        </p:nvSpPr>
+        <p:spPr bwMode="auto">
+          <a:noFill/>
+          <a:extLst>
+            <a:ext uri="{909E8E84-426E-40DD-AFC4-6F175D3DCCD1}">
+              <a14:hiddenFill xmlns:a14="http://schemas.microsoft.com/office/drawing/2010/main">
+                <a:solidFill>
+                  <a:srgbClr val="FFFFFF"/>
+                </a:solidFill>
+              </a14:hiddenFill>
+            </a:ext>
+            <a:ext uri="{91240B29-F687-4F45-9708-019B960494DF}">
+              <a14:hiddenLine xmlns:a14="http://schemas.microsoft.com/office/drawing/2010/main" w="9525">
+                <a:solidFill>
+                  <a:srgbClr val="000000"/>
+                </a:solidFill>
+                <a:miter lim="800000"/>
+                <a:headEnd/>
+                <a:tailEnd/>
+              </a14:hiddenLine>
+            </a:ext>
+          </a:extLst>
+        </p:spPr>
+        <p:txBody>
+          <a:bodyPr/>
+          <a:lstStyle>
+            <a:lvl1pPr>
+              <a:lnSpc>
+                <a:spcPct val="90000"/>
+              </a:lnSpc>
+              <a:spcBef>
+                <a:spcPts val="1000"/>
+              </a:spcBef>
+              <a:buFont typeface="Arial" charset="0"/>
+              <a:buChar char="•"/>
+              <a:defRPr kumimoji="1" sz="2800">
+                <a:solidFill>
+                  <a:schemeClr val="tx1"/>
+                </a:solidFill>
+                <a:latin typeface="Calibri" charset="0"/>
+                <a:ea typeface="宋体" charset="-122"/>
+              </a:defRPr>
+            </a:lvl1pPr>
+            <a:lvl2pPr marL="742950" indent="-285750">
+              <a:lnSpc>
+                <a:spcPct val="90000"/>
+              </a:lnSpc>
+              <a:spcBef>
+                <a:spcPts val="500"/>
+              </a:spcBef>
+              <a:buFont typeface="Arial" charset="0"/>
+              <a:buChar char="•"/>
+              <a:defRPr kumimoji="1" sz="2400">
+                <a:solidFill>
+                  <a:schemeClr val="tx1"/>
+                </a:solidFill>
+                <a:latin typeface="Calibri" charset="0"/>
+                <a:ea typeface="宋体" charset="-122"/>
+              </a:defRPr>
+            </a:lvl2pPr>
+            <a:lvl3pPr marL="1143000" indent="-228600">
+              <a:lnSpc>
+                <a:spcPct val="90000"/>
+              </a:lnSpc>
+              <a:spcBef>
+                <a:spcPts val="500"/>
+              </a:spcBef>
+              <a:buFont typeface="Arial" charset="0"/>
+              <a:buChar char="•"/>
+              <a:defRPr kumimoji="1" sz="2000">
+                <a:solidFill>
+                  <a:schemeClr val="tx1"/>
+                </a:solidFill>
+                <a:latin typeface="Calibri" charset="0"/>
+                <a:ea typeface="宋体" charset="-122"/>
+              </a:defRPr>
+            </a:lvl3pPr>
+            <a:lvl4pPr marL="1600200" indent="-228600">
+              <a:lnSpc>
+                <a:spcPct val="90000"/>
+              </a:lnSpc>
+              <a:spcBef>
+                <a:spcPts val="500"/>
+              </a:spcBef>
+              <a:buFont typeface="Arial" charset="0"/>
+              <a:buChar char="•"/>
+              <a:defRPr kumimoji="1">
+                <a:solidFill>
+                  <a:schemeClr val="tx1"/>
+                </a:solidFill>
+                <a:latin typeface="Calibri" charset="0"/>
+                <a:ea typeface="宋体" charset="-122"/>
+              </a:defRPr>
+            </a:lvl4pPr>
+            <a:lvl5pPr marL="2057400" indent="-228600">
+              <a:lnSpc>
+                <a:spcPct val="90000"/>
+              </a:lnSpc>
+              <a:spcBef>
+                <a:spcPts val="500"/>
+              </a:spcBef>
+              <a:buFont typeface="Arial" charset="0"/>
+              <a:buChar char="•"/>
+              <a:defRPr kumimoji="1">
+                <a:solidFill>
+                  <a:schemeClr val="tx1"/>
+                </a:solidFill>
+                <a:latin typeface="Calibri" charset="0"/>
+                <a:ea typeface="宋体" charset="-122"/>
+              </a:defRPr>
+            </a:lvl5pPr>
+            <a:lvl6pPr marL="2514600" indent="-228600" eaLnBrk="0" fontAlgn="base" hangingPunct="0">
+              <a:lnSpc>
+                <a:spcPct val="90000"/>
+              </a:lnSpc>
+              <a:spcBef>
+                <a:spcPts val="500"/>
+              </a:spcBef>
+              <a:spcAft>
+                <a:spcPct val="0"/>
+              </a:spcAft>
+              <a:buFont typeface="Arial" charset="0"/>
+              <a:buChar char="•"/>
+              <a:defRPr kumimoji="1">
+                <a:solidFill>
+                  <a:schemeClr val="tx1"/>
+                </a:solidFill>
+                <a:latin typeface="Calibri" charset="0"/>
+                <a:ea typeface="宋体" charset="-122"/>
+              </a:defRPr>
+            </a:lvl6pPr>
+            <a:lvl7pPr marL="2971800" indent="-228600" eaLnBrk="0" fontAlgn="base" hangingPunct="0">
+              <a:lnSpc>
+                <a:spcPct val="90000"/>
+              </a:lnSpc>
+              <a:spcBef>
+                <a:spcPts val="500"/>
+              </a:spcBef>
+              <a:spcAft>
+                <a:spcPct val="0"/>
+              </a:spcAft>
+              <a:buFont typeface="Arial" charset="0"/>
+              <a:buChar char="•"/>
+              <a:defRPr kumimoji="1">
+                <a:solidFill>
+                  <a:schemeClr val="tx1"/>
+                </a:solidFill>
+                <a:latin typeface="Calibri" charset="0"/>
+                <a:ea typeface="宋体" charset="-122"/>
+              </a:defRPr>
+            </a:lvl7pPr>
+            <a:lvl8pPr marL="3429000" indent="-228600" eaLnBrk="0" fontAlgn="base" hangingPunct="0">
+              <a:lnSpc>
+                <a:spcPct val="90000"/>
+              </a:lnSpc>
+              <a:spcBef>
+                <a:spcPts val="500"/>
+              </a:spcBef>
+              <a:spcAft>
+                <a:spcPct val="0"/>
+              </a:spcAft>
+              <a:buFont typeface="Arial" charset="0"/>
+              <a:buChar char="•"/>
+              <a:defRPr kumimoji="1">
+                <a:solidFill>
+                  <a:schemeClr val="tx1"/>
+                </a:solidFill>
+                <a:latin typeface="Calibri" charset="0"/>
+                <a:ea typeface="宋体" charset="-122"/>
+              </a:defRPr>
+            </a:lvl8pPr>
+            <a:lvl9pPr marL="3886200" indent="-228600" eaLnBrk="0" fontAlgn="base" hangingPunct="0">
+              <a:lnSpc>
+                <a:spcPct val="90000"/>
+              </a:lnSpc>
+              <a:spcBef>
+                <a:spcPts val="500"/>
+              </a:spcBef>
+              <a:spcAft>
+                <a:spcPct val="0"/>
+              </a:spcAft>
+              <a:buFont typeface="Arial" charset="0"/>
+              <a:buChar char="•"/>
+              <a:defRPr kumimoji="1">
+                <a:solidFill>
+                  <a:schemeClr val="tx1"/>
+                </a:solidFill>
+                <a:latin typeface="Calibri" charset="0"/>
+                <a:ea typeface="宋体" charset="-122"/>
+              </a:defRPr>
+            </a:lvl9pPr>
+          </a:lstStyle>
+          <a:p>
+            <a:pPr>
+              <a:lnSpc>
+                <a:spcPct val="100000"/>
+              </a:lnSpc>
+              <a:spcBef>
+                <a:spcPct val="0"/>
+              </a:spcBef>
+              <a:buFontTx/>
+              <a:buNone/>
+            </a:pPr>
+            <a:fld id="{CEDE4B18-F821-0C42-B7D1-F81BF867505E}" type="slidenum">
+              <a:rPr kumimoji="0" lang="en-US" altLang="zh-CN" sz="1400">
+                <a:solidFill>
+                  <a:srgbClr val="898989"/>
+                </a:solidFill>
+                <a:latin typeface="Arial" charset="0"/>
+              </a:rPr>
+              <a:pPr>
+                <a:lnSpc>
+                  <a:spcPct val="100000"/>
+                </a:lnSpc>
+                <a:spcBef>
+                  <a:spcPct val="0"/>
+                </a:spcBef>
+                <a:buFontTx/>
+                <a:buNone/>
+              </a:pPr>
+              <a:t>2</a:t>
+            </a:fld>
+            <a:endParaRPr kumimoji="0" lang="en-US" altLang="zh-CN" sz="1400">
+              <a:solidFill>
+                <a:srgbClr val="898989"/>
+              </a:solidFill>
+              <a:latin typeface="Arial" charset="0"/>
+            </a:endParaRPr>
+          </a:p>
+        </p:txBody>
+      </p:sp>
+    </p:spTree>
+    <p:extLst>
+      <p:ext uri="{BB962C8B-B14F-4D97-AF65-F5344CB8AC3E}">
+        <p14:creationId xmlns:p14="http://schemas.microsoft.com/office/powerpoint/2010/main" val="1139156948"/>
+      </p:ext>
+    </p:extLst>
+  </p:cSld>
+  <p:clrMapOvr>
+    <a:masterClrMapping/>
+  </p:clrMapOvr>
+  <p:timing>
+    <p:tnLst>
+      <p:par>
+        <p:cTn id="1" dur="indefinite" restart="never" nodeType="tmRoot"/>
+      </p:par>
+    </p:tnLst>
+  </p:timing>
+</p:sld>
+</file>
+
+<file path=ppt/slides/slide4.xml><?xml version="1.0" encoding="utf-8"?>
+<p:sld xmlns:a="http://schemas.openxmlformats.org/drawingml/2006/main" xmlns:r="http://schemas.openxmlformats.org/officeDocument/2006/relationships" xmlns:p="http://schemas.openxmlformats.org/presentationml/2006/main">
+  <p:cSld>
+    <p:spTree>
+      <p:nvGrpSpPr>
+        <p:cNvPr id="1" name=""/>
+        <p:cNvGrpSpPr/>
+        <p:nvPr/>
+      </p:nvGrpSpPr>
+      <p:grpSpPr>
+        <a:xfrm>
+          <a:off x="0" y="0"/>
+          <a:ext cx="0" cy="0"/>
+          <a:chOff x="0" y="0"/>
+          <a:chExt cx="0" cy="0"/>
+        </a:xfrm>
+      </p:grpSpPr>
+      <p:pic>
+        <p:nvPicPr>
+          <p:cNvPr id="1028" name="Picture 4" descr="https://lh5.googleusercontent.com/PZCdUnV_Dh6sWdyePSXeX6l2_h_73YYLZm9h5cHeCWi_i9tCMJD3fY_Y_1TKjBwX94pVR5m0Wq61KIpoJQkV9Hrc6s8DJWxHGPgnNeBMH8OJwecMCXyxAmfkzjlV0vyM2nb_Xxf4"/>
+          <p:cNvPicPr>
+            <a:picLocks noChangeAspect="1" noChangeArrowheads="1"/>
+          </p:cNvPicPr>
+          <p:nvPr/>
+        </p:nvPicPr>
+        <p:blipFill>
+          <a:blip r:embed="rId2">
+            <a:extLst>
+              <a:ext uri="{28A0092B-C50C-407E-A947-70E740481C1C}">
+                <a14:useLocalDpi xmlns:a14="http://schemas.microsoft.com/office/drawing/2010/main" val="0"/>
+              </a:ext>
+            </a:extLst>
+          </a:blip>
+          <a:srcRect/>
+          <a:stretch>
+            <a:fillRect/>
+          </a:stretch>
+        </p:blipFill>
+        <p:spPr bwMode="auto">
+          <a:xfrm>
+            <a:off x="4227227" y="3054379"/>
+            <a:ext cx="4294955" cy="2703003"/>
+          </a:xfrm>
+          <a:prstGeom prst="rect">
+            <a:avLst/>
+          </a:prstGeom>
+          <a:noFill/>
+          <a:extLst>
+            <a:ext uri="{909E8E84-426E-40DD-AFC4-6F175D3DCCD1}">
+              <a14:hiddenFill xmlns:a14="http://schemas.microsoft.com/office/drawing/2010/main">
+                <a:solidFill>
+                  <a:srgbClr val="FFFFFF"/>
+                </a:solidFill>
+              </a14:hiddenFill>
+            </a:ext>
+          </a:extLst>
+        </p:spPr>
+      </p:pic>
+      <p:sp>
+        <p:nvSpPr>
+          <p:cNvPr id="2" name="Content Placeholder 1"/>
+          <p:cNvSpPr>
+            <a:spLocks noGrp="1"/>
+          </p:cNvSpPr>
+          <p:nvPr>
+            <p:ph idx="1"/>
+          </p:nvPr>
+        </p:nvSpPr>
+        <p:spPr>
+          <a:xfrm>
+            <a:off x="436563" y="1139825"/>
+            <a:ext cx="8270875" cy="4922838"/>
+          </a:xfrm>
+        </p:spPr>
+        <p:txBody>
+          <a:bodyPr>
+            <a:normAutofit/>
+          </a:bodyPr>
+          <a:lstStyle/>
+          <a:p>
+            <a:pPr eaLnBrk="1" hangingPunct="1">
+              <a:lnSpc>
+                <a:spcPct val="100000"/>
+              </a:lnSpc>
+              <a:defRPr/>
+            </a:pPr>
+            <a:r>
+              <a:rPr kumimoji="0" lang="en-US" altLang="zh-CN" dirty="0">
+                <a:solidFill>
+                  <a:schemeClr val="bg1">
+                    <a:lumMod val="75000"/>
+                  </a:schemeClr>
+                </a:solidFill>
+                <a:cs typeface="+mn-cs"/>
+              </a:rPr>
+              <a:t>Conclude what we learned</a:t>
+            </a:r>
+          </a:p>
+          <a:p>
+            <a:pPr eaLnBrk="1" hangingPunct="1">
+              <a:lnSpc>
+                <a:spcPct val="100000"/>
+              </a:lnSpc>
+              <a:defRPr/>
+            </a:pPr>
+            <a:r>
+              <a:rPr kumimoji="0" lang="en-US" altLang="zh-CN" dirty="0">
+                <a:cs typeface="+mn-cs"/>
+              </a:rPr>
+              <a:t>Focus on social media (e.g. twitter)</a:t>
+            </a:r>
+          </a:p>
+          <a:p>
+            <a:pPr lvl="1" eaLnBrk="1" hangingPunct="1">
+              <a:lnSpc>
+                <a:spcPct val="100000"/>
+              </a:lnSpc>
+              <a:defRPr/>
+            </a:pPr>
+            <a:r>
+              <a:rPr kumimoji="0" lang="en-US" altLang="zh-CN" dirty="0">
+                <a:cs typeface="+mn-cs"/>
+              </a:rPr>
+              <a:t>Temporal Distribution</a:t>
+            </a:r>
+          </a:p>
+          <a:p>
+            <a:pPr lvl="1" eaLnBrk="1" hangingPunct="1">
+              <a:lnSpc>
+                <a:spcPct val="100000"/>
+              </a:lnSpc>
+              <a:defRPr/>
+            </a:pPr>
+            <a:r>
+              <a:rPr kumimoji="0" lang="en-US" altLang="zh-CN" dirty="0">
+                <a:solidFill>
+                  <a:schemeClr val="bg1">
+                    <a:lumMod val="75000"/>
+                  </a:schemeClr>
+                </a:solidFill>
+                <a:cs typeface="+mn-cs"/>
+              </a:rPr>
+              <a:t>Spatial Distribution</a:t>
+            </a:r>
+          </a:p>
+          <a:p>
+            <a:pPr lvl="1" eaLnBrk="1" hangingPunct="1">
+              <a:lnSpc>
+                <a:spcPct val="100000"/>
+              </a:lnSpc>
+              <a:defRPr/>
+            </a:pPr>
+            <a:r>
+              <a:rPr kumimoji="0" lang="en-US" altLang="zh-CN" dirty="0">
+                <a:solidFill>
+                  <a:schemeClr val="bg1">
+                    <a:lumMod val="75000"/>
+                  </a:schemeClr>
+                </a:solidFill>
+                <a:cs typeface="+mn-cs"/>
+              </a:rPr>
+              <a:t>Sentiment Distribution</a:t>
+            </a:r>
+          </a:p>
+          <a:p>
+            <a:pPr lvl="1" eaLnBrk="1" hangingPunct="1">
+              <a:lnSpc>
+                <a:spcPct val="100000"/>
+              </a:lnSpc>
+              <a:defRPr/>
+            </a:pPr>
+            <a:r>
+              <a:rPr kumimoji="0" lang="en-US" altLang="zh-CN" dirty="0">
+                <a:solidFill>
+                  <a:schemeClr val="bg1">
+                    <a:lumMod val="75000"/>
+                  </a:schemeClr>
+                </a:solidFill>
+                <a:cs typeface="+mn-cs"/>
+              </a:rPr>
+              <a:t>Hot-spot </a:t>
+            </a:r>
+            <a:r>
+              <a:rPr kumimoji="0" lang="en-US" altLang="zh-CN" dirty="0" smtClean="0">
+                <a:solidFill>
+                  <a:schemeClr val="bg1">
+                    <a:lumMod val="75000"/>
+                  </a:schemeClr>
+                </a:solidFill>
+                <a:cs typeface="+mn-cs"/>
+              </a:rPr>
+              <a:t>Issues</a:t>
+            </a:r>
+            <a:endParaRPr kumimoji="0" lang="en-US" altLang="zh-CN" dirty="0">
+              <a:solidFill>
+                <a:schemeClr val="bg1">
+                  <a:lumMod val="75000"/>
+                </a:schemeClr>
+              </a:solidFill>
+              <a:cs typeface="+mn-cs"/>
+            </a:endParaRPr>
+          </a:p>
+          <a:p>
+            <a:pPr lvl="1" eaLnBrk="1" hangingPunct="1">
+              <a:lnSpc>
+                <a:spcPct val="100000"/>
+              </a:lnSpc>
+              <a:defRPr/>
+            </a:pPr>
+            <a:r>
+              <a:rPr kumimoji="0" lang="en-US" altLang="zh-CN" dirty="0">
+                <a:solidFill>
+                  <a:schemeClr val="bg1">
+                    <a:lumMod val="75000"/>
+                  </a:schemeClr>
+                </a:solidFill>
+                <a:cs typeface="+mn-cs"/>
+              </a:rPr>
+              <a:t>Key Users</a:t>
+            </a:r>
+          </a:p>
+          <a:p>
+            <a:pPr eaLnBrk="1" hangingPunct="1">
+              <a:lnSpc>
+                <a:spcPct val="100000"/>
+              </a:lnSpc>
+              <a:defRPr/>
+            </a:pPr>
+            <a:r>
+              <a:rPr kumimoji="0" lang="en-US" altLang="zh-CN" dirty="0" smtClean="0">
+                <a:solidFill>
+                  <a:schemeClr val="bg1">
+                    <a:lumMod val="75000"/>
+                  </a:schemeClr>
+                </a:solidFill>
+                <a:cs typeface="+mn-cs"/>
+              </a:rPr>
+              <a:t>Extensibility</a:t>
+            </a:r>
+          </a:p>
+          <a:p>
+            <a:pPr lvl="1" eaLnBrk="1" hangingPunct="1">
+              <a:lnSpc>
+                <a:spcPct val="100000"/>
+              </a:lnSpc>
+              <a:defRPr/>
+            </a:pPr>
+            <a:r>
+              <a:rPr kumimoji="0" lang="en-US" altLang="zh-CN" dirty="0" smtClean="0">
+                <a:solidFill>
+                  <a:schemeClr val="bg1">
+                    <a:lumMod val="75000"/>
+                  </a:schemeClr>
+                </a:solidFill>
+              </a:rPr>
+              <a:t>Dataset</a:t>
+            </a:r>
+          </a:p>
+          <a:p>
+            <a:pPr lvl="1" eaLnBrk="1" hangingPunct="1">
+              <a:lnSpc>
+                <a:spcPct val="100000"/>
+              </a:lnSpc>
+              <a:defRPr/>
+            </a:pPr>
+            <a:r>
+              <a:rPr kumimoji="0" lang="en-US" altLang="zh-CN" dirty="0" smtClean="0">
+                <a:solidFill>
+                  <a:schemeClr val="bg1">
+                    <a:lumMod val="75000"/>
+                  </a:schemeClr>
+                </a:solidFill>
+                <a:cs typeface="+mn-cs"/>
+              </a:rPr>
+              <a:t>Algorithm</a:t>
+            </a:r>
+            <a:endParaRPr kumimoji="0" lang="en-US" altLang="zh-CN" dirty="0">
+              <a:solidFill>
+                <a:schemeClr val="bg1">
+                  <a:lumMod val="75000"/>
+                </a:schemeClr>
+              </a:solidFill>
+              <a:cs typeface="+mn-cs"/>
+            </a:endParaRPr>
+          </a:p>
+        </p:txBody>
+      </p:sp>
+      <p:sp>
+        <p:nvSpPr>
+          <p:cNvPr id="7170" name="Title 2"/>
+          <p:cNvSpPr>
+            <a:spLocks noGrp="1"/>
+          </p:cNvSpPr>
+          <p:nvPr>
+            <p:ph type="title"/>
+          </p:nvPr>
+        </p:nvSpPr>
+        <p:spPr>
+          <a:xfrm>
+            <a:off x="266700" y="0"/>
+            <a:ext cx="8877300" cy="801688"/>
+          </a:xfrm>
+        </p:spPr>
+        <p:txBody>
+          <a:bodyPr/>
+          <a:lstStyle/>
+          <a:p>
+            <a:pPr eaLnBrk="1" hangingPunct="1"/>
+            <a:r>
+              <a:rPr kumimoji="0" lang="en-US" altLang="zh-CN" dirty="0">
+                <a:ea typeface="宋体" charset="-122"/>
+              </a:rPr>
+              <a:t>Motivation</a:t>
+            </a:r>
+          </a:p>
+        </p:txBody>
+      </p:sp>
+      <p:sp>
+        <p:nvSpPr>
+          <p:cNvPr id="7171" name="Slide Number Placeholder 3"/>
+          <p:cNvSpPr>
+            <a:spLocks noGrp="1"/>
+          </p:cNvSpPr>
+          <p:nvPr>
+            <p:ph type="sldNum" sz="quarter" idx="10"/>
+          </p:nvPr>
+        </p:nvSpPr>
+        <p:spPr bwMode="auto">
+          <a:noFill/>
+          <a:extLst>
+            <a:ext uri="{909E8E84-426E-40DD-AFC4-6F175D3DCCD1}">
+              <a14:hiddenFill xmlns:a14="http://schemas.microsoft.com/office/drawing/2010/main">
+                <a:solidFill>
+                  <a:srgbClr val="FFFFFF"/>
+                </a:solidFill>
+              </a14:hiddenFill>
+            </a:ext>
+            <a:ext uri="{91240B29-F687-4F45-9708-019B960494DF}">
+              <a14:hiddenLine xmlns:a14="http://schemas.microsoft.com/office/drawing/2010/main" w="9525">
+                <a:solidFill>
+                  <a:srgbClr val="000000"/>
+                </a:solidFill>
+                <a:miter lim="800000"/>
+                <a:headEnd/>
+                <a:tailEnd/>
+              </a14:hiddenLine>
+            </a:ext>
+          </a:extLst>
+        </p:spPr>
+        <p:txBody>
+          <a:bodyPr/>
+          <a:lstStyle>
+            <a:lvl1pPr>
+              <a:lnSpc>
+                <a:spcPct val="90000"/>
+              </a:lnSpc>
+              <a:spcBef>
+                <a:spcPts val="1000"/>
+              </a:spcBef>
+              <a:buFont typeface="Arial" charset="0"/>
+              <a:buChar char="•"/>
+              <a:defRPr kumimoji="1" sz="2800">
+                <a:solidFill>
+                  <a:schemeClr val="tx1"/>
+                </a:solidFill>
+                <a:latin typeface="Calibri" charset="0"/>
+                <a:ea typeface="宋体" charset="-122"/>
+              </a:defRPr>
+            </a:lvl1pPr>
+            <a:lvl2pPr marL="742950" indent="-285750">
+              <a:lnSpc>
+                <a:spcPct val="90000"/>
+              </a:lnSpc>
+              <a:spcBef>
+                <a:spcPts val="500"/>
+              </a:spcBef>
+              <a:buFont typeface="Arial" charset="0"/>
+              <a:buChar char="•"/>
+              <a:defRPr kumimoji="1" sz="2400">
+                <a:solidFill>
+                  <a:schemeClr val="tx1"/>
+                </a:solidFill>
+                <a:latin typeface="Calibri" charset="0"/>
+                <a:ea typeface="宋体" charset="-122"/>
+              </a:defRPr>
+            </a:lvl2pPr>
+            <a:lvl3pPr marL="1143000" indent="-228600">
+              <a:lnSpc>
+                <a:spcPct val="90000"/>
+              </a:lnSpc>
+              <a:spcBef>
+                <a:spcPts val="500"/>
+              </a:spcBef>
+              <a:buFont typeface="Arial" charset="0"/>
+              <a:buChar char="•"/>
+              <a:defRPr kumimoji="1" sz="2000">
+                <a:solidFill>
+                  <a:schemeClr val="tx1"/>
+                </a:solidFill>
+                <a:latin typeface="Calibri" charset="0"/>
+                <a:ea typeface="宋体" charset="-122"/>
+              </a:defRPr>
+            </a:lvl3pPr>
+            <a:lvl4pPr marL="1600200" indent="-228600">
+              <a:lnSpc>
+                <a:spcPct val="90000"/>
+              </a:lnSpc>
+              <a:spcBef>
+                <a:spcPts val="500"/>
+              </a:spcBef>
+              <a:buFont typeface="Arial" charset="0"/>
+              <a:buChar char="•"/>
+              <a:defRPr kumimoji="1">
+                <a:solidFill>
+                  <a:schemeClr val="tx1"/>
+                </a:solidFill>
+                <a:latin typeface="Calibri" charset="0"/>
+                <a:ea typeface="宋体" charset="-122"/>
+              </a:defRPr>
+            </a:lvl4pPr>
+            <a:lvl5pPr marL="2057400" indent="-228600">
+              <a:lnSpc>
+                <a:spcPct val="90000"/>
+              </a:lnSpc>
+              <a:spcBef>
+                <a:spcPts val="500"/>
+              </a:spcBef>
+              <a:buFont typeface="Arial" charset="0"/>
+              <a:buChar char="•"/>
+              <a:defRPr kumimoji="1">
+                <a:solidFill>
+                  <a:schemeClr val="tx1"/>
+                </a:solidFill>
+                <a:latin typeface="Calibri" charset="0"/>
+                <a:ea typeface="宋体" charset="-122"/>
+              </a:defRPr>
+            </a:lvl5pPr>
+            <a:lvl6pPr marL="2514600" indent="-228600" eaLnBrk="0" fontAlgn="base" hangingPunct="0">
+              <a:lnSpc>
+                <a:spcPct val="90000"/>
+              </a:lnSpc>
+              <a:spcBef>
+                <a:spcPts val="500"/>
+              </a:spcBef>
+              <a:spcAft>
+                <a:spcPct val="0"/>
+              </a:spcAft>
+              <a:buFont typeface="Arial" charset="0"/>
+              <a:buChar char="•"/>
+              <a:defRPr kumimoji="1">
+                <a:solidFill>
+                  <a:schemeClr val="tx1"/>
+                </a:solidFill>
+                <a:latin typeface="Calibri" charset="0"/>
+                <a:ea typeface="宋体" charset="-122"/>
+              </a:defRPr>
+            </a:lvl6pPr>
+            <a:lvl7pPr marL="2971800" indent="-228600" eaLnBrk="0" fontAlgn="base" hangingPunct="0">
+              <a:lnSpc>
+                <a:spcPct val="90000"/>
+              </a:lnSpc>
+              <a:spcBef>
+                <a:spcPts val="500"/>
+              </a:spcBef>
+              <a:spcAft>
+                <a:spcPct val="0"/>
+              </a:spcAft>
+              <a:buFont typeface="Arial" charset="0"/>
+              <a:buChar char="•"/>
+              <a:defRPr kumimoji="1">
+                <a:solidFill>
+                  <a:schemeClr val="tx1"/>
+                </a:solidFill>
+                <a:latin typeface="Calibri" charset="0"/>
+                <a:ea typeface="宋体" charset="-122"/>
+              </a:defRPr>
+            </a:lvl7pPr>
+            <a:lvl8pPr marL="3429000" indent="-228600" eaLnBrk="0" fontAlgn="base" hangingPunct="0">
+              <a:lnSpc>
+                <a:spcPct val="90000"/>
+              </a:lnSpc>
+              <a:spcBef>
+                <a:spcPts val="500"/>
+              </a:spcBef>
+              <a:spcAft>
+                <a:spcPct val="0"/>
+              </a:spcAft>
+              <a:buFont typeface="Arial" charset="0"/>
+              <a:buChar char="•"/>
+              <a:defRPr kumimoji="1">
+                <a:solidFill>
+                  <a:schemeClr val="tx1"/>
+                </a:solidFill>
+                <a:latin typeface="Calibri" charset="0"/>
+                <a:ea typeface="宋体" charset="-122"/>
+              </a:defRPr>
+            </a:lvl8pPr>
+            <a:lvl9pPr marL="3886200" indent="-228600" eaLnBrk="0" fontAlgn="base" hangingPunct="0">
+              <a:lnSpc>
+                <a:spcPct val="90000"/>
+              </a:lnSpc>
+              <a:spcBef>
+                <a:spcPts val="500"/>
+              </a:spcBef>
+              <a:spcAft>
+                <a:spcPct val="0"/>
+              </a:spcAft>
+              <a:buFont typeface="Arial" charset="0"/>
+              <a:buChar char="•"/>
+              <a:defRPr kumimoji="1">
+                <a:solidFill>
+                  <a:schemeClr val="tx1"/>
+                </a:solidFill>
+                <a:latin typeface="Calibri" charset="0"/>
+                <a:ea typeface="宋体" charset="-122"/>
+              </a:defRPr>
+            </a:lvl9pPr>
+          </a:lstStyle>
+          <a:p>
+            <a:pPr>
+              <a:lnSpc>
+                <a:spcPct val="100000"/>
+              </a:lnSpc>
+              <a:spcBef>
+                <a:spcPct val="0"/>
+              </a:spcBef>
+              <a:buFontTx/>
+              <a:buNone/>
+            </a:pPr>
+            <a:fld id="{CEDE4B18-F821-0C42-B7D1-F81BF867505E}" type="slidenum">
+              <a:rPr kumimoji="0" lang="en-US" altLang="zh-CN" sz="1400">
+                <a:solidFill>
+                  <a:srgbClr val="898989"/>
+                </a:solidFill>
+                <a:latin typeface="Arial" charset="0"/>
+              </a:rPr>
+              <a:pPr>
+                <a:lnSpc>
+                  <a:spcPct val="100000"/>
+                </a:lnSpc>
+                <a:spcBef>
+                  <a:spcPct val="0"/>
+                </a:spcBef>
+                <a:buFontTx/>
+                <a:buNone/>
+              </a:pPr>
+              <a:t>3</a:t>
+            </a:fld>
+            <a:endParaRPr kumimoji="0" lang="en-US" altLang="zh-CN" sz="1400">
+              <a:solidFill>
+                <a:srgbClr val="898989"/>
+              </a:solidFill>
+              <a:latin typeface="Arial" charset="0"/>
+            </a:endParaRPr>
+          </a:p>
+        </p:txBody>
+      </p:sp>
+    </p:spTree>
+    <p:extLst>
+      <p:ext uri="{BB962C8B-B14F-4D97-AF65-F5344CB8AC3E}">
+        <p14:creationId xmlns:p14="http://schemas.microsoft.com/office/powerpoint/2010/main" val="152218078"/>
+      </p:ext>
+    </p:extLst>
+  </p:cSld>
+  <p:clrMapOvr>
+    <a:masterClrMapping/>
+  </p:clrMapOvr>
+  <p:timing>
+    <p:tnLst>
+      <p:par>
+        <p:cTn id="1" dur="indefinite" restart="never" nodeType="tmRoot"/>
+      </p:par>
+    </p:tnLst>
+  </p:timing>
+</p:sld>
+</file>
+
+<file path=ppt/slides/slide5.xml><?xml version="1.0" encoding="utf-8"?>
+<p:sld xmlns:a="http://schemas.openxmlformats.org/drawingml/2006/main" xmlns:r="http://schemas.openxmlformats.org/officeDocument/2006/relationships" xmlns:p="http://schemas.openxmlformats.org/presentationml/2006/main">
+  <p:cSld>
+    <p:spTree>
+      <p:nvGrpSpPr>
+        <p:cNvPr id="1" name=""/>
+        <p:cNvGrpSpPr/>
+        <p:nvPr/>
+      </p:nvGrpSpPr>
+      <p:grpSpPr>
+        <a:xfrm>
+          <a:off x="0" y="0"/>
+          <a:ext cx="0" cy="0"/>
+          <a:chOff x="0" y="0"/>
+          <a:chExt cx="0" cy="0"/>
+        </a:xfrm>
+      </p:grpSpPr>
+      <p:sp>
+        <p:nvSpPr>
+          <p:cNvPr id="2" name="Content Placeholder 1"/>
+          <p:cNvSpPr>
+            <a:spLocks noGrp="1"/>
+          </p:cNvSpPr>
+          <p:nvPr>
+            <p:ph idx="1"/>
+          </p:nvPr>
+        </p:nvSpPr>
+        <p:spPr>
+          <a:xfrm>
+            <a:off x="436563" y="1139825"/>
+            <a:ext cx="8270875" cy="4922838"/>
+          </a:xfrm>
+        </p:spPr>
+        <p:txBody>
+          <a:bodyPr>
+            <a:normAutofit/>
+          </a:bodyPr>
+          <a:lstStyle/>
+          <a:p>
+            <a:pPr eaLnBrk="1" hangingPunct="1">
+              <a:lnSpc>
+                <a:spcPct val="100000"/>
+              </a:lnSpc>
+              <a:defRPr/>
+            </a:pPr>
+            <a:r>
+              <a:rPr kumimoji="0" lang="en-US" altLang="zh-CN" dirty="0">
+                <a:solidFill>
+                  <a:schemeClr val="bg1">
+                    <a:lumMod val="75000"/>
+                  </a:schemeClr>
+                </a:solidFill>
+                <a:cs typeface="+mn-cs"/>
+              </a:rPr>
+              <a:t>Conclude what we learned</a:t>
+            </a:r>
+          </a:p>
+          <a:p>
+            <a:pPr eaLnBrk="1" hangingPunct="1">
+              <a:lnSpc>
+                <a:spcPct val="100000"/>
+              </a:lnSpc>
+              <a:defRPr/>
+            </a:pPr>
+            <a:r>
+              <a:rPr kumimoji="0" lang="en-US" altLang="zh-CN" dirty="0">
+                <a:cs typeface="+mn-cs"/>
+              </a:rPr>
+              <a:t>Focus on social media (e.g. twitter)</a:t>
+            </a:r>
+          </a:p>
+          <a:p>
+            <a:pPr lvl="1" eaLnBrk="1" hangingPunct="1">
+              <a:lnSpc>
+                <a:spcPct val="100000"/>
+              </a:lnSpc>
+              <a:defRPr/>
+            </a:pPr>
+            <a:r>
+              <a:rPr kumimoji="0" lang="en-US" altLang="zh-CN" dirty="0">
+                <a:solidFill>
+                  <a:schemeClr val="bg1">
+                    <a:lumMod val="75000"/>
+                  </a:schemeClr>
+                </a:solidFill>
+                <a:cs typeface="+mn-cs"/>
+              </a:rPr>
+              <a:t>Temporal Distribution</a:t>
+            </a:r>
+          </a:p>
+          <a:p>
+            <a:pPr lvl="1" eaLnBrk="1" hangingPunct="1">
+              <a:lnSpc>
+                <a:spcPct val="100000"/>
+              </a:lnSpc>
+              <a:defRPr/>
+            </a:pPr>
+            <a:r>
+              <a:rPr kumimoji="0" lang="en-US" altLang="zh-CN" dirty="0">
+                <a:cs typeface="+mn-cs"/>
+              </a:rPr>
+              <a:t>Spatial Distribution</a:t>
+            </a:r>
+          </a:p>
+          <a:p>
+            <a:pPr lvl="1" eaLnBrk="1" hangingPunct="1">
+              <a:lnSpc>
+                <a:spcPct val="100000"/>
+              </a:lnSpc>
+              <a:defRPr/>
+            </a:pPr>
+            <a:r>
+              <a:rPr kumimoji="0" lang="en-US" altLang="zh-CN" dirty="0">
+                <a:solidFill>
+                  <a:schemeClr val="bg1">
+                    <a:lumMod val="75000"/>
+                  </a:schemeClr>
+                </a:solidFill>
+                <a:cs typeface="+mn-cs"/>
+              </a:rPr>
+              <a:t>Sentiment Distribution</a:t>
+            </a:r>
+          </a:p>
+          <a:p>
+            <a:pPr lvl="1" eaLnBrk="1" hangingPunct="1">
+              <a:lnSpc>
+                <a:spcPct val="100000"/>
+              </a:lnSpc>
+              <a:defRPr/>
+            </a:pPr>
+            <a:r>
+              <a:rPr kumimoji="0" lang="en-US" altLang="zh-CN" dirty="0">
+                <a:solidFill>
+                  <a:schemeClr val="bg1">
+                    <a:lumMod val="75000"/>
+                  </a:schemeClr>
+                </a:solidFill>
+                <a:cs typeface="+mn-cs"/>
+              </a:rPr>
+              <a:t>Hot-spot </a:t>
+            </a:r>
+            <a:r>
+              <a:rPr kumimoji="0" lang="en-US" altLang="zh-CN" dirty="0" smtClean="0">
+                <a:solidFill>
+                  <a:schemeClr val="bg1">
+                    <a:lumMod val="75000"/>
+                  </a:schemeClr>
+                </a:solidFill>
+                <a:cs typeface="+mn-cs"/>
+              </a:rPr>
+              <a:t>Issues</a:t>
+            </a:r>
+            <a:endParaRPr kumimoji="0" lang="en-US" altLang="zh-CN" dirty="0">
+              <a:solidFill>
+                <a:schemeClr val="bg1">
+                  <a:lumMod val="75000"/>
+                </a:schemeClr>
+              </a:solidFill>
+              <a:cs typeface="+mn-cs"/>
+            </a:endParaRPr>
+          </a:p>
+          <a:p>
+            <a:pPr lvl="1" eaLnBrk="1" hangingPunct="1">
+              <a:lnSpc>
+                <a:spcPct val="100000"/>
+              </a:lnSpc>
+              <a:defRPr/>
+            </a:pPr>
+            <a:r>
+              <a:rPr kumimoji="0" lang="en-US" altLang="zh-CN" dirty="0">
+                <a:solidFill>
+                  <a:schemeClr val="bg1">
+                    <a:lumMod val="75000"/>
+                  </a:schemeClr>
+                </a:solidFill>
+                <a:cs typeface="+mn-cs"/>
+              </a:rPr>
+              <a:t>Key Users</a:t>
+            </a:r>
+          </a:p>
+          <a:p>
+            <a:pPr eaLnBrk="1" hangingPunct="1">
+              <a:lnSpc>
+                <a:spcPct val="100000"/>
+              </a:lnSpc>
+              <a:defRPr/>
+            </a:pPr>
+            <a:r>
+              <a:rPr kumimoji="0" lang="en-US" altLang="zh-CN" dirty="0" smtClean="0">
+                <a:solidFill>
+                  <a:schemeClr val="bg1">
+                    <a:lumMod val="75000"/>
+                  </a:schemeClr>
+                </a:solidFill>
+                <a:cs typeface="+mn-cs"/>
+              </a:rPr>
+              <a:t>Extensibility</a:t>
+            </a:r>
+          </a:p>
+          <a:p>
+            <a:pPr lvl="1" eaLnBrk="1" hangingPunct="1">
+              <a:lnSpc>
+                <a:spcPct val="100000"/>
+              </a:lnSpc>
+              <a:defRPr/>
+            </a:pPr>
+            <a:r>
+              <a:rPr kumimoji="0" lang="en-US" altLang="zh-CN" dirty="0" smtClean="0">
+                <a:solidFill>
+                  <a:schemeClr val="bg1">
+                    <a:lumMod val="75000"/>
+                  </a:schemeClr>
+                </a:solidFill>
+              </a:rPr>
+              <a:t>Dataset</a:t>
+            </a:r>
+          </a:p>
+          <a:p>
+            <a:pPr lvl="1" eaLnBrk="1" hangingPunct="1">
+              <a:lnSpc>
+                <a:spcPct val="100000"/>
+              </a:lnSpc>
+              <a:defRPr/>
+            </a:pPr>
+            <a:r>
+              <a:rPr kumimoji="0" lang="en-US" altLang="zh-CN" dirty="0" smtClean="0">
+                <a:solidFill>
+                  <a:schemeClr val="bg1">
+                    <a:lumMod val="75000"/>
+                  </a:schemeClr>
+                </a:solidFill>
+                <a:cs typeface="+mn-cs"/>
+              </a:rPr>
+              <a:t>Algorithm</a:t>
+            </a:r>
+            <a:endParaRPr kumimoji="0" lang="en-US" altLang="zh-CN" dirty="0">
+              <a:solidFill>
+                <a:schemeClr val="bg1">
+                  <a:lumMod val="75000"/>
+                </a:schemeClr>
+              </a:solidFill>
+              <a:cs typeface="+mn-cs"/>
+            </a:endParaRPr>
+          </a:p>
+        </p:txBody>
+      </p:sp>
+      <p:sp>
+        <p:nvSpPr>
+          <p:cNvPr id="7170" name="Title 2"/>
+          <p:cNvSpPr>
+            <a:spLocks noGrp="1"/>
+          </p:cNvSpPr>
+          <p:nvPr>
+            <p:ph type="title"/>
+          </p:nvPr>
+        </p:nvSpPr>
+        <p:spPr>
+          <a:xfrm>
+            <a:off x="266700" y="0"/>
+            <a:ext cx="8877300" cy="801688"/>
+          </a:xfrm>
+        </p:spPr>
+        <p:txBody>
+          <a:bodyPr/>
+          <a:lstStyle/>
+          <a:p>
+            <a:pPr eaLnBrk="1" hangingPunct="1"/>
+            <a:r>
+              <a:rPr kumimoji="0" lang="en-US" altLang="zh-CN" dirty="0">
+                <a:ea typeface="宋体" charset="-122"/>
+              </a:rPr>
+              <a:t>Motivation</a:t>
+            </a:r>
+          </a:p>
+        </p:txBody>
+      </p:sp>
+      <p:sp>
+        <p:nvSpPr>
+          <p:cNvPr id="7171" name="Slide Number Placeholder 3"/>
+          <p:cNvSpPr>
+            <a:spLocks noGrp="1"/>
+          </p:cNvSpPr>
+          <p:nvPr>
+            <p:ph type="sldNum" sz="quarter" idx="10"/>
+          </p:nvPr>
+        </p:nvSpPr>
+        <p:spPr bwMode="auto">
+          <a:noFill/>
+          <a:extLst>
+            <a:ext uri="{909E8E84-426E-40DD-AFC4-6F175D3DCCD1}">
+              <a14:hiddenFill xmlns:a14="http://schemas.microsoft.com/office/drawing/2010/main">
+                <a:solidFill>
+                  <a:srgbClr val="FFFFFF"/>
+                </a:solidFill>
+              </a14:hiddenFill>
+            </a:ext>
+            <a:ext uri="{91240B29-F687-4F45-9708-019B960494DF}">
+              <a14:hiddenLine xmlns:a14="http://schemas.microsoft.com/office/drawing/2010/main" w="9525">
+                <a:solidFill>
+                  <a:srgbClr val="000000"/>
+                </a:solidFill>
+                <a:miter lim="800000"/>
+                <a:headEnd/>
+                <a:tailEnd/>
+              </a14:hiddenLine>
+            </a:ext>
+          </a:extLst>
+        </p:spPr>
+        <p:txBody>
+          <a:bodyPr/>
+          <a:lstStyle>
+            <a:lvl1pPr>
+              <a:lnSpc>
+                <a:spcPct val="90000"/>
+              </a:lnSpc>
+              <a:spcBef>
+                <a:spcPts val="1000"/>
+              </a:spcBef>
+              <a:buFont typeface="Arial" charset="0"/>
+              <a:buChar char="•"/>
+              <a:defRPr kumimoji="1" sz="2800">
+                <a:solidFill>
+                  <a:schemeClr val="tx1"/>
+                </a:solidFill>
+                <a:latin typeface="Calibri" charset="0"/>
+                <a:ea typeface="宋体" charset="-122"/>
+              </a:defRPr>
+            </a:lvl1pPr>
+            <a:lvl2pPr marL="742950" indent="-285750">
+              <a:lnSpc>
+                <a:spcPct val="90000"/>
+              </a:lnSpc>
+              <a:spcBef>
+                <a:spcPts val="500"/>
+              </a:spcBef>
+              <a:buFont typeface="Arial" charset="0"/>
+              <a:buChar char="•"/>
+              <a:defRPr kumimoji="1" sz="2400">
+                <a:solidFill>
+                  <a:schemeClr val="tx1"/>
+                </a:solidFill>
+                <a:latin typeface="Calibri" charset="0"/>
+                <a:ea typeface="宋体" charset="-122"/>
+              </a:defRPr>
+            </a:lvl2pPr>
+            <a:lvl3pPr marL="1143000" indent="-228600">
+              <a:lnSpc>
+                <a:spcPct val="90000"/>
+              </a:lnSpc>
+              <a:spcBef>
+                <a:spcPts val="500"/>
+              </a:spcBef>
+              <a:buFont typeface="Arial" charset="0"/>
+              <a:buChar char="•"/>
+              <a:defRPr kumimoji="1" sz="2000">
+                <a:solidFill>
+                  <a:schemeClr val="tx1"/>
+                </a:solidFill>
+                <a:latin typeface="Calibri" charset="0"/>
+                <a:ea typeface="宋体" charset="-122"/>
+              </a:defRPr>
+            </a:lvl3pPr>
+            <a:lvl4pPr marL="1600200" indent="-228600">
+              <a:lnSpc>
+                <a:spcPct val="90000"/>
+              </a:lnSpc>
+              <a:spcBef>
+                <a:spcPts val="500"/>
+              </a:spcBef>
+              <a:buFont typeface="Arial" charset="0"/>
+              <a:buChar char="•"/>
+              <a:defRPr kumimoji="1">
+                <a:solidFill>
+                  <a:schemeClr val="tx1"/>
+                </a:solidFill>
+                <a:latin typeface="Calibri" charset="0"/>
+                <a:ea typeface="宋体" charset="-122"/>
+              </a:defRPr>
+            </a:lvl4pPr>
+            <a:lvl5pPr marL="2057400" indent="-228600">
+              <a:lnSpc>
+                <a:spcPct val="90000"/>
+              </a:lnSpc>
+              <a:spcBef>
+                <a:spcPts val="500"/>
+              </a:spcBef>
+              <a:buFont typeface="Arial" charset="0"/>
+              <a:buChar char="•"/>
+              <a:defRPr kumimoji="1">
+                <a:solidFill>
+                  <a:schemeClr val="tx1"/>
+                </a:solidFill>
+                <a:latin typeface="Calibri" charset="0"/>
+                <a:ea typeface="宋体" charset="-122"/>
+              </a:defRPr>
+            </a:lvl5pPr>
+            <a:lvl6pPr marL="2514600" indent="-228600" eaLnBrk="0" fontAlgn="base" hangingPunct="0">
+              <a:lnSpc>
+                <a:spcPct val="90000"/>
+              </a:lnSpc>
+              <a:spcBef>
+                <a:spcPts val="500"/>
+              </a:spcBef>
+              <a:spcAft>
+                <a:spcPct val="0"/>
+              </a:spcAft>
+              <a:buFont typeface="Arial" charset="0"/>
+              <a:buChar char="•"/>
+              <a:defRPr kumimoji="1">
+                <a:solidFill>
+                  <a:schemeClr val="tx1"/>
+                </a:solidFill>
+                <a:latin typeface="Calibri" charset="0"/>
+                <a:ea typeface="宋体" charset="-122"/>
+              </a:defRPr>
+            </a:lvl6pPr>
+            <a:lvl7pPr marL="2971800" indent="-228600" eaLnBrk="0" fontAlgn="base" hangingPunct="0">
+              <a:lnSpc>
+                <a:spcPct val="90000"/>
+              </a:lnSpc>
+              <a:spcBef>
+                <a:spcPts val="500"/>
+              </a:spcBef>
+              <a:spcAft>
+                <a:spcPct val="0"/>
+              </a:spcAft>
+              <a:buFont typeface="Arial" charset="0"/>
+              <a:buChar char="•"/>
+              <a:defRPr kumimoji="1">
+                <a:solidFill>
+                  <a:schemeClr val="tx1"/>
+                </a:solidFill>
+                <a:latin typeface="Calibri" charset="0"/>
+                <a:ea typeface="宋体" charset="-122"/>
+              </a:defRPr>
+            </a:lvl7pPr>
+            <a:lvl8pPr marL="3429000" indent="-228600" eaLnBrk="0" fontAlgn="base" hangingPunct="0">
+              <a:lnSpc>
+                <a:spcPct val="90000"/>
+              </a:lnSpc>
+              <a:spcBef>
+                <a:spcPts val="500"/>
+              </a:spcBef>
+              <a:spcAft>
+                <a:spcPct val="0"/>
+              </a:spcAft>
+              <a:buFont typeface="Arial" charset="0"/>
+              <a:buChar char="•"/>
+              <a:defRPr kumimoji="1">
+                <a:solidFill>
+                  <a:schemeClr val="tx1"/>
+                </a:solidFill>
+                <a:latin typeface="Calibri" charset="0"/>
+                <a:ea typeface="宋体" charset="-122"/>
+              </a:defRPr>
+            </a:lvl8pPr>
+            <a:lvl9pPr marL="3886200" indent="-228600" eaLnBrk="0" fontAlgn="base" hangingPunct="0">
+              <a:lnSpc>
+                <a:spcPct val="90000"/>
+              </a:lnSpc>
+              <a:spcBef>
+                <a:spcPts val="500"/>
+              </a:spcBef>
+              <a:spcAft>
+                <a:spcPct val="0"/>
+              </a:spcAft>
+              <a:buFont typeface="Arial" charset="0"/>
+              <a:buChar char="•"/>
+              <a:defRPr kumimoji="1">
+                <a:solidFill>
+                  <a:schemeClr val="tx1"/>
+                </a:solidFill>
+                <a:latin typeface="Calibri" charset="0"/>
+                <a:ea typeface="宋体" charset="-122"/>
+              </a:defRPr>
+            </a:lvl9pPr>
+          </a:lstStyle>
+          <a:p>
+            <a:pPr>
+              <a:lnSpc>
+                <a:spcPct val="100000"/>
+              </a:lnSpc>
+              <a:spcBef>
+                <a:spcPct val="0"/>
+              </a:spcBef>
+              <a:buFontTx/>
+              <a:buNone/>
+            </a:pPr>
+            <a:fld id="{CEDE4B18-F821-0C42-B7D1-F81BF867505E}" type="slidenum">
+              <a:rPr kumimoji="0" lang="en-US" altLang="zh-CN" sz="1400">
+                <a:solidFill>
+                  <a:srgbClr val="898989"/>
+                </a:solidFill>
+                <a:latin typeface="Arial" charset="0"/>
+              </a:rPr>
+              <a:pPr>
+                <a:lnSpc>
+                  <a:spcPct val="100000"/>
+                </a:lnSpc>
+                <a:spcBef>
+                  <a:spcPct val="0"/>
+                </a:spcBef>
+                <a:buFontTx/>
+                <a:buNone/>
+              </a:pPr>
+              <a:t>4</a:t>
+            </a:fld>
+            <a:endParaRPr kumimoji="0" lang="en-US" altLang="zh-CN" sz="1400">
+              <a:solidFill>
+                <a:srgbClr val="898989"/>
+              </a:solidFill>
+              <a:latin typeface="Arial" charset="0"/>
+            </a:endParaRPr>
+          </a:p>
+        </p:txBody>
+      </p:sp>
+      <p:pic>
+        <p:nvPicPr>
+          <p:cNvPr id="3074" name="Picture 2" descr="https://lh4.googleusercontent.com/_nPHs-3FJsw93whFxeRIdvb9MZtI8h0IgLIlgVDKSfkZXTZ5pmGYOccIsb4eSf0-GOsiWyr33x4wmxIdvdtJc2hlYxHnwZhs__3W8BCQK-uU0WFVI51CYka__NRlJorkJPnGp84Y"/>
+          <p:cNvPicPr>
+            <a:picLocks noChangeAspect="1" noChangeArrowheads="1"/>
+          </p:cNvPicPr>
+          <p:nvPr/>
+        </p:nvPicPr>
+        <p:blipFill>
+          <a:blip r:embed="rId2">
+            <a:extLst>
+              <a:ext uri="{28A0092B-C50C-407E-A947-70E740481C1C}">
+                <a14:useLocalDpi xmlns:a14="http://schemas.microsoft.com/office/drawing/2010/main" val="0"/>
+              </a:ext>
+            </a:extLst>
+          </a:blip>
+          <a:srcRect/>
+          <a:stretch>
+            <a:fillRect/>
+          </a:stretch>
+        </p:blipFill>
+        <p:spPr bwMode="auto">
+          <a:xfrm>
+            <a:off x="4227227" y="3084300"/>
+            <a:ext cx="4311653" cy="2643159"/>
+          </a:xfrm>
+          <a:prstGeom prst="rect">
+            <a:avLst/>
+          </a:prstGeom>
+          <a:noFill/>
+          <a:extLst>
+            <a:ext uri="{909E8E84-426E-40DD-AFC4-6F175D3DCCD1}">
+              <a14:hiddenFill xmlns:a14="http://schemas.microsoft.com/office/drawing/2010/main">
+                <a:solidFill>
+                  <a:srgbClr val="FFFFFF"/>
+                </a:solidFill>
+              </a14:hiddenFill>
+            </a:ext>
+          </a:extLst>
+        </p:spPr>
+      </p:pic>
+    </p:spTree>
+    <p:extLst>
+      <p:ext uri="{BB962C8B-B14F-4D97-AF65-F5344CB8AC3E}">
+        <p14:creationId xmlns:p14="http://schemas.microsoft.com/office/powerpoint/2010/main" val="544097602"/>
+      </p:ext>
+    </p:extLst>
+  </p:cSld>
+  <p:clrMapOvr>
+    <a:masterClrMapping/>
+  </p:clrMapOvr>
+  <p:timing>
+    <p:tnLst>
+      <p:par>
+        <p:cTn id="1" dur="indefinite" restart="never" nodeType="tmRoot"/>
+      </p:par>
+    </p:tnLst>
+  </p:timing>
+</p:sld>
+</file>
+
+<file path=ppt/slides/slide6.xml><?xml version="1.0" encoding="utf-8"?>
+<p:sld xmlns:a="http://schemas.openxmlformats.org/drawingml/2006/main" xmlns:r="http://schemas.openxmlformats.org/officeDocument/2006/relationships" xmlns:p="http://schemas.openxmlformats.org/presentationml/2006/main">
+  <p:cSld>
+    <p:spTree>
+      <p:nvGrpSpPr>
+        <p:cNvPr id="1" name=""/>
+        <p:cNvGrpSpPr/>
+        <p:nvPr/>
+      </p:nvGrpSpPr>
+      <p:grpSpPr>
+        <a:xfrm>
+          <a:off x="0" y="0"/>
+          <a:ext cx="0" cy="0"/>
+          <a:chOff x="0" y="0"/>
+          <a:chExt cx="0" cy="0"/>
+        </a:xfrm>
+      </p:grpSpPr>
+      <p:pic>
+        <p:nvPicPr>
+          <p:cNvPr id="1026" name="Picture 2" descr="https://lh3.googleusercontent.com/aywDJVI6LcHeyk5LE73OZy361Te7hMfgxVlXgDCmuzSlKX_SSAF1g-JN97lZY7rh9SofPio_idtvHsuGfq17ZUpwC1mx0BhW_CQdGc6_uM0ZKimiu7Rru5qr14se3-pfhXsifZja"/>
+          <p:cNvPicPr>
+            <a:picLocks noChangeAspect="1" noChangeArrowheads="1"/>
+          </p:cNvPicPr>
+          <p:nvPr/>
+        </p:nvPicPr>
+        <p:blipFill>
+          <a:blip r:embed="rId2">
+            <a:extLst>
+              <a:ext uri="{28A0092B-C50C-407E-A947-70E740481C1C}">
+                <a14:useLocalDpi xmlns:a14="http://schemas.microsoft.com/office/drawing/2010/main" val="0"/>
+              </a:ext>
+            </a:extLst>
+          </a:blip>
+          <a:srcRect/>
+          <a:stretch>
+            <a:fillRect/>
+          </a:stretch>
+        </p:blipFill>
+        <p:spPr bwMode="auto">
+          <a:xfrm>
+            <a:off x="4227227" y="3114225"/>
+            <a:ext cx="4294955" cy="2583313"/>
+          </a:xfrm>
+          <a:prstGeom prst="rect">
+            <a:avLst/>
+          </a:prstGeom>
+          <a:noFill/>
+          <a:extLst>
+            <a:ext uri="{909E8E84-426E-40DD-AFC4-6F175D3DCCD1}">
+              <a14:hiddenFill xmlns:a14="http://schemas.microsoft.com/office/drawing/2010/main">
+                <a:solidFill>
+                  <a:srgbClr val="FFFFFF"/>
+                </a:solidFill>
+              </a14:hiddenFill>
+            </a:ext>
+          </a:extLst>
+        </p:spPr>
+      </p:pic>
+      <p:sp>
+        <p:nvSpPr>
+          <p:cNvPr id="2" name="Content Placeholder 1"/>
+          <p:cNvSpPr>
+            <a:spLocks noGrp="1"/>
+          </p:cNvSpPr>
+          <p:nvPr>
+            <p:ph idx="1"/>
+          </p:nvPr>
+        </p:nvSpPr>
+        <p:spPr>
+          <a:xfrm>
+            <a:off x="436563" y="1139825"/>
+            <a:ext cx="8270875" cy="4922838"/>
+          </a:xfrm>
+        </p:spPr>
+        <p:txBody>
+          <a:bodyPr>
+            <a:normAutofit/>
+          </a:bodyPr>
+          <a:lstStyle/>
+          <a:p>
+            <a:pPr eaLnBrk="1" hangingPunct="1">
+              <a:lnSpc>
+                <a:spcPct val="100000"/>
+              </a:lnSpc>
+              <a:defRPr/>
+            </a:pPr>
+            <a:r>
+              <a:rPr kumimoji="0" lang="en-US" altLang="zh-CN" dirty="0">
+                <a:solidFill>
+                  <a:schemeClr val="bg1">
+                    <a:lumMod val="75000"/>
+                  </a:schemeClr>
+                </a:solidFill>
+                <a:cs typeface="+mn-cs"/>
+              </a:rPr>
+              <a:t>Conclude what we learned</a:t>
+            </a:r>
+          </a:p>
+          <a:p>
+            <a:pPr eaLnBrk="1" hangingPunct="1">
+              <a:lnSpc>
+                <a:spcPct val="100000"/>
+              </a:lnSpc>
+              <a:defRPr/>
+            </a:pPr>
+            <a:r>
+              <a:rPr kumimoji="0" lang="en-US" altLang="zh-CN" dirty="0">
+                <a:cs typeface="+mn-cs"/>
+              </a:rPr>
+              <a:t>Focus on social media (e.g. twitter)</a:t>
+            </a:r>
+          </a:p>
+          <a:p>
+            <a:pPr lvl="1" eaLnBrk="1" hangingPunct="1">
+              <a:lnSpc>
+                <a:spcPct val="100000"/>
+              </a:lnSpc>
+              <a:defRPr/>
+            </a:pPr>
+            <a:r>
+              <a:rPr kumimoji="0" lang="en-US" altLang="zh-CN" dirty="0">
+                <a:solidFill>
+                  <a:schemeClr val="bg1">
+                    <a:lumMod val="75000"/>
+                  </a:schemeClr>
+                </a:solidFill>
+                <a:cs typeface="+mn-cs"/>
+              </a:rPr>
+              <a:t>Temporal Distribution</a:t>
+            </a:r>
+          </a:p>
+          <a:p>
+            <a:pPr lvl="1" eaLnBrk="1" hangingPunct="1">
+              <a:lnSpc>
+                <a:spcPct val="100000"/>
+              </a:lnSpc>
+              <a:defRPr/>
+            </a:pPr>
+            <a:r>
+              <a:rPr kumimoji="0" lang="en-US" altLang="zh-CN" dirty="0">
+                <a:solidFill>
+                  <a:schemeClr val="bg1">
+                    <a:lumMod val="75000"/>
+                  </a:schemeClr>
+                </a:solidFill>
+                <a:cs typeface="+mn-cs"/>
+              </a:rPr>
+              <a:t>Spatial Distribution</a:t>
+            </a:r>
+          </a:p>
+          <a:p>
+            <a:pPr lvl="1" eaLnBrk="1" hangingPunct="1">
+              <a:lnSpc>
+                <a:spcPct val="100000"/>
+              </a:lnSpc>
+              <a:defRPr/>
+            </a:pPr>
+            <a:r>
+              <a:rPr kumimoji="0" lang="en-US" altLang="zh-CN" dirty="0">
+                <a:cs typeface="+mn-cs"/>
+              </a:rPr>
+              <a:t>Sentiment Distribution</a:t>
+            </a:r>
+          </a:p>
+          <a:p>
+            <a:pPr lvl="1" eaLnBrk="1" hangingPunct="1">
+              <a:lnSpc>
+                <a:spcPct val="100000"/>
+              </a:lnSpc>
+              <a:defRPr/>
+            </a:pPr>
+            <a:r>
+              <a:rPr kumimoji="0" lang="en-US" altLang="zh-CN" dirty="0">
+                <a:solidFill>
+                  <a:schemeClr val="bg1">
+                    <a:lumMod val="75000"/>
+                  </a:schemeClr>
+                </a:solidFill>
+                <a:cs typeface="+mn-cs"/>
+              </a:rPr>
+              <a:t>Hot-spot </a:t>
+            </a:r>
+            <a:r>
+              <a:rPr kumimoji="0" lang="en-US" altLang="zh-CN" dirty="0" smtClean="0">
+                <a:solidFill>
+                  <a:schemeClr val="bg1">
+                    <a:lumMod val="75000"/>
+                  </a:schemeClr>
+                </a:solidFill>
+                <a:cs typeface="+mn-cs"/>
+              </a:rPr>
+              <a:t>Issues</a:t>
+            </a:r>
+            <a:endParaRPr kumimoji="0" lang="en-US" altLang="zh-CN" dirty="0">
+              <a:solidFill>
+                <a:schemeClr val="bg1">
+                  <a:lumMod val="75000"/>
+                </a:schemeClr>
+              </a:solidFill>
+              <a:cs typeface="+mn-cs"/>
+            </a:endParaRPr>
+          </a:p>
+          <a:p>
+            <a:pPr lvl="1" eaLnBrk="1" hangingPunct="1">
+              <a:lnSpc>
+                <a:spcPct val="100000"/>
+              </a:lnSpc>
+              <a:defRPr/>
+            </a:pPr>
+            <a:r>
+              <a:rPr kumimoji="0" lang="en-US" altLang="zh-CN" dirty="0">
+                <a:solidFill>
+                  <a:schemeClr val="bg1">
+                    <a:lumMod val="75000"/>
+                  </a:schemeClr>
+                </a:solidFill>
+                <a:cs typeface="+mn-cs"/>
+              </a:rPr>
+              <a:t>Key Users</a:t>
+            </a:r>
+          </a:p>
+          <a:p>
+            <a:pPr eaLnBrk="1" hangingPunct="1">
+              <a:lnSpc>
+                <a:spcPct val="100000"/>
+              </a:lnSpc>
+              <a:defRPr/>
+            </a:pPr>
+            <a:r>
+              <a:rPr kumimoji="0" lang="en-US" altLang="zh-CN" dirty="0" smtClean="0">
+                <a:solidFill>
+                  <a:schemeClr val="bg1">
+                    <a:lumMod val="75000"/>
+                  </a:schemeClr>
+                </a:solidFill>
+                <a:cs typeface="+mn-cs"/>
+              </a:rPr>
+              <a:t>Extensibility</a:t>
+            </a:r>
+          </a:p>
+          <a:p>
+            <a:pPr lvl="1" eaLnBrk="1" hangingPunct="1">
+              <a:lnSpc>
+                <a:spcPct val="100000"/>
+              </a:lnSpc>
+              <a:defRPr/>
+            </a:pPr>
+            <a:r>
+              <a:rPr kumimoji="0" lang="en-US" altLang="zh-CN" dirty="0" smtClean="0">
+                <a:solidFill>
+                  <a:schemeClr val="bg1">
+                    <a:lumMod val="75000"/>
+                  </a:schemeClr>
+                </a:solidFill>
+              </a:rPr>
+              <a:t>Dataset</a:t>
+            </a:r>
+          </a:p>
+          <a:p>
+            <a:pPr lvl="1" eaLnBrk="1" hangingPunct="1">
+              <a:lnSpc>
+                <a:spcPct val="100000"/>
+              </a:lnSpc>
+              <a:defRPr/>
+            </a:pPr>
+            <a:r>
+              <a:rPr kumimoji="0" lang="en-US" altLang="zh-CN" dirty="0" smtClean="0">
+                <a:solidFill>
+                  <a:schemeClr val="bg1">
+                    <a:lumMod val="75000"/>
+                  </a:schemeClr>
+                </a:solidFill>
+                <a:cs typeface="+mn-cs"/>
+              </a:rPr>
+              <a:t>Algorithm</a:t>
+            </a:r>
+            <a:endParaRPr kumimoji="0" lang="en-US" altLang="zh-CN" dirty="0">
+              <a:solidFill>
+                <a:schemeClr val="bg1">
+                  <a:lumMod val="75000"/>
+                </a:schemeClr>
+              </a:solidFill>
+              <a:cs typeface="+mn-cs"/>
+            </a:endParaRPr>
+          </a:p>
+        </p:txBody>
+      </p:sp>
+      <p:sp>
+        <p:nvSpPr>
+          <p:cNvPr id="7170" name="Title 2"/>
+          <p:cNvSpPr>
+            <a:spLocks noGrp="1"/>
+          </p:cNvSpPr>
+          <p:nvPr>
+            <p:ph type="title"/>
+          </p:nvPr>
+        </p:nvSpPr>
+        <p:spPr>
+          <a:xfrm>
+            <a:off x="266700" y="0"/>
+            <a:ext cx="8877300" cy="801688"/>
+          </a:xfrm>
+        </p:spPr>
+        <p:txBody>
+          <a:bodyPr/>
+          <a:lstStyle/>
+          <a:p>
+            <a:pPr eaLnBrk="1" hangingPunct="1"/>
+            <a:r>
+              <a:rPr kumimoji="0" lang="en-US" altLang="zh-CN" dirty="0">
+                <a:ea typeface="宋体" charset="-122"/>
+              </a:rPr>
+              <a:t>Motivation</a:t>
+            </a:r>
+          </a:p>
+        </p:txBody>
+      </p:sp>
+      <p:sp>
+        <p:nvSpPr>
+          <p:cNvPr id="7171" name="Slide Number Placeholder 3"/>
+          <p:cNvSpPr>
+            <a:spLocks noGrp="1"/>
+          </p:cNvSpPr>
+          <p:nvPr>
+            <p:ph type="sldNum" sz="quarter" idx="10"/>
+          </p:nvPr>
+        </p:nvSpPr>
+        <p:spPr bwMode="auto">
+          <a:noFill/>
+          <a:extLst>
+            <a:ext uri="{909E8E84-426E-40DD-AFC4-6F175D3DCCD1}">
+              <a14:hiddenFill xmlns:a14="http://schemas.microsoft.com/office/drawing/2010/main">
+                <a:solidFill>
+                  <a:srgbClr val="FFFFFF"/>
+                </a:solidFill>
+              </a14:hiddenFill>
+            </a:ext>
+            <a:ext uri="{91240B29-F687-4F45-9708-019B960494DF}">
+              <a14:hiddenLine xmlns:a14="http://schemas.microsoft.com/office/drawing/2010/main" w="9525">
+                <a:solidFill>
+                  <a:srgbClr val="000000"/>
+                </a:solidFill>
+                <a:miter lim="800000"/>
+                <a:headEnd/>
+                <a:tailEnd/>
+              </a14:hiddenLine>
+            </a:ext>
+          </a:extLst>
+        </p:spPr>
+        <p:txBody>
+          <a:bodyPr/>
+          <a:lstStyle>
+            <a:lvl1pPr>
+              <a:lnSpc>
+                <a:spcPct val="90000"/>
+              </a:lnSpc>
+              <a:spcBef>
+                <a:spcPts val="1000"/>
+              </a:spcBef>
+              <a:buFont typeface="Arial" charset="0"/>
+              <a:buChar char="•"/>
+              <a:defRPr kumimoji="1" sz="2800">
+                <a:solidFill>
+                  <a:schemeClr val="tx1"/>
+                </a:solidFill>
+                <a:latin typeface="Calibri" charset="0"/>
+                <a:ea typeface="宋体" charset="-122"/>
+              </a:defRPr>
+            </a:lvl1pPr>
+            <a:lvl2pPr marL="742950" indent="-285750">
+              <a:lnSpc>
+                <a:spcPct val="90000"/>
+              </a:lnSpc>
+              <a:spcBef>
+                <a:spcPts val="500"/>
+              </a:spcBef>
+              <a:buFont typeface="Arial" charset="0"/>
+              <a:buChar char="•"/>
+              <a:defRPr kumimoji="1" sz="2400">
+                <a:solidFill>
+                  <a:schemeClr val="tx1"/>
+                </a:solidFill>
+                <a:latin typeface="Calibri" charset="0"/>
+                <a:ea typeface="宋体" charset="-122"/>
+              </a:defRPr>
+            </a:lvl2pPr>
+            <a:lvl3pPr marL="1143000" indent="-228600">
+              <a:lnSpc>
+                <a:spcPct val="90000"/>
+              </a:lnSpc>
+              <a:spcBef>
+                <a:spcPts val="500"/>
+              </a:spcBef>
+              <a:buFont typeface="Arial" charset="0"/>
+              <a:buChar char="•"/>
+              <a:defRPr kumimoji="1" sz="2000">
+                <a:solidFill>
+                  <a:schemeClr val="tx1"/>
+                </a:solidFill>
+                <a:latin typeface="Calibri" charset="0"/>
+                <a:ea typeface="宋体" charset="-122"/>
+              </a:defRPr>
+            </a:lvl3pPr>
+            <a:lvl4pPr marL="1600200" indent="-228600">
+              <a:lnSpc>
+                <a:spcPct val="90000"/>
+              </a:lnSpc>
+              <a:spcBef>
+                <a:spcPts val="500"/>
+              </a:spcBef>
+              <a:buFont typeface="Arial" charset="0"/>
+              <a:buChar char="•"/>
+              <a:defRPr kumimoji="1">
+                <a:solidFill>
+                  <a:schemeClr val="tx1"/>
+                </a:solidFill>
+                <a:latin typeface="Calibri" charset="0"/>
+                <a:ea typeface="宋体" charset="-122"/>
+              </a:defRPr>
+            </a:lvl4pPr>
+            <a:lvl5pPr marL="2057400" indent="-228600">
+              <a:lnSpc>
+                <a:spcPct val="90000"/>
+              </a:lnSpc>
+              <a:spcBef>
+                <a:spcPts val="500"/>
+              </a:spcBef>
+              <a:buFont typeface="Arial" charset="0"/>
+              <a:buChar char="•"/>
+              <a:defRPr kumimoji="1">
+                <a:solidFill>
+                  <a:schemeClr val="tx1"/>
+                </a:solidFill>
+                <a:latin typeface="Calibri" charset="0"/>
+                <a:ea typeface="宋体" charset="-122"/>
+              </a:defRPr>
+            </a:lvl5pPr>
+            <a:lvl6pPr marL="2514600" indent="-228600" eaLnBrk="0" fontAlgn="base" hangingPunct="0">
+              <a:lnSpc>
+                <a:spcPct val="90000"/>
+              </a:lnSpc>
+              <a:spcBef>
+                <a:spcPts val="500"/>
+              </a:spcBef>
+              <a:spcAft>
+                <a:spcPct val="0"/>
+              </a:spcAft>
+              <a:buFont typeface="Arial" charset="0"/>
+              <a:buChar char="•"/>
+              <a:defRPr kumimoji="1">
+                <a:solidFill>
+                  <a:schemeClr val="tx1"/>
+                </a:solidFill>
+                <a:latin typeface="Calibri" charset="0"/>
+                <a:ea typeface="宋体" charset="-122"/>
+              </a:defRPr>
+            </a:lvl6pPr>
+            <a:lvl7pPr marL="2971800" indent="-228600" eaLnBrk="0" fontAlgn="base" hangingPunct="0">
+              <a:lnSpc>
+                <a:spcPct val="90000"/>
+              </a:lnSpc>
+              <a:spcBef>
+                <a:spcPts val="500"/>
+              </a:spcBef>
+              <a:spcAft>
+                <a:spcPct val="0"/>
+              </a:spcAft>
+              <a:buFont typeface="Arial" charset="0"/>
+              <a:buChar char="•"/>
+              <a:defRPr kumimoji="1">
+                <a:solidFill>
+                  <a:schemeClr val="tx1"/>
+                </a:solidFill>
+                <a:latin typeface="Calibri" charset="0"/>
+                <a:ea typeface="宋体" charset="-122"/>
+              </a:defRPr>
+            </a:lvl7pPr>
+            <a:lvl8pPr marL="3429000" indent="-228600" eaLnBrk="0" fontAlgn="base" hangingPunct="0">
+              <a:lnSpc>
+                <a:spcPct val="90000"/>
+              </a:lnSpc>
+              <a:spcBef>
+                <a:spcPts val="500"/>
+              </a:spcBef>
+              <a:spcAft>
+                <a:spcPct val="0"/>
+              </a:spcAft>
+              <a:buFont typeface="Arial" charset="0"/>
+              <a:buChar char="•"/>
+              <a:defRPr kumimoji="1">
+                <a:solidFill>
+                  <a:schemeClr val="tx1"/>
+                </a:solidFill>
+                <a:latin typeface="Calibri" charset="0"/>
+                <a:ea typeface="宋体" charset="-122"/>
+              </a:defRPr>
+            </a:lvl8pPr>
+            <a:lvl9pPr marL="3886200" indent="-228600" eaLnBrk="0" fontAlgn="base" hangingPunct="0">
+              <a:lnSpc>
+                <a:spcPct val="90000"/>
+              </a:lnSpc>
+              <a:spcBef>
+                <a:spcPts val="500"/>
+              </a:spcBef>
+              <a:spcAft>
+                <a:spcPct val="0"/>
+              </a:spcAft>
+              <a:buFont typeface="Arial" charset="0"/>
+              <a:buChar char="•"/>
+              <a:defRPr kumimoji="1">
+                <a:solidFill>
+                  <a:schemeClr val="tx1"/>
+                </a:solidFill>
+                <a:latin typeface="Calibri" charset="0"/>
+                <a:ea typeface="宋体" charset="-122"/>
+              </a:defRPr>
+            </a:lvl9pPr>
+          </a:lstStyle>
+          <a:p>
+            <a:pPr>
+              <a:lnSpc>
+                <a:spcPct val="100000"/>
+              </a:lnSpc>
+              <a:spcBef>
+                <a:spcPct val="0"/>
+              </a:spcBef>
+              <a:buFontTx/>
+              <a:buNone/>
+            </a:pPr>
+            <a:fld id="{CEDE4B18-F821-0C42-B7D1-F81BF867505E}" type="slidenum">
+              <a:rPr kumimoji="0" lang="en-US" altLang="zh-CN" sz="1400">
+                <a:solidFill>
+                  <a:srgbClr val="898989"/>
+                </a:solidFill>
+                <a:latin typeface="Arial" charset="0"/>
+              </a:rPr>
+              <a:pPr>
+                <a:lnSpc>
+                  <a:spcPct val="100000"/>
+                </a:lnSpc>
+                <a:spcBef>
+                  <a:spcPct val="0"/>
+                </a:spcBef>
+                <a:buFontTx/>
+                <a:buNone/>
+              </a:pPr>
+              <a:t>5</a:t>
+            </a:fld>
+            <a:endParaRPr kumimoji="0" lang="en-US" altLang="zh-CN" sz="1400">
+              <a:solidFill>
+                <a:srgbClr val="898989"/>
+              </a:solidFill>
+              <a:latin typeface="Arial" charset="0"/>
+            </a:endParaRPr>
+          </a:p>
+        </p:txBody>
+      </p:sp>
+    </p:spTree>
+    <p:extLst>
+      <p:ext uri="{BB962C8B-B14F-4D97-AF65-F5344CB8AC3E}">
+        <p14:creationId xmlns:p14="http://schemas.microsoft.com/office/powerpoint/2010/main" val="1902024680"/>
+      </p:ext>
+    </p:extLst>
+  </p:cSld>
+  <p:clrMapOvr>
+    <a:masterClrMapping/>
+  </p:clrMapOvr>
+  <p:timing>
+    <p:tnLst>
+      <p:par>
+        <p:cTn id="1" dur="indefinite" restart="never" nodeType="tmRoot"/>
+      </p:par>
+    </p:tnLst>
+  </p:timing>
+</p:sld>
+</file>
+
+<file path=ppt/slides/slide7.xml><?xml version="1.0" encoding="utf-8"?>
+<p:sld xmlns:a="http://schemas.openxmlformats.org/drawingml/2006/main" xmlns:r="http://schemas.openxmlformats.org/officeDocument/2006/relationships" xmlns:p="http://schemas.openxmlformats.org/presentationml/2006/main">
+  <p:cSld>
+    <p:spTree>
+      <p:nvGrpSpPr>
+        <p:cNvPr id="1" name=""/>
+        <p:cNvGrpSpPr/>
+        <p:nvPr/>
+      </p:nvGrpSpPr>
+      <p:grpSpPr>
+        <a:xfrm>
+          <a:off x="0" y="0"/>
+          <a:ext cx="0" cy="0"/>
+          <a:chOff x="0" y="0"/>
+          <a:chExt cx="0" cy="0"/>
+        </a:xfrm>
+      </p:grpSpPr>
+      <p:pic>
+        <p:nvPicPr>
+          <p:cNvPr id="4098" name="Picture 2" descr="https://lh4.googleusercontent.com/UZhOz1TAjmy26OoXlCOkrxK8v8CpEXs_p97ZB0Xt-SzlCPsA7-K1FlKmwEQr1lJoTaZIDvq9z0ysiSQ6D5IprN-QsGaUOwp3fenM8W3M6Wk3JKNColFYpnTNbbiWVkEhcvhZ6Xpl"/>
+          <p:cNvPicPr>
+            <a:picLocks noChangeAspect="1" noChangeArrowheads="1"/>
+          </p:cNvPicPr>
+          <p:nvPr/>
+        </p:nvPicPr>
+        <p:blipFill>
+          <a:blip r:embed="rId2">
+            <a:extLst>
+              <a:ext uri="{28A0092B-C50C-407E-A947-70E740481C1C}">
+                <a14:useLocalDpi xmlns:a14="http://schemas.microsoft.com/office/drawing/2010/main" val="0"/>
+              </a:ext>
+            </a:extLst>
+          </a:blip>
+          <a:srcRect/>
+          <a:stretch>
+            <a:fillRect/>
+          </a:stretch>
+        </p:blipFill>
+        <p:spPr bwMode="auto">
+          <a:xfrm>
+            <a:off x="3732551" y="3114225"/>
+            <a:ext cx="5270161" cy="2583313"/>
+          </a:xfrm>
+          <a:prstGeom prst="rect">
+            <a:avLst/>
+          </a:prstGeom>
+          <a:noFill/>
+          <a:extLst>
+            <a:ext uri="{909E8E84-426E-40DD-AFC4-6F175D3DCCD1}">
+              <a14:hiddenFill xmlns:a14="http://schemas.microsoft.com/office/drawing/2010/main">
+                <a:solidFill>
+                  <a:srgbClr val="FFFFFF"/>
+                </a:solidFill>
+              </a14:hiddenFill>
+            </a:ext>
+          </a:extLst>
+        </p:spPr>
+      </p:pic>
+      <p:sp>
+        <p:nvSpPr>
+          <p:cNvPr id="2" name="Content Placeholder 1"/>
+          <p:cNvSpPr>
+            <a:spLocks noGrp="1"/>
+          </p:cNvSpPr>
+          <p:nvPr>
+            <p:ph idx="1"/>
+          </p:nvPr>
+        </p:nvSpPr>
+        <p:spPr>
+          <a:xfrm>
+            <a:off x="436563" y="1139825"/>
+            <a:ext cx="8270875" cy="4922838"/>
+          </a:xfrm>
+        </p:spPr>
+        <p:txBody>
+          <a:bodyPr>
+            <a:normAutofit/>
+          </a:bodyPr>
+          <a:lstStyle/>
+          <a:p>
+            <a:pPr eaLnBrk="1" hangingPunct="1">
+              <a:lnSpc>
+                <a:spcPct val="100000"/>
+              </a:lnSpc>
+              <a:defRPr/>
+            </a:pPr>
+            <a:r>
+              <a:rPr kumimoji="0" lang="en-US" altLang="zh-CN" dirty="0">
+                <a:solidFill>
+                  <a:schemeClr val="bg1">
+                    <a:lumMod val="75000"/>
+                  </a:schemeClr>
+                </a:solidFill>
+                <a:cs typeface="+mn-cs"/>
+              </a:rPr>
+              <a:t>Conclude what we learned</a:t>
+            </a:r>
+          </a:p>
+          <a:p>
+            <a:pPr eaLnBrk="1" hangingPunct="1">
+              <a:lnSpc>
+                <a:spcPct val="100000"/>
+              </a:lnSpc>
+              <a:defRPr/>
+            </a:pPr>
+            <a:r>
+              <a:rPr kumimoji="0" lang="en-US" altLang="zh-CN" dirty="0">
+                <a:cs typeface="+mn-cs"/>
+              </a:rPr>
+              <a:t>Focus on social media (e.g. twitter)</a:t>
+            </a:r>
+          </a:p>
+          <a:p>
+            <a:pPr lvl="1" eaLnBrk="1" hangingPunct="1">
+              <a:lnSpc>
+                <a:spcPct val="100000"/>
+              </a:lnSpc>
+              <a:defRPr/>
+            </a:pPr>
+            <a:r>
+              <a:rPr kumimoji="0" lang="en-US" altLang="zh-CN" dirty="0">
+                <a:solidFill>
+                  <a:schemeClr val="bg1">
+                    <a:lumMod val="75000"/>
+                  </a:schemeClr>
+                </a:solidFill>
+                <a:cs typeface="+mn-cs"/>
+              </a:rPr>
+              <a:t>Temporal Distribution</a:t>
+            </a:r>
+          </a:p>
+          <a:p>
+            <a:pPr lvl="1" eaLnBrk="1" hangingPunct="1">
+              <a:lnSpc>
+                <a:spcPct val="100000"/>
+              </a:lnSpc>
+              <a:defRPr/>
+            </a:pPr>
+            <a:r>
+              <a:rPr kumimoji="0" lang="en-US" altLang="zh-CN" dirty="0">
+                <a:solidFill>
+                  <a:schemeClr val="bg1">
+                    <a:lumMod val="75000"/>
+                  </a:schemeClr>
+                </a:solidFill>
+                <a:cs typeface="+mn-cs"/>
+              </a:rPr>
+              <a:t>Spatial Distribution</a:t>
+            </a:r>
+          </a:p>
+          <a:p>
+            <a:pPr lvl="1" eaLnBrk="1" hangingPunct="1">
+              <a:lnSpc>
+                <a:spcPct val="100000"/>
+              </a:lnSpc>
+              <a:defRPr/>
+            </a:pPr>
+            <a:r>
+              <a:rPr kumimoji="0" lang="en-US" altLang="zh-CN" dirty="0">
+                <a:solidFill>
+                  <a:schemeClr val="bg1">
+                    <a:lumMod val="75000"/>
+                  </a:schemeClr>
+                </a:solidFill>
+                <a:cs typeface="+mn-cs"/>
+              </a:rPr>
+              <a:t>Sentiment Distribution</a:t>
+            </a:r>
+          </a:p>
+          <a:p>
+            <a:pPr lvl="1" eaLnBrk="1" hangingPunct="1">
+              <a:lnSpc>
+                <a:spcPct val="100000"/>
+              </a:lnSpc>
+              <a:defRPr/>
+            </a:pPr>
+            <a:r>
+              <a:rPr kumimoji="0" lang="en-US" altLang="zh-CN" dirty="0">
+                <a:cs typeface="+mn-cs"/>
+              </a:rPr>
+              <a:t>Hot-spot </a:t>
+            </a:r>
+            <a:r>
+              <a:rPr kumimoji="0" lang="en-US" altLang="zh-CN" dirty="0" smtClean="0">
+                <a:cs typeface="+mn-cs"/>
+              </a:rPr>
+              <a:t>Issues</a:t>
+            </a:r>
+            <a:endParaRPr kumimoji="0" lang="en-US" altLang="zh-CN" dirty="0">
+              <a:cs typeface="+mn-cs"/>
+            </a:endParaRPr>
+          </a:p>
+          <a:p>
+            <a:pPr lvl="1" eaLnBrk="1" hangingPunct="1">
+              <a:lnSpc>
+                <a:spcPct val="100000"/>
+              </a:lnSpc>
+              <a:defRPr/>
+            </a:pPr>
+            <a:r>
+              <a:rPr kumimoji="0" lang="en-US" altLang="zh-CN" dirty="0">
+                <a:solidFill>
+                  <a:schemeClr val="bg1">
+                    <a:lumMod val="75000"/>
+                  </a:schemeClr>
+                </a:solidFill>
+                <a:cs typeface="+mn-cs"/>
+              </a:rPr>
+              <a:t>Key Users</a:t>
+            </a:r>
+          </a:p>
+          <a:p>
+            <a:pPr eaLnBrk="1" hangingPunct="1">
+              <a:lnSpc>
+                <a:spcPct val="100000"/>
+              </a:lnSpc>
+              <a:defRPr/>
+            </a:pPr>
+            <a:r>
+              <a:rPr kumimoji="0" lang="en-US" altLang="zh-CN" dirty="0" smtClean="0">
+                <a:solidFill>
+                  <a:schemeClr val="bg1">
+                    <a:lumMod val="75000"/>
+                  </a:schemeClr>
+                </a:solidFill>
+                <a:cs typeface="+mn-cs"/>
+              </a:rPr>
+              <a:t>Extensibility</a:t>
+            </a:r>
+          </a:p>
+          <a:p>
+            <a:pPr lvl="1" eaLnBrk="1" hangingPunct="1">
+              <a:lnSpc>
+                <a:spcPct val="100000"/>
+              </a:lnSpc>
+              <a:defRPr/>
+            </a:pPr>
+            <a:r>
+              <a:rPr kumimoji="0" lang="en-US" altLang="zh-CN" dirty="0" smtClean="0">
+                <a:solidFill>
+                  <a:schemeClr val="bg1">
+                    <a:lumMod val="75000"/>
+                  </a:schemeClr>
+                </a:solidFill>
+              </a:rPr>
+              <a:t>Dataset</a:t>
+            </a:r>
+          </a:p>
+          <a:p>
+            <a:pPr lvl="1" eaLnBrk="1" hangingPunct="1">
+              <a:lnSpc>
+                <a:spcPct val="100000"/>
+              </a:lnSpc>
+              <a:defRPr/>
+            </a:pPr>
+            <a:r>
+              <a:rPr kumimoji="0" lang="en-US" altLang="zh-CN" dirty="0" smtClean="0">
+                <a:solidFill>
+                  <a:schemeClr val="bg1">
+                    <a:lumMod val="75000"/>
+                  </a:schemeClr>
+                </a:solidFill>
+                <a:cs typeface="+mn-cs"/>
+              </a:rPr>
+              <a:t>Algorithm</a:t>
+            </a:r>
+            <a:endParaRPr kumimoji="0" lang="en-US" altLang="zh-CN" dirty="0">
+              <a:solidFill>
+                <a:schemeClr val="bg1">
+                  <a:lumMod val="75000"/>
+                </a:schemeClr>
+              </a:solidFill>
+              <a:cs typeface="+mn-cs"/>
+            </a:endParaRPr>
+          </a:p>
+        </p:txBody>
+      </p:sp>
+      <p:sp>
+        <p:nvSpPr>
+          <p:cNvPr id="7170" name="Title 2"/>
+          <p:cNvSpPr>
+            <a:spLocks noGrp="1"/>
+          </p:cNvSpPr>
+          <p:nvPr>
+            <p:ph type="title"/>
+          </p:nvPr>
+        </p:nvSpPr>
+        <p:spPr>
+          <a:xfrm>
+            <a:off x="266700" y="0"/>
+            <a:ext cx="8877300" cy="801688"/>
+          </a:xfrm>
+        </p:spPr>
+        <p:txBody>
+          <a:bodyPr/>
+          <a:lstStyle/>
+          <a:p>
+            <a:pPr eaLnBrk="1" hangingPunct="1"/>
+            <a:r>
+              <a:rPr kumimoji="0" lang="en-US" altLang="zh-CN" dirty="0">
+                <a:ea typeface="宋体" charset="-122"/>
+              </a:rPr>
+              <a:t>Motivation</a:t>
+            </a:r>
+          </a:p>
+        </p:txBody>
+      </p:sp>
+      <p:sp>
+        <p:nvSpPr>
+          <p:cNvPr id="7171" name="Slide Number Placeholder 3"/>
+          <p:cNvSpPr>
+            <a:spLocks noGrp="1"/>
+          </p:cNvSpPr>
+          <p:nvPr>
+            <p:ph type="sldNum" sz="quarter" idx="10"/>
+          </p:nvPr>
+        </p:nvSpPr>
+        <p:spPr bwMode="auto">
+          <a:noFill/>
+          <a:extLst>
+            <a:ext uri="{909E8E84-426E-40DD-AFC4-6F175D3DCCD1}">
+              <a14:hiddenFill xmlns:a14="http://schemas.microsoft.com/office/drawing/2010/main">
+                <a:solidFill>
+                  <a:srgbClr val="FFFFFF"/>
+                </a:solidFill>
+              </a14:hiddenFill>
+            </a:ext>
+            <a:ext uri="{91240B29-F687-4F45-9708-019B960494DF}">
+              <a14:hiddenLine xmlns:a14="http://schemas.microsoft.com/office/drawing/2010/main" w="9525">
+                <a:solidFill>
+                  <a:srgbClr val="000000"/>
+                </a:solidFill>
+                <a:miter lim="800000"/>
+                <a:headEnd/>
+                <a:tailEnd/>
+              </a14:hiddenLine>
+            </a:ext>
+          </a:extLst>
+        </p:spPr>
+        <p:txBody>
+          <a:bodyPr/>
+          <a:lstStyle>
+            <a:lvl1pPr>
+              <a:lnSpc>
+                <a:spcPct val="90000"/>
+              </a:lnSpc>
+              <a:spcBef>
+                <a:spcPts val="1000"/>
+              </a:spcBef>
+              <a:buFont typeface="Arial" charset="0"/>
+              <a:buChar char="•"/>
+              <a:defRPr kumimoji="1" sz="2800">
+                <a:solidFill>
+                  <a:schemeClr val="tx1"/>
+                </a:solidFill>
+                <a:latin typeface="Calibri" charset="0"/>
+                <a:ea typeface="宋体" charset="-122"/>
+              </a:defRPr>
+            </a:lvl1pPr>
+            <a:lvl2pPr marL="742950" indent="-285750">
+              <a:lnSpc>
+                <a:spcPct val="90000"/>
+              </a:lnSpc>
+              <a:spcBef>
+                <a:spcPts val="500"/>
+              </a:spcBef>
+              <a:buFont typeface="Arial" charset="0"/>
+              <a:buChar char="•"/>
+              <a:defRPr kumimoji="1" sz="2400">
+                <a:solidFill>
+                  <a:schemeClr val="tx1"/>
+                </a:solidFill>
+                <a:latin typeface="Calibri" charset="0"/>
+                <a:ea typeface="宋体" charset="-122"/>
+              </a:defRPr>
+            </a:lvl2pPr>
+            <a:lvl3pPr marL="1143000" indent="-228600">
+              <a:lnSpc>
+                <a:spcPct val="90000"/>
+              </a:lnSpc>
+              <a:spcBef>
+                <a:spcPts val="500"/>
+              </a:spcBef>
+              <a:buFont typeface="Arial" charset="0"/>
+              <a:buChar char="•"/>
+              <a:defRPr kumimoji="1" sz="2000">
+                <a:solidFill>
+                  <a:schemeClr val="tx1"/>
+                </a:solidFill>
+                <a:latin typeface="Calibri" charset="0"/>
+                <a:ea typeface="宋体" charset="-122"/>
+              </a:defRPr>
+            </a:lvl3pPr>
+            <a:lvl4pPr marL="1600200" indent="-228600">
+              <a:lnSpc>
+                <a:spcPct val="90000"/>
+              </a:lnSpc>
+              <a:spcBef>
+                <a:spcPts val="500"/>
+              </a:spcBef>
+              <a:buFont typeface="Arial" charset="0"/>
+              <a:buChar char="•"/>
+              <a:defRPr kumimoji="1">
+                <a:solidFill>
+                  <a:schemeClr val="tx1"/>
+                </a:solidFill>
+                <a:latin typeface="Calibri" charset="0"/>
+                <a:ea typeface="宋体" charset="-122"/>
+              </a:defRPr>
+            </a:lvl4pPr>
+            <a:lvl5pPr marL="2057400" indent="-228600">
+              <a:lnSpc>
+                <a:spcPct val="90000"/>
+              </a:lnSpc>
+              <a:spcBef>
+                <a:spcPts val="500"/>
+              </a:spcBef>
+              <a:buFont typeface="Arial" charset="0"/>
+              <a:buChar char="•"/>
+              <a:defRPr kumimoji="1">
+                <a:solidFill>
+                  <a:schemeClr val="tx1"/>
+                </a:solidFill>
+                <a:latin typeface="Calibri" charset="0"/>
+                <a:ea typeface="宋体" charset="-122"/>
+              </a:defRPr>
+            </a:lvl5pPr>
+            <a:lvl6pPr marL="2514600" indent="-228600" eaLnBrk="0" fontAlgn="base" hangingPunct="0">
+              <a:lnSpc>
+                <a:spcPct val="90000"/>
+              </a:lnSpc>
+              <a:spcBef>
+                <a:spcPts val="500"/>
+              </a:spcBef>
+              <a:spcAft>
+                <a:spcPct val="0"/>
+              </a:spcAft>
+              <a:buFont typeface="Arial" charset="0"/>
+              <a:buChar char="•"/>
+              <a:defRPr kumimoji="1">
+                <a:solidFill>
+                  <a:schemeClr val="tx1"/>
+                </a:solidFill>
+                <a:latin typeface="Calibri" charset="0"/>
+                <a:ea typeface="宋体" charset="-122"/>
+              </a:defRPr>
+            </a:lvl6pPr>
+            <a:lvl7pPr marL="2971800" indent="-228600" eaLnBrk="0" fontAlgn="base" hangingPunct="0">
+              <a:lnSpc>
+                <a:spcPct val="90000"/>
+              </a:lnSpc>
+              <a:spcBef>
+                <a:spcPts val="500"/>
+              </a:spcBef>
+              <a:spcAft>
+                <a:spcPct val="0"/>
+              </a:spcAft>
+              <a:buFont typeface="Arial" charset="0"/>
+              <a:buChar char="•"/>
+              <a:defRPr kumimoji="1">
+                <a:solidFill>
+                  <a:schemeClr val="tx1"/>
+                </a:solidFill>
+                <a:latin typeface="Calibri" charset="0"/>
+                <a:ea typeface="宋体" charset="-122"/>
+              </a:defRPr>
+            </a:lvl7pPr>
+            <a:lvl8pPr marL="3429000" indent="-228600" eaLnBrk="0" fontAlgn="base" hangingPunct="0">
+              <a:lnSpc>
+                <a:spcPct val="90000"/>
+              </a:lnSpc>
+              <a:spcBef>
+                <a:spcPts val="500"/>
+              </a:spcBef>
+              <a:spcAft>
+                <a:spcPct val="0"/>
+              </a:spcAft>
+              <a:buFont typeface="Arial" charset="0"/>
+              <a:buChar char="•"/>
+              <a:defRPr kumimoji="1">
+                <a:solidFill>
+                  <a:schemeClr val="tx1"/>
+                </a:solidFill>
+                <a:latin typeface="Calibri" charset="0"/>
+                <a:ea typeface="宋体" charset="-122"/>
+              </a:defRPr>
+            </a:lvl8pPr>
+            <a:lvl9pPr marL="3886200" indent="-228600" eaLnBrk="0" fontAlgn="base" hangingPunct="0">
+              <a:lnSpc>
+                <a:spcPct val="90000"/>
+              </a:lnSpc>
+              <a:spcBef>
+                <a:spcPts val="500"/>
+              </a:spcBef>
+              <a:spcAft>
+                <a:spcPct val="0"/>
+              </a:spcAft>
+              <a:buFont typeface="Arial" charset="0"/>
+              <a:buChar char="•"/>
+              <a:defRPr kumimoji="1">
+                <a:solidFill>
+                  <a:schemeClr val="tx1"/>
+                </a:solidFill>
+                <a:latin typeface="Calibri" charset="0"/>
+                <a:ea typeface="宋体" charset="-122"/>
+              </a:defRPr>
+            </a:lvl9pPr>
+          </a:lstStyle>
+          <a:p>
+            <a:pPr>
+              <a:lnSpc>
+                <a:spcPct val="100000"/>
+              </a:lnSpc>
+              <a:spcBef>
+                <a:spcPct val="0"/>
+              </a:spcBef>
+              <a:buFontTx/>
+              <a:buNone/>
+            </a:pPr>
+            <a:fld id="{CEDE4B18-F821-0C42-B7D1-F81BF867505E}" type="slidenum">
+              <a:rPr kumimoji="0" lang="en-US" altLang="zh-CN" sz="1400">
+                <a:solidFill>
+                  <a:srgbClr val="898989"/>
+                </a:solidFill>
+                <a:latin typeface="Arial" charset="0"/>
+              </a:rPr>
+              <a:pPr>
+                <a:lnSpc>
+                  <a:spcPct val="100000"/>
+                </a:lnSpc>
+                <a:spcBef>
+                  <a:spcPct val="0"/>
+                </a:spcBef>
+                <a:buFontTx/>
+                <a:buNone/>
+              </a:pPr>
+              <a:t>6</a:t>
+            </a:fld>
+            <a:endParaRPr kumimoji="0" lang="en-US" altLang="zh-CN" sz="1400">
+              <a:solidFill>
+                <a:srgbClr val="898989"/>
+              </a:solidFill>
+              <a:latin typeface="Arial" charset="0"/>
+            </a:endParaRPr>
+          </a:p>
+        </p:txBody>
+      </p:sp>
+    </p:spTree>
+    <p:extLst>
+      <p:ext uri="{BB962C8B-B14F-4D97-AF65-F5344CB8AC3E}">
+        <p14:creationId xmlns:p14="http://schemas.microsoft.com/office/powerpoint/2010/main" val="465972048"/>
+      </p:ext>
+    </p:extLst>
+  </p:cSld>
+  <p:clrMapOvr>
+    <a:masterClrMapping/>
+  </p:clrMapOvr>
+  <p:timing>
+    <p:tnLst>
+      <p:par>
+        <p:cTn id="1" dur="indefinite" restart="never" nodeType="tmRoot"/>
+      </p:par>
+    </p:tnLst>
+  </p:timing>
+</p:sld>
+</file>
+
+<file path=ppt/slides/slide8.xml><?xml version="1.0" encoding="utf-8"?>
+<p:sld xmlns:a="http://schemas.openxmlformats.org/drawingml/2006/main" xmlns:r="http://schemas.openxmlformats.org/officeDocument/2006/relationships" xmlns:p="http://schemas.openxmlformats.org/presentationml/2006/main">
+  <p:cSld>
+    <p:spTree>
+      <p:nvGrpSpPr>
+        <p:cNvPr id="1" name=""/>
+        <p:cNvGrpSpPr/>
+        <p:nvPr/>
+      </p:nvGrpSpPr>
+      <p:grpSpPr>
+        <a:xfrm>
+          <a:off x="0" y="0"/>
+          <a:ext cx="0" cy="0"/>
+          <a:chOff x="0" y="0"/>
+          <a:chExt cx="0" cy="0"/>
+        </a:xfrm>
+      </p:grpSpPr>
+      <p:sp>
+        <p:nvSpPr>
+          <p:cNvPr id="2" name="Content Placeholder 1"/>
+          <p:cNvSpPr>
+            <a:spLocks noGrp="1"/>
+          </p:cNvSpPr>
+          <p:nvPr>
+            <p:ph idx="1"/>
+          </p:nvPr>
+        </p:nvSpPr>
+        <p:spPr>
+          <a:xfrm>
+            <a:off x="436563" y="1139825"/>
+            <a:ext cx="8270875" cy="4922838"/>
+          </a:xfrm>
+        </p:spPr>
+        <p:txBody>
+          <a:bodyPr>
+            <a:normAutofit/>
+          </a:bodyPr>
+          <a:lstStyle/>
+          <a:p>
+            <a:pPr eaLnBrk="1" hangingPunct="1">
+              <a:lnSpc>
+                <a:spcPct val="100000"/>
+              </a:lnSpc>
+              <a:defRPr/>
+            </a:pPr>
+            <a:r>
+              <a:rPr kumimoji="0" lang="en-US" altLang="zh-CN" dirty="0">
+                <a:solidFill>
+                  <a:schemeClr val="bg1">
+                    <a:lumMod val="75000"/>
+                  </a:schemeClr>
+                </a:solidFill>
+                <a:cs typeface="+mn-cs"/>
+              </a:rPr>
+              <a:t>Conclude what we learned</a:t>
+            </a:r>
+          </a:p>
+          <a:p>
+            <a:pPr eaLnBrk="1" hangingPunct="1">
+              <a:lnSpc>
+                <a:spcPct val="100000"/>
+              </a:lnSpc>
+              <a:defRPr/>
+            </a:pPr>
+            <a:r>
+              <a:rPr kumimoji="0" lang="en-US" altLang="zh-CN" dirty="0">
+                <a:solidFill>
+                  <a:schemeClr val="bg1">
+                    <a:lumMod val="75000"/>
+                  </a:schemeClr>
+                </a:solidFill>
+                <a:cs typeface="+mn-cs"/>
+              </a:rPr>
+              <a:t>Focus on social media (e.g. twitter)</a:t>
+            </a:r>
+          </a:p>
+          <a:p>
+            <a:pPr lvl="1" eaLnBrk="1" hangingPunct="1">
+              <a:lnSpc>
+                <a:spcPct val="100000"/>
+              </a:lnSpc>
+              <a:defRPr/>
+            </a:pPr>
+            <a:r>
+              <a:rPr kumimoji="0" lang="en-US" altLang="zh-CN" dirty="0">
+                <a:solidFill>
+                  <a:schemeClr val="bg1">
+                    <a:lumMod val="75000"/>
+                  </a:schemeClr>
+                </a:solidFill>
+                <a:cs typeface="+mn-cs"/>
+              </a:rPr>
+              <a:t>Temporal Distribution</a:t>
+            </a:r>
+          </a:p>
+          <a:p>
+            <a:pPr lvl="1" eaLnBrk="1" hangingPunct="1">
+              <a:lnSpc>
+                <a:spcPct val="100000"/>
+              </a:lnSpc>
+              <a:defRPr/>
+            </a:pPr>
+            <a:r>
+              <a:rPr kumimoji="0" lang="en-US" altLang="zh-CN" dirty="0">
+                <a:solidFill>
+                  <a:schemeClr val="bg1">
+                    <a:lumMod val="75000"/>
+                  </a:schemeClr>
+                </a:solidFill>
+                <a:cs typeface="+mn-cs"/>
+              </a:rPr>
+              <a:t>Spatial Distribution</a:t>
+            </a:r>
+          </a:p>
+          <a:p>
+            <a:pPr lvl="1" eaLnBrk="1" hangingPunct="1">
+              <a:lnSpc>
+                <a:spcPct val="100000"/>
+              </a:lnSpc>
+              <a:defRPr/>
+            </a:pPr>
+            <a:r>
+              <a:rPr kumimoji="0" lang="en-US" altLang="zh-CN" dirty="0">
+                <a:solidFill>
+                  <a:schemeClr val="bg1">
+                    <a:lumMod val="75000"/>
+                  </a:schemeClr>
+                </a:solidFill>
+                <a:cs typeface="+mn-cs"/>
+              </a:rPr>
+              <a:t>Sentiment Distribution</a:t>
+            </a:r>
+          </a:p>
+          <a:p>
+            <a:pPr lvl="1" eaLnBrk="1" hangingPunct="1">
+              <a:lnSpc>
+                <a:spcPct val="100000"/>
+              </a:lnSpc>
+              <a:defRPr/>
+            </a:pPr>
+            <a:r>
+              <a:rPr kumimoji="0" lang="en-US" altLang="zh-CN" dirty="0">
+                <a:solidFill>
+                  <a:schemeClr val="bg1">
+                    <a:lumMod val="75000"/>
+                  </a:schemeClr>
+                </a:solidFill>
+                <a:cs typeface="+mn-cs"/>
+              </a:rPr>
+              <a:t>Hot-spot </a:t>
+            </a:r>
+            <a:r>
+              <a:rPr kumimoji="0" lang="en-US" altLang="zh-CN" dirty="0" smtClean="0">
+                <a:solidFill>
+                  <a:schemeClr val="bg1">
+                    <a:lumMod val="75000"/>
+                  </a:schemeClr>
+                </a:solidFill>
+                <a:cs typeface="+mn-cs"/>
+              </a:rPr>
+              <a:t>Issues</a:t>
+            </a:r>
+            <a:endParaRPr kumimoji="0" lang="en-US" altLang="zh-CN" dirty="0">
+              <a:solidFill>
+                <a:schemeClr val="bg1">
+                  <a:lumMod val="75000"/>
+                </a:schemeClr>
+              </a:solidFill>
+              <a:cs typeface="+mn-cs"/>
+            </a:endParaRPr>
+          </a:p>
+          <a:p>
+            <a:pPr lvl="1" eaLnBrk="1" hangingPunct="1">
+              <a:lnSpc>
+                <a:spcPct val="100000"/>
+              </a:lnSpc>
+              <a:defRPr/>
+            </a:pPr>
+            <a:r>
+              <a:rPr kumimoji="0" lang="en-US" altLang="zh-CN" dirty="0">
+                <a:solidFill>
+                  <a:schemeClr val="bg1">
+                    <a:lumMod val="75000"/>
+                  </a:schemeClr>
+                </a:solidFill>
+                <a:cs typeface="+mn-cs"/>
+              </a:rPr>
+              <a:t>Key Users</a:t>
+            </a:r>
+          </a:p>
+          <a:p>
+            <a:pPr eaLnBrk="1" hangingPunct="1">
+              <a:lnSpc>
+                <a:spcPct val="100000"/>
+              </a:lnSpc>
+              <a:defRPr/>
+            </a:pPr>
+            <a:r>
+              <a:rPr kumimoji="0" lang="en-US" altLang="zh-CN" dirty="0" smtClean="0">
+                <a:cs typeface="+mn-cs"/>
+              </a:rPr>
+              <a:t>Extensibility</a:t>
+            </a:r>
+          </a:p>
+          <a:p>
+            <a:pPr lvl="1" eaLnBrk="1" hangingPunct="1">
+              <a:lnSpc>
+                <a:spcPct val="100000"/>
+              </a:lnSpc>
+              <a:defRPr/>
+            </a:pPr>
+            <a:r>
+              <a:rPr kumimoji="0" lang="en-US" altLang="zh-CN" dirty="0" smtClean="0"/>
+              <a:t>Dataset</a:t>
+            </a:r>
+          </a:p>
+          <a:p>
+            <a:pPr lvl="1" eaLnBrk="1" hangingPunct="1">
+              <a:lnSpc>
+                <a:spcPct val="100000"/>
+              </a:lnSpc>
+              <a:defRPr/>
+            </a:pPr>
+            <a:r>
+              <a:rPr kumimoji="0" lang="en-US" altLang="zh-CN" dirty="0" smtClean="0">
+                <a:cs typeface="+mn-cs"/>
+              </a:rPr>
+              <a:t>Algorithm</a:t>
+            </a:r>
+            <a:endParaRPr kumimoji="0" lang="en-US" altLang="zh-CN" dirty="0">
+              <a:cs typeface="+mn-cs"/>
+            </a:endParaRPr>
+          </a:p>
+        </p:txBody>
+      </p:sp>
+      <p:sp>
+        <p:nvSpPr>
+          <p:cNvPr id="7170" name="Title 2"/>
+          <p:cNvSpPr>
+            <a:spLocks noGrp="1"/>
+          </p:cNvSpPr>
+          <p:nvPr>
+            <p:ph type="title"/>
+          </p:nvPr>
+        </p:nvSpPr>
+        <p:spPr>
+          <a:xfrm>
+            <a:off x="266700" y="0"/>
+            <a:ext cx="8877300" cy="801688"/>
+          </a:xfrm>
+        </p:spPr>
+        <p:txBody>
+          <a:bodyPr/>
+          <a:lstStyle/>
+          <a:p>
+            <a:pPr eaLnBrk="1" hangingPunct="1"/>
+            <a:r>
+              <a:rPr kumimoji="0" lang="en-US" altLang="zh-CN" dirty="0">
+                <a:ea typeface="宋体" charset="-122"/>
+              </a:rPr>
+              <a:t>Motivation</a:t>
+            </a:r>
+          </a:p>
+        </p:txBody>
+      </p:sp>
+      <p:sp>
+        <p:nvSpPr>
+          <p:cNvPr id="7171" name="Slide Number Placeholder 3"/>
+          <p:cNvSpPr>
+            <a:spLocks noGrp="1"/>
+          </p:cNvSpPr>
+          <p:nvPr>
+            <p:ph type="sldNum" sz="quarter" idx="10"/>
+          </p:nvPr>
+        </p:nvSpPr>
+        <p:spPr bwMode="auto">
+          <a:noFill/>
+          <a:extLst>
+            <a:ext uri="{909E8E84-426E-40DD-AFC4-6F175D3DCCD1}">
+              <a14:hiddenFill xmlns:a14="http://schemas.microsoft.com/office/drawing/2010/main">
+                <a:solidFill>
+                  <a:srgbClr val="FFFFFF"/>
+                </a:solidFill>
+              </a14:hiddenFill>
+            </a:ext>
+            <a:ext uri="{91240B29-F687-4F45-9708-019B960494DF}">
+              <a14:hiddenLine xmlns:a14="http://schemas.microsoft.com/office/drawing/2010/main" w="9525">
+                <a:solidFill>
+                  <a:srgbClr val="000000"/>
+                </a:solidFill>
+                <a:miter lim="800000"/>
+                <a:headEnd/>
+                <a:tailEnd/>
+              </a14:hiddenLine>
+            </a:ext>
+          </a:extLst>
+        </p:spPr>
+        <p:txBody>
+          <a:bodyPr/>
+          <a:lstStyle>
+            <a:lvl1pPr>
+              <a:lnSpc>
+                <a:spcPct val="90000"/>
+              </a:lnSpc>
+              <a:spcBef>
+                <a:spcPts val="1000"/>
+              </a:spcBef>
+              <a:buFont typeface="Arial" charset="0"/>
+              <a:buChar char="•"/>
+              <a:defRPr kumimoji="1" sz="2800">
+                <a:solidFill>
+                  <a:schemeClr val="tx1"/>
+                </a:solidFill>
+                <a:latin typeface="Calibri" charset="0"/>
+                <a:ea typeface="宋体" charset="-122"/>
+              </a:defRPr>
+            </a:lvl1pPr>
+            <a:lvl2pPr marL="742950" indent="-285750">
+              <a:lnSpc>
+                <a:spcPct val="90000"/>
+              </a:lnSpc>
+              <a:spcBef>
+                <a:spcPts val="500"/>
+              </a:spcBef>
+              <a:buFont typeface="Arial" charset="0"/>
+              <a:buChar char="•"/>
+              <a:defRPr kumimoji="1" sz="2400">
+                <a:solidFill>
+                  <a:schemeClr val="tx1"/>
+                </a:solidFill>
+                <a:latin typeface="Calibri" charset="0"/>
+                <a:ea typeface="宋体" charset="-122"/>
+              </a:defRPr>
+            </a:lvl2pPr>
+            <a:lvl3pPr marL="1143000" indent="-228600">
+              <a:lnSpc>
+                <a:spcPct val="90000"/>
+              </a:lnSpc>
+              <a:spcBef>
+                <a:spcPts val="500"/>
+              </a:spcBef>
+              <a:buFont typeface="Arial" charset="0"/>
+              <a:buChar char="•"/>
+              <a:defRPr kumimoji="1" sz="2000">
+                <a:solidFill>
+                  <a:schemeClr val="tx1"/>
+                </a:solidFill>
+                <a:latin typeface="Calibri" charset="0"/>
+                <a:ea typeface="宋体" charset="-122"/>
+              </a:defRPr>
+            </a:lvl3pPr>
+            <a:lvl4pPr marL="1600200" indent="-228600">
+              <a:lnSpc>
+                <a:spcPct val="90000"/>
+              </a:lnSpc>
+              <a:spcBef>
+                <a:spcPts val="500"/>
+              </a:spcBef>
+              <a:buFont typeface="Arial" charset="0"/>
+              <a:buChar char="•"/>
+              <a:defRPr kumimoji="1">
+                <a:solidFill>
+                  <a:schemeClr val="tx1"/>
+                </a:solidFill>
+                <a:latin typeface="Calibri" charset="0"/>
+                <a:ea typeface="宋体" charset="-122"/>
+              </a:defRPr>
+            </a:lvl4pPr>
+            <a:lvl5pPr marL="2057400" indent="-228600">
+              <a:lnSpc>
+                <a:spcPct val="90000"/>
+              </a:lnSpc>
+              <a:spcBef>
+                <a:spcPts val="500"/>
+              </a:spcBef>
+              <a:buFont typeface="Arial" charset="0"/>
+              <a:buChar char="•"/>
+              <a:defRPr kumimoji="1">
+                <a:solidFill>
+                  <a:schemeClr val="tx1"/>
+                </a:solidFill>
+                <a:latin typeface="Calibri" charset="0"/>
+                <a:ea typeface="宋体" charset="-122"/>
+              </a:defRPr>
+            </a:lvl5pPr>
+            <a:lvl6pPr marL="2514600" indent="-228600" eaLnBrk="0" fontAlgn="base" hangingPunct="0">
+              <a:lnSpc>
+                <a:spcPct val="90000"/>
+              </a:lnSpc>
+              <a:spcBef>
+                <a:spcPts val="500"/>
+              </a:spcBef>
+              <a:spcAft>
+                <a:spcPct val="0"/>
+              </a:spcAft>
+              <a:buFont typeface="Arial" charset="0"/>
+              <a:buChar char="•"/>
+              <a:defRPr kumimoji="1">
+                <a:solidFill>
+                  <a:schemeClr val="tx1"/>
+                </a:solidFill>
+                <a:latin typeface="Calibri" charset="0"/>
+                <a:ea typeface="宋体" charset="-122"/>
+              </a:defRPr>
+            </a:lvl6pPr>
+            <a:lvl7pPr marL="2971800" indent="-228600" eaLnBrk="0" fontAlgn="base" hangingPunct="0">
+              <a:lnSpc>
+                <a:spcPct val="90000"/>
+              </a:lnSpc>
+              <a:spcBef>
+                <a:spcPts val="500"/>
+              </a:spcBef>
+              <a:spcAft>
+                <a:spcPct val="0"/>
+              </a:spcAft>
+              <a:buFont typeface="Arial" charset="0"/>
+              <a:buChar char="•"/>
+              <a:defRPr kumimoji="1">
+                <a:solidFill>
+                  <a:schemeClr val="tx1"/>
+                </a:solidFill>
+                <a:latin typeface="Calibri" charset="0"/>
+                <a:ea typeface="宋体" charset="-122"/>
+              </a:defRPr>
+            </a:lvl7pPr>
+            <a:lvl8pPr marL="3429000" indent="-228600" eaLnBrk="0" fontAlgn="base" hangingPunct="0">
+              <a:lnSpc>
+                <a:spcPct val="90000"/>
+              </a:lnSpc>
+              <a:spcBef>
+                <a:spcPts val="500"/>
+              </a:spcBef>
+              <a:spcAft>
+                <a:spcPct val="0"/>
+              </a:spcAft>
+              <a:buFont typeface="Arial" charset="0"/>
+              <a:buChar char="•"/>
+              <a:defRPr kumimoji="1">
+                <a:solidFill>
+                  <a:schemeClr val="tx1"/>
+                </a:solidFill>
+                <a:latin typeface="Calibri" charset="0"/>
+                <a:ea typeface="宋体" charset="-122"/>
+              </a:defRPr>
+            </a:lvl8pPr>
+            <a:lvl9pPr marL="3886200" indent="-228600" eaLnBrk="0" fontAlgn="base" hangingPunct="0">
+              <a:lnSpc>
+                <a:spcPct val="90000"/>
+              </a:lnSpc>
+              <a:spcBef>
+                <a:spcPts val="500"/>
+              </a:spcBef>
+              <a:spcAft>
+                <a:spcPct val="0"/>
+              </a:spcAft>
+              <a:buFont typeface="Arial" charset="0"/>
+              <a:buChar char="•"/>
+              <a:defRPr kumimoji="1">
+                <a:solidFill>
+                  <a:schemeClr val="tx1"/>
+                </a:solidFill>
+                <a:latin typeface="Calibri" charset="0"/>
+                <a:ea typeface="宋体" charset="-122"/>
+              </a:defRPr>
+            </a:lvl9pPr>
+          </a:lstStyle>
+          <a:p>
+            <a:pPr>
+              <a:lnSpc>
+                <a:spcPct val="100000"/>
+              </a:lnSpc>
+              <a:spcBef>
+                <a:spcPct val="0"/>
+              </a:spcBef>
+              <a:buFontTx/>
+              <a:buNone/>
+            </a:pPr>
+            <a:fld id="{CEDE4B18-F821-0C42-B7D1-F81BF867505E}" type="slidenum">
+              <a:rPr kumimoji="0" lang="en-US" altLang="zh-CN" sz="1400">
+                <a:solidFill>
+                  <a:srgbClr val="898989"/>
+                </a:solidFill>
+                <a:latin typeface="Arial" charset="0"/>
+              </a:rPr>
+              <a:pPr>
+                <a:lnSpc>
+                  <a:spcPct val="100000"/>
+                </a:lnSpc>
+                <a:spcBef>
+                  <a:spcPct val="0"/>
+                </a:spcBef>
+                <a:buFontTx/>
+                <a:buNone/>
+              </a:pPr>
+              <a:t>7</a:t>
+            </a:fld>
+            <a:endParaRPr kumimoji="0" lang="en-US" altLang="zh-CN" sz="1400">
+              <a:solidFill>
+                <a:srgbClr val="898989"/>
+              </a:solidFill>
+              <a:latin typeface="Arial" charset="0"/>
+            </a:endParaRPr>
+          </a:p>
+        </p:txBody>
+      </p:sp>
+    </p:spTree>
+    <p:extLst>
+      <p:ext uri="{BB962C8B-B14F-4D97-AF65-F5344CB8AC3E}">
+        <p14:creationId xmlns:p14="http://schemas.microsoft.com/office/powerpoint/2010/main" val="1277095059"/>
+      </p:ext>
+    </p:extLst>
+  </p:cSld>
+  <p:clrMapOvr>
+    <a:masterClrMapping/>
+  </p:clrMapOvr>
+  <p:timing>
+    <p:tnLst>
+      <p:par>
+        <p:cTn id="1" dur="indefinite" restart="never" nodeType="tmRoot"/>
+      </p:par>
+    </p:tnLst>
+  </p:timing>
+</p:sld>
+</file>
+
+<file path=ppt/slides/slide9.xml><?xml version="1.0" encoding="utf-8"?>
+<p:sld xmlns:a="http://schemas.openxmlformats.org/drawingml/2006/main" xmlns:r="http://schemas.openxmlformats.org/officeDocument/2006/relationships" xmlns:p="http://schemas.openxmlformats.org/presentationml/2006/main">
+  <p:cSld>
+    <p:spTree>
+      <p:nvGrpSpPr>
+        <p:cNvPr id="1" name=""/>
+        <p:cNvGrpSpPr/>
+        <p:nvPr/>
+      </p:nvGrpSpPr>
+      <p:grpSpPr>
+        <a:xfrm>
+          <a:off x="0" y="0"/>
+          <a:ext cx="0" cy="0"/>
+          <a:chOff x="0" y="0"/>
+          <a:chExt cx="0" cy="0"/>
+        </a:xfrm>
+      </p:grpSpPr>
+      <p:sp>
+        <p:nvSpPr>
+          <p:cNvPr id="7170" name="Title 2"/>
+          <p:cNvSpPr>
+            <a:spLocks noGrp="1"/>
+          </p:cNvSpPr>
+          <p:nvPr>
+            <p:ph type="title"/>
+          </p:nvPr>
+        </p:nvSpPr>
+        <p:spPr>
+          <a:xfrm>
+            <a:off x="266700" y="0"/>
+            <a:ext cx="8877300" cy="801688"/>
+          </a:xfrm>
+        </p:spPr>
+        <p:txBody>
+          <a:bodyPr/>
+          <a:lstStyle/>
+          <a:p>
+            <a:pPr eaLnBrk="1" hangingPunct="1"/>
+            <a:r>
+              <a:rPr kumimoji="0" lang="en-US" altLang="zh-CN" dirty="0" smtClean="0">
+                <a:ea typeface="宋体" charset="-122"/>
+              </a:rPr>
+              <a:t>Dataset</a:t>
+            </a:r>
+            <a:endParaRPr kumimoji="0" lang="en-US" altLang="zh-CN" dirty="0">
+              <a:ea typeface="宋体" charset="-122"/>
+            </a:endParaRPr>
+          </a:p>
+        </p:txBody>
+      </p:sp>
+      <p:sp>
+        <p:nvSpPr>
+          <p:cNvPr id="7171" name="Slide Number Placeholder 3"/>
+          <p:cNvSpPr>
+            <a:spLocks noGrp="1"/>
+          </p:cNvSpPr>
+          <p:nvPr>
+            <p:ph type="sldNum" sz="quarter" idx="10"/>
+          </p:nvPr>
+        </p:nvSpPr>
+        <p:spPr bwMode="auto">
+          <a:noFill/>
+          <a:extLst>
+            <a:ext uri="{909E8E84-426E-40DD-AFC4-6F175D3DCCD1}">
+              <a14:hiddenFill xmlns:a14="http://schemas.microsoft.com/office/drawing/2010/main">
+                <a:solidFill>
+                  <a:srgbClr val="FFFFFF"/>
+                </a:solidFill>
+              </a14:hiddenFill>
+            </a:ext>
+            <a:ext uri="{91240B29-F687-4F45-9708-019B960494DF}">
+              <a14:hiddenLine xmlns:a14="http://schemas.microsoft.com/office/drawing/2010/main" w="9525">
+                <a:solidFill>
+                  <a:srgbClr val="000000"/>
+                </a:solidFill>
+                <a:miter lim="800000"/>
+                <a:headEnd/>
+                <a:tailEnd/>
+              </a14:hiddenLine>
+            </a:ext>
+          </a:extLst>
+        </p:spPr>
+        <p:txBody>
+          <a:bodyPr/>
+          <a:lstStyle>
+            <a:lvl1pPr>
+              <a:lnSpc>
+                <a:spcPct val="90000"/>
+              </a:lnSpc>
+              <a:spcBef>
+                <a:spcPts val="1000"/>
+              </a:spcBef>
+              <a:buFont typeface="Arial" charset="0"/>
+              <a:buChar char="•"/>
+              <a:defRPr kumimoji="1" sz="2800">
+                <a:solidFill>
+                  <a:schemeClr val="tx1"/>
+                </a:solidFill>
+                <a:latin typeface="Calibri" charset="0"/>
+                <a:ea typeface="宋体" charset="-122"/>
+              </a:defRPr>
+            </a:lvl1pPr>
+            <a:lvl2pPr marL="742950" indent="-285750">
+              <a:lnSpc>
+                <a:spcPct val="90000"/>
+              </a:lnSpc>
+              <a:spcBef>
+                <a:spcPts val="500"/>
+              </a:spcBef>
+              <a:buFont typeface="Arial" charset="0"/>
+              <a:buChar char="•"/>
+              <a:defRPr kumimoji="1" sz="2400">
+                <a:solidFill>
+                  <a:schemeClr val="tx1"/>
+                </a:solidFill>
+                <a:latin typeface="Calibri" charset="0"/>
+                <a:ea typeface="宋体" charset="-122"/>
+              </a:defRPr>
+            </a:lvl2pPr>
+            <a:lvl3pPr marL="1143000" indent="-228600">
+              <a:lnSpc>
+                <a:spcPct val="90000"/>
+              </a:lnSpc>
+              <a:spcBef>
+                <a:spcPts val="500"/>
+              </a:spcBef>
+              <a:buFont typeface="Arial" charset="0"/>
+              <a:buChar char="•"/>
+              <a:defRPr kumimoji="1" sz="2000">
+                <a:solidFill>
+                  <a:schemeClr val="tx1"/>
+                </a:solidFill>
+                <a:latin typeface="Calibri" charset="0"/>
+                <a:ea typeface="宋体" charset="-122"/>
+              </a:defRPr>
+            </a:lvl3pPr>
+            <a:lvl4pPr marL="1600200" indent="-228600">
+              <a:lnSpc>
+                <a:spcPct val="90000"/>
+              </a:lnSpc>
+              <a:spcBef>
+                <a:spcPts val="500"/>
+              </a:spcBef>
+              <a:buFont typeface="Arial" charset="0"/>
+              <a:buChar char="•"/>
+              <a:defRPr kumimoji="1">
+                <a:solidFill>
+                  <a:schemeClr val="tx1"/>
+                </a:solidFill>
+                <a:latin typeface="Calibri" charset="0"/>
+                <a:ea typeface="宋体" charset="-122"/>
+              </a:defRPr>
+            </a:lvl4pPr>
+            <a:lvl5pPr marL="2057400" indent="-228600">
+              <a:lnSpc>
+                <a:spcPct val="90000"/>
+              </a:lnSpc>
+              <a:spcBef>
+                <a:spcPts val="500"/>
+              </a:spcBef>
+              <a:buFont typeface="Arial" charset="0"/>
+              <a:buChar char="•"/>
+              <a:defRPr kumimoji="1">
+                <a:solidFill>
+                  <a:schemeClr val="tx1"/>
+                </a:solidFill>
+                <a:latin typeface="Calibri" charset="0"/>
+                <a:ea typeface="宋体" charset="-122"/>
+              </a:defRPr>
+            </a:lvl5pPr>
+            <a:lvl6pPr marL="2514600" indent="-228600" eaLnBrk="0" fontAlgn="base" hangingPunct="0">
+              <a:lnSpc>
+                <a:spcPct val="90000"/>
+              </a:lnSpc>
+              <a:spcBef>
+                <a:spcPts val="500"/>
+              </a:spcBef>
+              <a:spcAft>
+                <a:spcPct val="0"/>
+              </a:spcAft>
+              <a:buFont typeface="Arial" charset="0"/>
+              <a:buChar char="•"/>
+              <a:defRPr kumimoji="1">
+                <a:solidFill>
+                  <a:schemeClr val="tx1"/>
+                </a:solidFill>
+                <a:latin typeface="Calibri" charset="0"/>
+                <a:ea typeface="宋体" charset="-122"/>
+              </a:defRPr>
+            </a:lvl6pPr>
+            <a:lvl7pPr marL="2971800" indent="-228600" eaLnBrk="0" fontAlgn="base" hangingPunct="0">
+              <a:lnSpc>
+                <a:spcPct val="90000"/>
+              </a:lnSpc>
+              <a:spcBef>
+                <a:spcPts val="500"/>
+              </a:spcBef>
+              <a:spcAft>
+                <a:spcPct val="0"/>
+              </a:spcAft>
+              <a:buFont typeface="Arial" charset="0"/>
+              <a:buChar char="•"/>
+              <a:defRPr kumimoji="1">
+                <a:solidFill>
+                  <a:schemeClr val="tx1"/>
+                </a:solidFill>
+                <a:latin typeface="Calibri" charset="0"/>
+                <a:ea typeface="宋体" charset="-122"/>
+              </a:defRPr>
+            </a:lvl7pPr>
+            <a:lvl8pPr marL="3429000" indent="-228600" eaLnBrk="0" fontAlgn="base" hangingPunct="0">
+              <a:lnSpc>
+                <a:spcPct val="90000"/>
+              </a:lnSpc>
+              <a:spcBef>
+                <a:spcPts val="500"/>
+              </a:spcBef>
+              <a:spcAft>
+                <a:spcPct val="0"/>
+              </a:spcAft>
+              <a:buFont typeface="Arial" charset="0"/>
+              <a:buChar char="•"/>
+              <a:defRPr kumimoji="1">
+                <a:solidFill>
+                  <a:schemeClr val="tx1"/>
+                </a:solidFill>
+                <a:latin typeface="Calibri" charset="0"/>
+                <a:ea typeface="宋体" charset="-122"/>
+              </a:defRPr>
+            </a:lvl8pPr>
+            <a:lvl9pPr marL="3886200" indent="-228600" eaLnBrk="0" fontAlgn="base" hangingPunct="0">
+              <a:lnSpc>
+                <a:spcPct val="90000"/>
+              </a:lnSpc>
+              <a:spcBef>
+                <a:spcPts val="500"/>
+              </a:spcBef>
+              <a:spcAft>
+                <a:spcPct val="0"/>
+              </a:spcAft>
+              <a:buFont typeface="Arial" charset="0"/>
+              <a:buChar char="•"/>
+              <a:defRPr kumimoji="1">
+                <a:solidFill>
+                  <a:schemeClr val="tx1"/>
+                </a:solidFill>
+                <a:latin typeface="Calibri" charset="0"/>
+                <a:ea typeface="宋体" charset="-122"/>
+              </a:defRPr>
+            </a:lvl9pPr>
+          </a:lstStyle>
+          <a:p>
+            <a:pPr>
+              <a:lnSpc>
+                <a:spcPct val="100000"/>
+              </a:lnSpc>
+              <a:spcBef>
+                <a:spcPct val="0"/>
+              </a:spcBef>
+              <a:buFontTx/>
+              <a:buNone/>
+            </a:pPr>
+            <a:fld id="{CEDE4B18-F821-0C42-B7D1-F81BF867505E}" type="slidenum">
+              <a:rPr kumimoji="0" lang="en-US" altLang="zh-CN" sz="1400">
+                <a:solidFill>
+                  <a:srgbClr val="898989"/>
+                </a:solidFill>
+                <a:latin typeface="Arial" charset="0"/>
+              </a:rPr>
+              <a:pPr>
+                <a:lnSpc>
+                  <a:spcPct val="100000"/>
+                </a:lnSpc>
+                <a:spcBef>
+                  <a:spcPct val="0"/>
+                </a:spcBef>
+                <a:buFontTx/>
+                <a:buNone/>
+              </a:pPr>
+              <a:t>8</a:t>
+            </a:fld>
+            <a:endParaRPr kumimoji="0" lang="en-US" altLang="zh-CN" sz="1400">
+              <a:solidFill>
+                <a:srgbClr val="898989"/>
+              </a:solidFill>
+              <a:latin typeface="Arial" charset="0"/>
+            </a:endParaRPr>
+          </a:p>
+        </p:txBody>
+      </p:sp>
+      <p:sp>
+        <p:nvSpPr>
+          <p:cNvPr id="5" name="Content Placeholder 1"/>
+          <p:cNvSpPr>
+            <a:spLocks noGrp="1"/>
+          </p:cNvSpPr>
+          <p:nvPr>
+            <p:ph idx="1"/>
+          </p:nvPr>
+        </p:nvSpPr>
+        <p:spPr>
+          <a:xfrm>
+            <a:off x="436563" y="1139825"/>
+            <a:ext cx="8270875" cy="4922838"/>
+          </a:xfrm>
+        </p:spPr>
+        <p:txBody>
+          <a:bodyPr>
+            <a:normAutofit/>
+          </a:bodyPr>
+          <a:lstStyle/>
+          <a:p>
+            <a:pPr eaLnBrk="1" hangingPunct="1">
+              <a:lnSpc>
+                <a:spcPct val="100000"/>
+              </a:lnSpc>
+              <a:defRPr/>
+            </a:pPr>
+            <a:r>
+              <a:rPr kumimoji="0" lang="en-US" altLang="zh-CN" dirty="0" smtClean="0">
+                <a:cs typeface="+mn-cs"/>
+              </a:rPr>
+              <a:t>Description</a:t>
+            </a:r>
+          </a:p>
+          <a:p>
+            <a:pPr lvl="1" eaLnBrk="1" hangingPunct="1">
+              <a:lnSpc>
+                <a:spcPct val="100000"/>
+              </a:lnSpc>
+              <a:defRPr/>
+            </a:pPr>
+            <a:r>
+              <a:rPr kumimoji="0" lang="en-US" altLang="zh-CN" dirty="0" smtClean="0"/>
+              <a:t>Tweet Collection (Keyword</a:t>
+            </a:r>
+            <a:r>
+              <a:rPr kumimoji="0" lang="en-US" altLang="zh-CN" dirty="0" smtClean="0">
+                <a:cs typeface="+mn-cs"/>
+              </a:rPr>
+              <a:t>: flood)</a:t>
+            </a:r>
+          </a:p>
+          <a:p>
+            <a:pPr lvl="1" eaLnBrk="1" hangingPunct="1">
+              <a:lnSpc>
+                <a:spcPct val="100000"/>
+              </a:lnSpc>
+              <a:defRPr/>
+            </a:pPr>
+            <a:r>
+              <a:rPr kumimoji="0" lang="en-US" altLang="zh-CN" dirty="0" smtClean="0"/>
+              <a:t>Duration: 10/01/2016 </a:t>
+            </a:r>
+            <a:r>
+              <a:rPr kumimoji="0" lang="mr-IN" altLang="zh-CN" dirty="0" smtClean="0"/>
+              <a:t>–</a:t>
+            </a:r>
+            <a:r>
+              <a:rPr kumimoji="0" lang="en-US" altLang="zh-CN" dirty="0" smtClean="0"/>
+              <a:t> 10/05/2016</a:t>
+            </a:r>
+          </a:p>
+          <a:p>
+            <a:pPr lvl="1" eaLnBrk="1" hangingPunct="1">
+              <a:lnSpc>
+                <a:spcPct val="100000"/>
+              </a:lnSpc>
+              <a:defRPr/>
+            </a:pPr>
+            <a:r>
+              <a:rPr kumimoji="0" lang="en-US" altLang="zh-CN" dirty="0" smtClean="0"/>
+              <a:t># of records: </a:t>
+            </a:r>
+            <a:r>
+              <a:rPr kumimoji="0" lang="en-US" altLang="zh-CN" dirty="0" smtClean="0"/>
+              <a:t>75,432 </a:t>
+            </a:r>
+            <a:r>
+              <a:rPr kumimoji="0" lang="en-US" altLang="zh-CN" dirty="0" smtClean="0"/>
+              <a:t>records</a:t>
+            </a:r>
+          </a:p>
+          <a:p>
+            <a:pPr eaLnBrk="1" hangingPunct="1">
+              <a:lnSpc>
+                <a:spcPct val="100000"/>
+              </a:lnSpc>
+              <a:defRPr/>
+            </a:pPr>
+            <a:r>
+              <a:rPr kumimoji="0" lang="en-US" altLang="zh-CN" dirty="0" smtClean="0">
+                <a:cs typeface="+mn-cs"/>
+              </a:rPr>
+              <a:t>Table</a:t>
+            </a:r>
+          </a:p>
+          <a:p>
+            <a:pPr lvl="1" eaLnBrk="1" hangingPunct="1">
+              <a:lnSpc>
+                <a:spcPct val="100000"/>
+              </a:lnSpc>
+              <a:defRPr/>
+            </a:pPr>
+            <a:r>
+              <a:rPr kumimoji="0" lang="en-US" altLang="zh-CN" dirty="0" smtClean="0"/>
+              <a:t>Relevant Attributes</a:t>
+            </a:r>
+          </a:p>
+          <a:p>
+            <a:pPr lvl="2" eaLnBrk="1" hangingPunct="1">
+              <a:lnSpc>
+                <a:spcPct val="100000"/>
+              </a:lnSpc>
+              <a:defRPr/>
+            </a:pPr>
+            <a:r>
+              <a:rPr kumimoji="0" lang="en-US" altLang="zh-CN" dirty="0" err="1" smtClean="0">
+                <a:cs typeface="+mn-cs"/>
+              </a:rPr>
+              <a:t>created_time</a:t>
+            </a:r>
+            <a:r>
+              <a:rPr kumimoji="0" lang="en-US" altLang="zh-CN" dirty="0"/>
+              <a:t> </a:t>
+            </a:r>
+            <a:r>
+              <a:rPr kumimoji="0" lang="en-US" altLang="zh-CN" dirty="0" smtClean="0"/>
+              <a:t>(temporal </a:t>
+            </a:r>
+            <a:r>
+              <a:rPr kumimoji="0" lang="en-US" altLang="zh-CN" dirty="0"/>
+              <a:t>d</a:t>
+            </a:r>
+            <a:r>
+              <a:rPr kumimoji="0" lang="en-US" altLang="zh-CN" dirty="0" smtClean="0"/>
+              <a:t>istribution</a:t>
+            </a:r>
+            <a:r>
+              <a:rPr kumimoji="0" lang="en-US" altLang="zh-CN" dirty="0" smtClean="0">
+                <a:cs typeface="+mn-cs"/>
+              </a:rPr>
+              <a:t>)</a:t>
+            </a:r>
+          </a:p>
+          <a:p>
+            <a:pPr lvl="2" eaLnBrk="1" hangingPunct="1">
+              <a:lnSpc>
+                <a:spcPct val="100000"/>
+              </a:lnSpc>
+              <a:defRPr/>
+            </a:pPr>
+            <a:r>
+              <a:rPr kumimoji="0" lang="en-US" altLang="zh-CN" dirty="0" smtClean="0"/>
+              <a:t>location (spatial distribution, fake data)</a:t>
+            </a:r>
+          </a:p>
+          <a:p>
+            <a:pPr lvl="2" eaLnBrk="1" hangingPunct="1">
+              <a:lnSpc>
+                <a:spcPct val="100000"/>
+              </a:lnSpc>
+              <a:defRPr/>
+            </a:pPr>
+            <a:r>
+              <a:rPr kumimoji="0" lang="en-US" altLang="zh-CN" dirty="0" err="1"/>
+              <a:t>neg_value</a:t>
+            </a:r>
+            <a:r>
+              <a:rPr kumimoji="0" lang="en-US" altLang="zh-CN" dirty="0"/>
+              <a:t>, </a:t>
+            </a:r>
+            <a:r>
+              <a:rPr kumimoji="0" lang="en-US" altLang="zh-CN" dirty="0" err="1"/>
+              <a:t>neu_value</a:t>
+            </a:r>
+            <a:r>
+              <a:rPr kumimoji="0" lang="en-US" altLang="zh-CN" dirty="0"/>
+              <a:t>, </a:t>
+            </a:r>
+            <a:r>
+              <a:rPr kumimoji="0" lang="en-US" altLang="zh-CN" dirty="0" err="1" smtClean="0"/>
+              <a:t>pos_value</a:t>
+            </a:r>
+            <a:r>
+              <a:rPr kumimoji="0" lang="en-US" altLang="zh-CN" dirty="0" smtClean="0"/>
+              <a:t> (sentiment </a:t>
+            </a:r>
+            <a:r>
+              <a:rPr kumimoji="0" lang="en-US" altLang="zh-CN" dirty="0"/>
+              <a:t>d</a:t>
+            </a:r>
+            <a:r>
+              <a:rPr kumimoji="0" lang="en-US" altLang="zh-CN" dirty="0" smtClean="0"/>
+              <a:t>istribution)</a:t>
+            </a:r>
+            <a:endParaRPr kumimoji="0" lang="en-US" altLang="zh-CN" dirty="0" smtClean="0">
+              <a:cs typeface="+mn-cs"/>
+            </a:endParaRPr>
+          </a:p>
+          <a:p>
+            <a:pPr lvl="2" eaLnBrk="1" hangingPunct="1">
+              <a:lnSpc>
+                <a:spcPct val="100000"/>
+              </a:lnSpc>
+              <a:defRPr/>
+            </a:pPr>
+            <a:r>
+              <a:rPr kumimoji="0" lang="en-US" altLang="zh-CN" dirty="0"/>
+              <a:t>text </a:t>
+            </a:r>
+            <a:r>
+              <a:rPr kumimoji="0" lang="en-US" altLang="zh-CN" dirty="0" smtClean="0"/>
+              <a:t>(hot-spot Issues</a:t>
+            </a:r>
+            <a:r>
+              <a:rPr kumimoji="0" lang="en-US" altLang="zh-CN" dirty="0" smtClean="0">
+                <a:cs typeface="+mn-cs"/>
+              </a:rPr>
+              <a:t>)</a:t>
+            </a:r>
+          </a:p>
+          <a:p>
+            <a:pPr lvl="2" eaLnBrk="1" hangingPunct="1">
+              <a:lnSpc>
+                <a:spcPct val="100000"/>
+              </a:lnSpc>
+              <a:defRPr/>
+            </a:pPr>
+            <a:r>
+              <a:rPr kumimoji="0" lang="en-US" altLang="zh-CN" dirty="0" err="1" smtClean="0">
+                <a:cs typeface="+mn-cs"/>
+              </a:rPr>
+              <a:t>screen_name</a:t>
+            </a:r>
+            <a:r>
+              <a:rPr kumimoji="0" lang="en-US" altLang="zh-CN" dirty="0" smtClean="0">
+                <a:cs typeface="+mn-cs"/>
+              </a:rPr>
+              <a:t>, </a:t>
+            </a:r>
+            <a:r>
+              <a:rPr kumimoji="0" lang="en-US" altLang="zh-CN" dirty="0" err="1" smtClean="0">
+                <a:cs typeface="+mn-cs"/>
+              </a:rPr>
+              <a:t>mention_name</a:t>
+            </a:r>
+            <a:r>
+              <a:rPr kumimoji="0" lang="en-US" altLang="zh-CN" dirty="0"/>
+              <a:t> </a:t>
+            </a:r>
+            <a:r>
+              <a:rPr kumimoji="0" lang="en-US" altLang="zh-CN" dirty="0" smtClean="0"/>
+              <a:t>(key </a:t>
+            </a:r>
+            <a:r>
+              <a:rPr kumimoji="0" lang="en-US" altLang="zh-CN" dirty="0"/>
+              <a:t>u</a:t>
+            </a:r>
+            <a:r>
+              <a:rPr kumimoji="0" lang="en-US" altLang="zh-CN" dirty="0" smtClean="0"/>
+              <a:t>sers</a:t>
+            </a:r>
+            <a:r>
+              <a:rPr kumimoji="0" lang="en-US" altLang="zh-CN" dirty="0" smtClean="0">
+                <a:cs typeface="+mn-cs"/>
+              </a:rPr>
+              <a:t>)</a:t>
+            </a:r>
+          </a:p>
+        </p:txBody>
+      </p:sp>
+    </p:spTree>
+    <p:extLst>
+      <p:ext uri="{BB962C8B-B14F-4D97-AF65-F5344CB8AC3E}">
+        <p14:creationId xmlns:p14="http://schemas.microsoft.com/office/powerpoint/2010/main" val="864432868"/>
       </p:ext>
     </p:extLst>
   </p:cSld>

--- a/Final_Presentation.pptx
+++ b/Final_Presentation.pptx
@@ -18242,7 +18242,7 @@
           <p:spPr>
             <a:xfrm>
               <a:off x="791212" y="2517814"/>
-              <a:ext cx="7588435" cy="1363183"/>
+              <a:ext cx="6988683" cy="1363183"/>
             </a:xfrm>
             <a:prstGeom prst="rect">
               <a:avLst/>
@@ -18358,9 +18358,9 @@
           <p:grpSpPr>
             <a:xfrm>
               <a:off x="1135983" y="2652808"/>
-              <a:ext cx="6898887" cy="1093193"/>
+              <a:ext cx="6344255" cy="1093193"/>
               <a:chOff x="1834033" y="2877658"/>
-              <a:chExt cx="6898887" cy="1093193"/>
+              <a:chExt cx="6344255" cy="1093193"/>
             </a:xfrm>
           </p:grpSpPr>
           <p:sp>
@@ -18372,7 +18372,7 @@
             <p:spPr>
               <a:xfrm>
                 <a:off x="1834033" y="2877658"/>
-                <a:ext cx="1768416" cy="1093193"/>
+                <a:ext cx="1523968" cy="1093193"/>
               </a:xfrm>
               <a:prstGeom prst="rect">
                 <a:avLst/>
@@ -18453,9 +18453,9 @@
             </p:nvGrpSpPr>
             <p:grpSpPr>
               <a:xfrm>
-                <a:off x="4375905" y="2877658"/>
+                <a:off x="3821273" y="2877658"/>
                 <a:ext cx="4357015" cy="1093193"/>
-                <a:chOff x="4654998" y="2877658"/>
+                <a:chOff x="4100366" y="2877658"/>
                 <a:chExt cx="4357015" cy="1093193"/>
               </a:xfrm>
             </p:grpSpPr>
@@ -18467,7 +18467,7 @@
               </p:nvSpPr>
               <p:spPr>
                 <a:xfrm>
-                  <a:off x="4654998" y="2877658"/>
+                  <a:off x="4100366" y="2877658"/>
                   <a:ext cx="4357015" cy="1093193"/>
                 </a:xfrm>
                 <a:prstGeom prst="rect">
@@ -18538,7 +18538,7 @@
               </p:blipFill>
               <p:spPr>
                 <a:xfrm>
-                  <a:off x="7759208" y="3057468"/>
+                  <a:off x="7204576" y="3057468"/>
                   <a:ext cx="1005840" cy="689504"/>
                 </a:xfrm>
                 <a:prstGeom prst="rect">
@@ -18554,9 +18554,9 @@
               </p:nvGrpSpPr>
               <p:grpSpPr>
                 <a:xfrm>
-                  <a:off x="5070469" y="2956882"/>
+                  <a:off x="4515837" y="2956882"/>
                   <a:ext cx="1181792" cy="921885"/>
-                  <a:chOff x="4438570" y="2956882"/>
+                  <a:chOff x="3883938" y="2956882"/>
                   <a:chExt cx="1181792" cy="921885"/>
                 </a:xfrm>
               </p:grpSpPr>
@@ -18568,7 +18568,7 @@
                 </p:nvSpPr>
                 <p:spPr>
                   <a:xfrm>
-                    <a:off x="4438570" y="2956882"/>
+                    <a:off x="3883938" y="2956882"/>
                     <a:ext cx="1181792" cy="921885"/>
                   </a:xfrm>
                   <a:prstGeom prst="can">
@@ -18630,7 +18630,7 @@
                 </p:blipFill>
                 <p:spPr>
                   <a:xfrm>
-                    <a:off x="4572266" y="3274057"/>
+                    <a:off x="4017634" y="3274057"/>
                     <a:ext cx="914400" cy="472915"/>
                   </a:xfrm>
                   <a:prstGeom prst="rect">
@@ -18651,8 +18651,8 @@
             </p:nvCxnSpPr>
             <p:spPr>
               <a:xfrm flipV="1">
-                <a:off x="3602449" y="3417825"/>
-                <a:ext cx="1188927" cy="6430"/>
+                <a:off x="3358001" y="3417825"/>
+                <a:ext cx="878743" cy="6430"/>
               </a:xfrm>
               <a:prstGeom prst="straightConnector1">
                 <a:avLst/>
@@ -18924,8 +18924,8 @@
           </p:nvCxnSpPr>
           <p:spPr>
             <a:xfrm rot="5400000">
-              <a:off x="4072082" y="133676"/>
-              <a:ext cx="467242" cy="4571023"/>
+              <a:off x="4010970" y="72564"/>
+              <a:ext cx="467242" cy="4693247"/>
             </a:xfrm>
             <a:prstGeom prst="bentConnector3">
               <a:avLst/>
@@ -18971,8 +18971,8 @@
           </p:nvCxnSpPr>
           <p:spPr>
             <a:xfrm rot="5400000">
-              <a:off x="3855705" y="2683943"/>
-              <a:ext cx="938600" cy="3062716"/>
+              <a:off x="3578389" y="2961259"/>
+              <a:ext cx="938600" cy="2508084"/>
             </a:xfrm>
             <a:prstGeom prst="bentConnector3">
               <a:avLst>
@@ -19018,7 +19018,7 @@
           </p:nvCxnSpPr>
           <p:spPr>
             <a:xfrm rot="240000" flipH="1">
-              <a:off x="5290080" y="3100789"/>
+              <a:off x="4720454" y="3100789"/>
               <a:ext cx="1280160" cy="90508"/>
             </a:xfrm>
             <a:prstGeom prst="straightConnector1">
@@ -19054,7 +19054,7 @@
           </p:nvCxnSpPr>
           <p:spPr>
             <a:xfrm rot="240000" flipH="1">
-              <a:off x="5290081" y="3253014"/>
+              <a:off x="4720455" y="3253014"/>
               <a:ext cx="1280160" cy="90508"/>
             </a:xfrm>
             <a:prstGeom prst="straightConnector1">
@@ -19091,7 +19091,7 @@
           </p:nvSpPr>
           <p:spPr>
             <a:xfrm>
-              <a:off x="5391282" y="2803580"/>
+              <a:off x="4836650" y="2803580"/>
               <a:ext cx="1145628" cy="369332"/>
             </a:xfrm>
             <a:prstGeom prst="rect">
@@ -19136,7 +19136,7 @@
           </p:nvSpPr>
           <p:spPr>
             <a:xfrm>
-              <a:off x="5385341" y="3270894"/>
+              <a:off x="4830709" y="3270894"/>
               <a:ext cx="1145628" cy="369332"/>
             </a:xfrm>
             <a:prstGeom prst="rect">
@@ -19264,6 +19264,132 @@
           </p:txBody>
         </p:sp>
       </p:grpSp>
+      <p:sp>
+        <p:nvSpPr>
+          <p:cNvPr id="41" name="TextBox 40"/>
+          <p:cNvSpPr txBox="1"/>
+          <p:nvPr/>
+        </p:nvSpPr>
+        <p:spPr>
+          <a:xfrm>
+            <a:off x="7725393" y="2950406"/>
+            <a:ext cx="1145628" cy="646331"/>
+          </a:xfrm>
+          <a:prstGeom prst="rect">
+            <a:avLst/>
+          </a:prstGeom>
+          <a:noFill/>
+        </p:spPr>
+        <p:txBody>
+          <a:bodyPr wrap="square" rtlCol="0">
+            <a:spAutoFit/>
+          </a:bodyPr>
+          <a:lstStyle/>
+          <a:p>
+            <a:pPr algn="ctr"/>
+            <a:r>
+              <a:rPr lang="en-US" dirty="0" smtClean="0">
+                <a:solidFill>
+                  <a:srgbClr val="7A0000"/>
+                </a:solidFill>
+                <a:latin typeface="Impact" charset="0"/>
+                <a:ea typeface="Impact" charset="0"/>
+                <a:cs typeface="Impact" charset="0"/>
+              </a:rPr>
+              <a:t>Server</a:t>
+            </a:r>
+          </a:p>
+          <a:p>
+            <a:pPr algn="ctr"/>
+            <a:r>
+              <a:rPr lang="en-US" dirty="0" smtClean="0">
+                <a:solidFill>
+                  <a:srgbClr val="7A0000"/>
+                </a:solidFill>
+                <a:latin typeface="Impact" charset="0"/>
+                <a:ea typeface="Impact" charset="0"/>
+                <a:cs typeface="Impact" charset="0"/>
+              </a:rPr>
+              <a:t>Side</a:t>
+            </a:r>
+            <a:endParaRPr lang="en-US" dirty="0">
+              <a:solidFill>
+                <a:srgbClr val="7A0000"/>
+              </a:solidFill>
+              <a:latin typeface="Impact" charset="0"/>
+              <a:ea typeface="Impact" charset="0"/>
+              <a:cs typeface="Impact" charset="0"/>
+            </a:endParaRPr>
+          </a:p>
+        </p:txBody>
+      </p:sp>
+      <p:sp>
+        <p:nvSpPr>
+          <p:cNvPr id="44" name="TextBox 43"/>
+          <p:cNvSpPr txBox="1"/>
+          <p:nvPr/>
+        </p:nvSpPr>
+        <p:spPr>
+          <a:xfrm>
+            <a:off x="7725393" y="5007211"/>
+            <a:ext cx="1145628" cy="646331"/>
+          </a:xfrm>
+          <a:prstGeom prst="rect">
+            <a:avLst/>
+          </a:prstGeom>
+          <a:noFill/>
+        </p:spPr>
+        <p:txBody>
+          <a:bodyPr wrap="square" rtlCol="0">
+            <a:spAutoFit/>
+          </a:bodyPr>
+          <a:lstStyle/>
+          <a:p>
+            <a:pPr algn="ctr"/>
+            <a:r>
+              <a:rPr lang="en-US" smtClean="0">
+                <a:solidFill>
+                  <a:srgbClr val="BF912D"/>
+                </a:solidFill>
+                <a:latin typeface="Impact" charset="0"/>
+                <a:ea typeface="Impact" charset="0"/>
+                <a:cs typeface="Impact" charset="0"/>
+              </a:rPr>
+              <a:t>Client</a:t>
+            </a:r>
+            <a:endParaRPr lang="en-US" dirty="0" smtClean="0">
+              <a:solidFill>
+                <a:srgbClr val="BF912D"/>
+              </a:solidFill>
+              <a:latin typeface="Impact" charset="0"/>
+              <a:ea typeface="Impact" charset="0"/>
+              <a:cs typeface="Impact" charset="0"/>
+            </a:endParaRPr>
+          </a:p>
+          <a:p>
+            <a:pPr algn="ctr"/>
+            <a:r>
+              <a:rPr lang="en-US" dirty="0" smtClean="0">
+                <a:solidFill>
+                  <a:srgbClr val="BF912D"/>
+                </a:solidFill>
+                <a:latin typeface="Impact" charset="0"/>
+                <a:ea typeface="Impact" charset="0"/>
+                <a:cs typeface="Impact" charset="0"/>
+              </a:rPr>
+              <a:t>Side</a:t>
+            </a:r>
+            <a:endParaRPr lang="en-US" dirty="0">
+              <a:solidFill>
+                <a:srgbClr val="BF912D"/>
+              </a:solidFill>
+              <a:latin typeface="Impact" charset="0"/>
+              <a:ea typeface="Impact" charset="0"/>
+              <a:cs typeface="Impact" charset="0"/>
+            </a:endParaRPr>
+          </a:p>
+        </p:txBody>
+      </p:sp>
     </p:spTree>
     <p:extLst>
       <p:ext uri="{BB962C8B-B14F-4D97-AF65-F5344CB8AC3E}">
@@ -24319,15 +24445,7 @@
             </a:pPr>
             <a:r>
               <a:rPr kumimoji="0" lang="en-US" altLang="zh-CN" dirty="0" smtClean="0"/>
-              <a:t># of records: </a:t>
-            </a:r>
-            <a:r>
-              <a:rPr kumimoji="0" lang="en-US" altLang="zh-CN" dirty="0" smtClean="0"/>
-              <a:t>75,432 </a:t>
-            </a:r>
-            <a:r>
-              <a:rPr kumimoji="0" lang="en-US" altLang="zh-CN" dirty="0" smtClean="0"/>
-              <a:t>records</a:t>
+              <a:t># of records: 75,432 records</a:t>
             </a:r>
           </a:p>
           <a:p>
